--- a/APRESENTAÇÃO/APRESENTAÇÃO GAMEFRIENDLY.pptx
+++ b/APRESENTAÇÃO/APRESENTAÇÃO GAMEFRIENDLY.pptx
@@ -105,6 +105,11 @@
       </a:defRPr>
     </a:lvl9pPr>
   </p:defaultTextStyle>
+  <p:extLst>
+    <p:ext uri="{EFAFB233-063F-42B5-8137-9DF3F51BA10A}">
+      <p15:sldGuideLst xmlns:p15="http://schemas.microsoft.com/office/powerpoint/2012/main"/>
+    </p:ext>
+  </p:extLst>
 </p:presentation>
 </file>
 
@@ -444,7 +449,7 @@
             <a:fld id="{5923F103-BC34-4FE4-A40E-EDDEECFDA5D0}" type="datetimeFigureOut">
               <a:rPr lang="en-US" dirty="0"/>
               <a:pPr/>
-              <a:t>11/28/2018</a:t>
+              <a:t>11/29/2018</a:t>
             </a:fld>
             <a:endParaRPr lang="en-US" dirty="0"/>
           </a:p>
@@ -1532,7 +1537,7 @@
           <a:p>
             <a:fld id="{923A1CC3-2375-41D4-9E03-427CAF2A4C1A}" type="datetimeFigureOut">
               <a:rPr lang="en-US" dirty="0"/>
-              <a:t>11/28/2018</a:t>
+              <a:t>11/29/2018</a:t>
             </a:fld>
             <a:endParaRPr lang="en-US" dirty="0"/>
           </a:p>
@@ -2512,7 +2517,7 @@
           <a:p>
             <a:fld id="{AFF16868-8199-4C2C-A5B1-63AEE139F88E}" type="datetimeFigureOut">
               <a:rPr lang="en-US" dirty="0"/>
-              <a:t>11/28/2018</a:t>
+              <a:t>11/29/2018</a:t>
             </a:fld>
             <a:endParaRPr lang="en-US" dirty="0"/>
           </a:p>
@@ -3646,7 +3651,7 @@
           <a:p>
             <a:fld id="{AAD9FF7F-6988-44CC-821B-644E70CD2F73}" type="datetimeFigureOut">
               <a:rPr lang="en-US" dirty="0"/>
-              <a:t>11/28/2018</a:t>
+              <a:t>11/29/2018</a:t>
             </a:fld>
             <a:endParaRPr lang="en-US" dirty="0"/>
           </a:p>
@@ -4679,7 +4684,7 @@
           <a:p>
             <a:fld id="{5C12C299-16B2-4475-990D-751901EACC14}" type="datetimeFigureOut">
               <a:rPr lang="en-US" dirty="0"/>
-              <a:t>11/28/2018</a:t>
+              <a:t>11/29/2018</a:t>
             </a:fld>
             <a:endParaRPr lang="en-US" dirty="0"/>
           </a:p>
@@ -5339,7 +5344,7 @@
           <a:p>
             <a:fld id="{9FE86839-B9D8-4651-8783-F325ECE74E65}" type="datetimeFigureOut">
               <a:rPr lang="en-US" dirty="0"/>
-              <a:t>11/28/2018</a:t>
+              <a:t>11/29/2018</a:t>
             </a:fld>
             <a:endParaRPr lang="en-US" dirty="0"/>
           </a:p>
@@ -6200,7 +6205,7 @@
           <a:p>
             <a:fld id="{FD484F64-32F6-45C5-931F-ADC1662401D0}" type="datetimeFigureOut">
               <a:rPr lang="en-US" dirty="0"/>
-              <a:t>11/28/2018</a:t>
+              <a:t>11/29/2018</a:t>
             </a:fld>
             <a:endParaRPr lang="en-US" dirty="0"/>
           </a:p>
@@ -6390,7 +6395,7 @@
           <a:p>
             <a:fld id="{53086D93-FCAC-47E0-A2EE-787E62CA814C}" type="datetimeFigureOut">
               <a:rPr lang="en-US" dirty="0"/>
-              <a:t>11/28/2018</a:t>
+              <a:t>11/29/2018</a:t>
             </a:fld>
             <a:endParaRPr lang="en-US" dirty="0"/>
           </a:p>
@@ -7362,7 +7367,7 @@
           <a:p>
             <a:fld id="{CDA879A6-0FD0-4734-A311-86BFCA472E6E}" type="datetimeFigureOut">
               <a:rPr lang="en-US" dirty="0"/>
-              <a:t>11/28/2018</a:t>
+              <a:t>11/29/2018</a:t>
             </a:fld>
             <a:endParaRPr lang="en-US" dirty="0"/>
           </a:p>
@@ -7573,7 +7578,7 @@
           <a:p>
             <a:fld id="{19C9CA7B-DFD4-44B5-8C60-D14B8CD1FB59}" type="datetimeFigureOut">
               <a:rPr lang="en-US" dirty="0"/>
-              <a:t>11/28/2018</a:t>
+              <a:t>11/29/2018</a:t>
             </a:fld>
             <a:endParaRPr lang="en-US" dirty="0"/>
           </a:p>
@@ -8607,7 +8612,7 @@
           <a:p>
             <a:fld id="{F34E6425-0181-43F2-84FC-787E803FD2F8}" type="datetimeFigureOut">
               <a:rPr lang="en-US" dirty="0"/>
-              <a:t>11/28/2018</a:t>
+              <a:t>11/29/2018</a:t>
             </a:fld>
             <a:endParaRPr lang="en-US" dirty="0"/>
           </a:p>
@@ -8879,7 +8884,7 @@
           <a:p>
             <a:fld id="{3BDB8791-F1B0-41E7-B7FD-A781E65C4266}" type="datetimeFigureOut">
               <a:rPr lang="en-US" dirty="0"/>
-              <a:t>11/28/2018</a:t>
+              <a:t>11/29/2018</a:t>
             </a:fld>
             <a:endParaRPr lang="en-US" dirty="0"/>
           </a:p>
@@ -9289,7 +9294,7 @@
           <a:p>
             <a:fld id="{5FDD63B2-E120-4ED8-B27B-C685F510A5FE}" type="datetimeFigureOut">
               <a:rPr lang="en-US" dirty="0"/>
-              <a:t>11/28/2018</a:t>
+              <a:t>11/29/2018</a:t>
             </a:fld>
             <a:endParaRPr lang="en-US" dirty="0"/>
           </a:p>
@@ -9416,7 +9421,7 @@
           <a:p>
             <a:fld id="{7AA18ACC-A947-437B-A130-35BD54FDF1E9}" type="datetimeFigureOut">
               <a:rPr lang="en-US" dirty="0"/>
-              <a:t>11/28/2018</a:t>
+              <a:t>11/29/2018</a:t>
             </a:fld>
             <a:endParaRPr lang="en-US" dirty="0"/>
           </a:p>
@@ -9511,7 +9516,7 @@
           <a:p>
             <a:fld id="{7C8D7E02-BCB8-4D50-A234-369438C08659}" type="datetimeFigureOut">
               <a:rPr lang="en-US" dirty="0"/>
-              <a:t>11/28/2018</a:t>
+              <a:t>11/29/2018</a:t>
             </a:fld>
             <a:endParaRPr lang="en-US" dirty="0"/>
           </a:p>
@@ -10592,7 +10597,7 @@
           <a:p>
             <a:fld id="{76E86A4C-8E40-4F87-A4F0-01A0687C5742}" type="datetimeFigureOut">
               <a:rPr lang="en-US" dirty="0"/>
-              <a:t>11/28/2018</a:t>
+              <a:t>11/29/2018</a:t>
             </a:fld>
             <a:endParaRPr lang="en-US" dirty="0"/>
           </a:p>
@@ -11700,7 +11705,7 @@
           <a:p>
             <a:fld id="{35E72C73-2D91-4E12-BA25-F0AA0C03599B}" type="datetimeFigureOut">
               <a:rPr lang="en-US" dirty="0"/>
-              <a:t>11/28/2018</a:t>
+              <a:t>11/29/2018</a:t>
             </a:fld>
             <a:endParaRPr lang="en-US" dirty="0"/>
           </a:p>
@@ -12697,7 +12702,7 @@
           <a:p>
             <a:fld id="{2BE451C3-0FF4-47C4-B829-773ADF60F88C}" type="datetimeFigureOut">
               <a:rPr lang="en-US" dirty="0"/>
-              <a:t>11/28/2018</a:t>
+              <a:t>11/29/2018</a:t>
             </a:fld>
             <a:endParaRPr lang="en-US" dirty="0"/>
           </a:p>
@@ -13607,7 +13612,7 @@
                 <a:latin typeface="Courier New" panose="02070309020205020404" pitchFamily="49" charset="0"/>
                 <a:cs typeface="Courier New" panose="02070309020205020404" pitchFamily="49" charset="0"/>
               </a:rPr>
-              <a:t>(“Levar ”)</a:t>
+              <a:t>(“Fomentar e viabilizar o estudo da programação   ”)</a:t>
             </a:r>
             <a:br>
               <a:rPr lang="pt-BR" sz="3000" b="1" dirty="0">

--- a/APRESENTAÇÃO/APRESENTAÇÃO GAMEFRIENDLY.pptx
+++ b/APRESENTAÇÃO/APRESENTAÇÃO GAMEFRIENDLY.pptx
@@ -7,6 +7,14 @@
   <p:sldIdLst>
     <p:sldId id="256" r:id="rId2"/>
     <p:sldId id="257" r:id="rId3"/>
+    <p:sldId id="259" r:id="rId4"/>
+    <p:sldId id="260" r:id="rId5"/>
+    <p:sldId id="261" r:id="rId6"/>
+    <p:sldId id="262" r:id="rId7"/>
+    <p:sldId id="263" r:id="rId8"/>
+    <p:sldId id="265" r:id="rId9"/>
+    <p:sldId id="266" r:id="rId10"/>
+    <p:sldId id="264" r:id="rId11"/>
   </p:sldIdLst>
   <p:sldSz cx="12192000" cy="6858000"/>
   <p:notesSz cx="6858000" cy="9144000"/>
@@ -449,7 +457,7 @@
             <a:fld id="{5923F103-BC34-4FE4-A40E-EDDEECFDA5D0}" type="datetimeFigureOut">
               <a:rPr lang="en-US" dirty="0"/>
               <a:pPr/>
-              <a:t>11/29/2018</a:t>
+              <a:t>11/30/2018</a:t>
             </a:fld>
             <a:endParaRPr lang="en-US" dirty="0"/>
           </a:p>
@@ -1537,7 +1545,7 @@
           <a:p>
             <a:fld id="{923A1CC3-2375-41D4-9E03-427CAF2A4C1A}" type="datetimeFigureOut">
               <a:rPr lang="en-US" dirty="0"/>
-              <a:t>11/29/2018</a:t>
+              <a:t>11/30/2018</a:t>
             </a:fld>
             <a:endParaRPr lang="en-US" dirty="0"/>
           </a:p>
@@ -2517,7 +2525,7 @@
           <a:p>
             <a:fld id="{AFF16868-8199-4C2C-A5B1-63AEE139F88E}" type="datetimeFigureOut">
               <a:rPr lang="en-US" dirty="0"/>
-              <a:t>11/29/2018</a:t>
+              <a:t>11/30/2018</a:t>
             </a:fld>
             <a:endParaRPr lang="en-US" dirty="0"/>
           </a:p>
@@ -3651,7 +3659,7 @@
           <a:p>
             <a:fld id="{AAD9FF7F-6988-44CC-821B-644E70CD2F73}" type="datetimeFigureOut">
               <a:rPr lang="en-US" dirty="0"/>
-              <a:t>11/29/2018</a:t>
+              <a:t>11/30/2018</a:t>
             </a:fld>
             <a:endParaRPr lang="en-US" dirty="0"/>
           </a:p>
@@ -4684,7 +4692,7 @@
           <a:p>
             <a:fld id="{5C12C299-16B2-4475-990D-751901EACC14}" type="datetimeFigureOut">
               <a:rPr lang="en-US" dirty="0"/>
-              <a:t>11/29/2018</a:t>
+              <a:t>11/30/2018</a:t>
             </a:fld>
             <a:endParaRPr lang="en-US" dirty="0"/>
           </a:p>
@@ -5344,7 +5352,7 @@
           <a:p>
             <a:fld id="{9FE86839-B9D8-4651-8783-F325ECE74E65}" type="datetimeFigureOut">
               <a:rPr lang="en-US" dirty="0"/>
-              <a:t>11/29/2018</a:t>
+              <a:t>11/30/2018</a:t>
             </a:fld>
             <a:endParaRPr lang="en-US" dirty="0"/>
           </a:p>
@@ -6205,7 +6213,7 @@
           <a:p>
             <a:fld id="{FD484F64-32F6-45C5-931F-ADC1662401D0}" type="datetimeFigureOut">
               <a:rPr lang="en-US" dirty="0"/>
-              <a:t>11/29/2018</a:t>
+              <a:t>11/30/2018</a:t>
             </a:fld>
             <a:endParaRPr lang="en-US" dirty="0"/>
           </a:p>
@@ -6395,7 +6403,7 @@
           <a:p>
             <a:fld id="{53086D93-FCAC-47E0-A2EE-787E62CA814C}" type="datetimeFigureOut">
               <a:rPr lang="en-US" dirty="0"/>
-              <a:t>11/29/2018</a:t>
+              <a:t>11/30/2018</a:t>
             </a:fld>
             <a:endParaRPr lang="en-US" dirty="0"/>
           </a:p>
@@ -7367,7 +7375,7 @@
           <a:p>
             <a:fld id="{CDA879A6-0FD0-4734-A311-86BFCA472E6E}" type="datetimeFigureOut">
               <a:rPr lang="en-US" dirty="0"/>
-              <a:t>11/29/2018</a:t>
+              <a:t>11/30/2018</a:t>
             </a:fld>
             <a:endParaRPr lang="en-US" dirty="0"/>
           </a:p>
@@ -7578,7 +7586,7 @@
           <a:p>
             <a:fld id="{19C9CA7B-DFD4-44B5-8C60-D14B8CD1FB59}" type="datetimeFigureOut">
               <a:rPr lang="en-US" dirty="0"/>
-              <a:t>11/29/2018</a:t>
+              <a:t>11/30/2018</a:t>
             </a:fld>
             <a:endParaRPr lang="en-US" dirty="0"/>
           </a:p>
@@ -8612,7 +8620,7 @@
           <a:p>
             <a:fld id="{F34E6425-0181-43F2-84FC-787E803FD2F8}" type="datetimeFigureOut">
               <a:rPr lang="en-US" dirty="0"/>
-              <a:t>11/29/2018</a:t>
+              <a:t>11/30/2018</a:t>
             </a:fld>
             <a:endParaRPr lang="en-US" dirty="0"/>
           </a:p>
@@ -8884,7 +8892,7 @@
           <a:p>
             <a:fld id="{3BDB8791-F1B0-41E7-B7FD-A781E65C4266}" type="datetimeFigureOut">
               <a:rPr lang="en-US" dirty="0"/>
-              <a:t>11/29/2018</a:t>
+              <a:t>11/30/2018</a:t>
             </a:fld>
             <a:endParaRPr lang="en-US" dirty="0"/>
           </a:p>
@@ -9294,7 +9302,7 @@
           <a:p>
             <a:fld id="{5FDD63B2-E120-4ED8-B27B-C685F510A5FE}" type="datetimeFigureOut">
               <a:rPr lang="en-US" dirty="0"/>
-              <a:t>11/29/2018</a:t>
+              <a:t>11/30/2018</a:t>
             </a:fld>
             <a:endParaRPr lang="en-US" dirty="0"/>
           </a:p>
@@ -9421,7 +9429,7 @@
           <a:p>
             <a:fld id="{7AA18ACC-A947-437B-A130-35BD54FDF1E9}" type="datetimeFigureOut">
               <a:rPr lang="en-US" dirty="0"/>
-              <a:t>11/29/2018</a:t>
+              <a:t>11/30/2018</a:t>
             </a:fld>
             <a:endParaRPr lang="en-US" dirty="0"/>
           </a:p>
@@ -9516,7 +9524,7 @@
           <a:p>
             <a:fld id="{7C8D7E02-BCB8-4D50-A234-369438C08659}" type="datetimeFigureOut">
               <a:rPr lang="en-US" dirty="0"/>
-              <a:t>11/29/2018</a:t>
+              <a:t>11/30/2018</a:t>
             </a:fld>
             <a:endParaRPr lang="en-US" dirty="0"/>
           </a:p>
@@ -10597,7 +10605,7 @@
           <a:p>
             <a:fld id="{76E86A4C-8E40-4F87-A4F0-01A0687C5742}" type="datetimeFigureOut">
               <a:rPr lang="en-US" dirty="0"/>
-              <a:t>11/29/2018</a:t>
+              <a:t>11/30/2018</a:t>
             </a:fld>
             <a:endParaRPr lang="en-US" dirty="0"/>
           </a:p>
@@ -11705,7 +11713,7 @@
           <a:p>
             <a:fld id="{35E72C73-2D91-4E12-BA25-F0AA0C03599B}" type="datetimeFigureOut">
               <a:rPr lang="en-US" dirty="0"/>
-              <a:t>11/29/2018</a:t>
+              <a:t>11/30/2018</a:t>
             </a:fld>
             <a:endParaRPr lang="en-US" dirty="0"/>
           </a:p>
@@ -12702,7 +12710,7 @@
           <a:p>
             <a:fld id="{2BE451C3-0FF4-47C4-B829-773ADF60F88C}" type="datetimeFigureOut">
               <a:rPr lang="en-US" dirty="0"/>
-              <a:t>11/29/2018</a:t>
+              <a:t>11/30/2018</a:t>
             </a:fld>
             <a:endParaRPr lang="en-US" dirty="0"/>
           </a:p>
@@ -13532,6 +13540,119 @@
 </p:sld>
 </file>
 
+<file path=ppt/slides/slide10.xml><?xml version="1.0" encoding="utf-8"?>
+<p:sld xmlns:a="http://schemas.openxmlformats.org/drawingml/2006/main" xmlns:r="http://schemas.openxmlformats.org/officeDocument/2006/relationships" xmlns:p="http://schemas.openxmlformats.org/presentationml/2006/main">
+  <p:cSld>
+    <p:spTree>
+      <p:nvGrpSpPr>
+        <p:cNvPr id="1" name=""/>
+        <p:cNvGrpSpPr/>
+        <p:nvPr/>
+      </p:nvGrpSpPr>
+      <p:grpSpPr>
+        <a:xfrm>
+          <a:off x="0" y="0"/>
+          <a:ext cx="0" cy="0"/>
+          <a:chOff x="0" y="0"/>
+          <a:chExt cx="0" cy="0"/>
+        </a:xfrm>
+      </p:grpSpPr>
+      <p:sp>
+        <p:nvSpPr>
+          <p:cNvPr id="2" name="Título 1">
+            <a:extLst>
+              <a:ext uri="{FF2B5EF4-FFF2-40B4-BE49-F238E27FC236}">
+                <a16:creationId xmlns:a16="http://schemas.microsoft.com/office/drawing/2014/main" id="{6A91E726-E2E5-410E-BD7B-798D9DB5DC85}"/>
+              </a:ext>
+            </a:extLst>
+          </p:cNvPr>
+          <p:cNvSpPr>
+            <a:spLocks noGrp="1"/>
+          </p:cNvSpPr>
+          <p:nvPr>
+            <p:ph type="ctrTitle"/>
+          </p:nvPr>
+        </p:nvSpPr>
+        <p:spPr>
+          <a:xfrm>
+            <a:off x="736847" y="711942"/>
+            <a:ext cx="9294920" cy="690983"/>
+          </a:xfrm>
+        </p:spPr>
+        <p:txBody>
+          <a:bodyPr anchor="t"/>
+          <a:lstStyle/>
+          <a:p>
+            <a:r>
+              <a:rPr lang="pt-BR" sz="4800" b="1" dirty="0">
+                <a:latin typeface="Courier New" panose="02070309020205020404" pitchFamily="49" charset="0"/>
+                <a:cs typeface="Courier New" panose="02070309020205020404" pitchFamily="49" charset="0"/>
+              </a:rPr>
+              <a:t>//PROGRAMAÇÃO</a:t>
+            </a:r>
+            <a:br>
+              <a:rPr lang="pt-BR" sz="4800" b="1" dirty="0">
+                <a:latin typeface="Courier New" panose="02070309020205020404" pitchFamily="49" charset="0"/>
+                <a:cs typeface="Courier New" panose="02070309020205020404" pitchFamily="49" charset="0"/>
+              </a:rPr>
+            </a:br>
+            <a:r>
+              <a:rPr lang="pt-BR" sz="4800" b="1" dirty="0">
+                <a:latin typeface="Courier New" panose="02070309020205020404" pitchFamily="49" charset="0"/>
+                <a:cs typeface="Courier New" panose="02070309020205020404" pitchFamily="49" charset="0"/>
+              </a:rPr>
+              <a:t>	</a:t>
+            </a:r>
+            <a:endParaRPr lang="en-US" sz="4800" b="1" dirty="0">
+              <a:latin typeface="Courier New" panose="02070309020205020404" pitchFamily="49" charset="0"/>
+              <a:cs typeface="Courier New" panose="02070309020205020404" pitchFamily="49" charset="0"/>
+            </a:endParaRPr>
+          </a:p>
+        </p:txBody>
+      </p:sp>
+      <p:pic>
+        <p:nvPicPr>
+          <p:cNvPr id="5" name="Imagem 4">
+            <a:extLst>
+              <a:ext uri="{FF2B5EF4-FFF2-40B4-BE49-F238E27FC236}">
+                <a16:creationId xmlns:a16="http://schemas.microsoft.com/office/drawing/2014/main" id="{9BF7BFA3-66E1-4DC5-AD54-D4D46AD07568}"/>
+              </a:ext>
+            </a:extLst>
+          </p:cNvPr>
+          <p:cNvPicPr>
+            <a:picLocks noChangeAspect="1"/>
+          </p:cNvPicPr>
+          <p:nvPr/>
+        </p:nvPicPr>
+        <p:blipFill>
+          <a:blip r:embed="rId2"/>
+          <a:stretch>
+            <a:fillRect/>
+          </a:stretch>
+        </p:blipFill>
+        <p:spPr>
+          <a:xfrm>
+            <a:off x="10534650" y="366451"/>
+            <a:ext cx="523995" cy="690983"/>
+          </a:xfrm>
+          <a:prstGeom prst="rect">
+            <a:avLst/>
+          </a:prstGeom>
+        </p:spPr>
+      </p:pic>
+    </p:spTree>
+    <p:extLst>
+      <p:ext uri="{BB962C8B-B14F-4D97-AF65-F5344CB8AC3E}">
+        <p14:creationId xmlns:p14="http://schemas.microsoft.com/office/powerpoint/2010/main" val="2330333810"/>
+      </p:ext>
+    </p:extLst>
+  </p:cSld>
+  <p:clrMapOvr>
+    <a:masterClrMapping/>
+  </p:clrMapOvr>
+</p:sld>
+</file>
+
 <file path=ppt/slides/slide2.xml><?xml version="1.0" encoding="utf-8"?>
 <p:sld xmlns:a="http://schemas.openxmlformats.org/drawingml/2006/main" xmlns:r="http://schemas.openxmlformats.org/officeDocument/2006/relationships" xmlns:p="http://schemas.openxmlformats.org/presentationml/2006/main">
   <p:cSld>
@@ -13567,8 +13688,8 @@
         </p:nvSpPr>
         <p:spPr>
           <a:xfrm>
-            <a:off x="763481" y="468297"/>
-            <a:ext cx="11230252" cy="5921406"/>
+            <a:off x="816748" y="0"/>
+            <a:ext cx="10777490" cy="5921406"/>
           </a:xfrm>
         </p:spPr>
         <p:txBody>
@@ -13612,7 +13733,7 @@
                 <a:latin typeface="Courier New" panose="02070309020205020404" pitchFamily="49" charset="0"/>
                 <a:cs typeface="Courier New" panose="02070309020205020404" pitchFamily="49" charset="0"/>
               </a:rPr>
-              <a:t>(“Fomentar e viabilizar o estudo da programação   ”)</a:t>
+              <a:t>(“Viabilizar o ensino da programação através de um plataforma que visa facilitar a interação professor/aluno e auxiliar através da gamificação o processo de aprendizagem.”);</a:t>
             </a:r>
             <a:br>
               <a:rPr lang="pt-BR" sz="3000" b="1" dirty="0">
@@ -13667,6 +13788,1666 @@
     <p:extLst>
       <p:ext uri="{BB962C8B-B14F-4D97-AF65-F5344CB8AC3E}">
         <p14:creationId xmlns:p14="http://schemas.microsoft.com/office/powerpoint/2010/main" val="535294943"/>
+      </p:ext>
+    </p:extLst>
+  </p:cSld>
+  <p:clrMapOvr>
+    <a:masterClrMapping/>
+  </p:clrMapOvr>
+</p:sld>
+</file>
+
+<file path=ppt/slides/slide3.xml><?xml version="1.0" encoding="utf-8"?>
+<p:sld xmlns:a="http://schemas.openxmlformats.org/drawingml/2006/main" xmlns:r="http://schemas.openxmlformats.org/officeDocument/2006/relationships" xmlns:p="http://schemas.openxmlformats.org/presentationml/2006/main">
+  <p:cSld>
+    <p:spTree>
+      <p:nvGrpSpPr>
+        <p:cNvPr id="1" name=""/>
+        <p:cNvGrpSpPr/>
+        <p:nvPr/>
+      </p:nvGrpSpPr>
+      <p:grpSpPr>
+        <a:xfrm>
+          <a:off x="0" y="0"/>
+          <a:ext cx="0" cy="0"/>
+          <a:chOff x="0" y="0"/>
+          <a:chExt cx="0" cy="0"/>
+        </a:xfrm>
+      </p:grpSpPr>
+      <p:sp>
+        <p:nvSpPr>
+          <p:cNvPr id="2" name="Título 1">
+            <a:extLst>
+              <a:ext uri="{FF2B5EF4-FFF2-40B4-BE49-F238E27FC236}">
+                <a16:creationId xmlns:a16="http://schemas.microsoft.com/office/drawing/2014/main" id="{6A91E726-E2E5-410E-BD7B-798D9DB5DC85}"/>
+              </a:ext>
+            </a:extLst>
+          </p:cNvPr>
+          <p:cNvSpPr>
+            <a:spLocks noGrp="1"/>
+          </p:cNvSpPr>
+          <p:nvPr>
+            <p:ph type="ctrTitle"/>
+          </p:nvPr>
+        </p:nvSpPr>
+        <p:spPr>
+          <a:xfrm>
+            <a:off x="707255" y="315652"/>
+            <a:ext cx="10777490" cy="5921406"/>
+          </a:xfrm>
+        </p:spPr>
+        <p:txBody>
+          <a:bodyPr anchor="t"/>
+          <a:lstStyle/>
+          <a:p>
+            <a:br>
+              <a:rPr lang="pt-BR" dirty="0">
+                <a:latin typeface="Courier New" panose="02070309020205020404" pitchFamily="49" charset="0"/>
+                <a:cs typeface="Courier New" panose="02070309020205020404" pitchFamily="49" charset="0"/>
+              </a:rPr>
+            </a:br>
+            <a:r>
+              <a:rPr lang="pt-BR" b="1" dirty="0">
+                <a:latin typeface="Courier New" panose="02070309020205020404" pitchFamily="49" charset="0"/>
+                <a:cs typeface="Courier New" panose="02070309020205020404" pitchFamily="49" charset="0"/>
+              </a:rPr>
+              <a:t>//A plataforma</a:t>
+            </a:r>
+            <a:br>
+              <a:rPr lang="pt-BR" dirty="0">
+                <a:latin typeface="Courier New" panose="02070309020205020404" pitchFamily="49" charset="0"/>
+                <a:cs typeface="Courier New" panose="02070309020205020404" pitchFamily="49" charset="0"/>
+              </a:rPr>
+            </a:br>
+            <a:br>
+              <a:rPr lang="pt-BR" dirty="0">
+                <a:latin typeface="Courier New" panose="02070309020205020404" pitchFamily="49" charset="0"/>
+                <a:cs typeface="Courier New" panose="02070309020205020404" pitchFamily="49" charset="0"/>
+              </a:rPr>
+            </a:br>
+            <a:r>
+              <a:rPr lang="pt-BR" sz="3000" b="1" dirty="0" err="1">
+                <a:latin typeface="Courier New" panose="02070309020205020404" pitchFamily="49" charset="0"/>
+                <a:cs typeface="Courier New" panose="02070309020205020404" pitchFamily="49" charset="0"/>
+              </a:rPr>
+              <a:t>Console.Write</a:t>
+            </a:r>
+            <a:r>
+              <a:rPr lang="pt-BR" sz="3000" b="1" dirty="0">
+                <a:latin typeface="Courier New" panose="02070309020205020404" pitchFamily="49" charset="0"/>
+                <a:cs typeface="Courier New" panose="02070309020205020404" pitchFamily="49" charset="0"/>
+              </a:rPr>
+              <a:t>(“Denominada </a:t>
+            </a:r>
+            <a:r>
+              <a:rPr lang="pt-BR" sz="3000" b="1" dirty="0" err="1">
+                <a:latin typeface="Courier New" panose="02070309020205020404" pitchFamily="49" charset="0"/>
+                <a:cs typeface="Courier New" panose="02070309020205020404" pitchFamily="49" charset="0"/>
+              </a:rPr>
+              <a:t>GameLearning</a:t>
+            </a:r>
+            <a:r>
+              <a:rPr lang="pt-BR" sz="3000" b="1" dirty="0">
+                <a:latin typeface="Courier New" panose="02070309020205020404" pitchFamily="49" charset="0"/>
+                <a:cs typeface="Courier New" panose="02070309020205020404" pitchFamily="49" charset="0"/>
+              </a:rPr>
+              <a:t> consiste em um ambiente interativo onde professores poderão criar exercícios para os alunos, como apoio ao material didático disponível.”);</a:t>
+            </a:r>
+            <a:br>
+              <a:rPr lang="pt-BR" sz="3000" b="1" dirty="0">
+                <a:latin typeface="Courier New" panose="02070309020205020404" pitchFamily="49" charset="0"/>
+                <a:cs typeface="Courier New" panose="02070309020205020404" pitchFamily="49" charset="0"/>
+              </a:rPr>
+            </a:br>
+            <a:br>
+              <a:rPr lang="pt-BR" dirty="0">
+                <a:latin typeface="Courier New" panose="02070309020205020404" pitchFamily="49" charset="0"/>
+                <a:cs typeface="Courier New" panose="02070309020205020404" pitchFamily="49" charset="0"/>
+              </a:rPr>
+            </a:br>
+            <a:endParaRPr lang="en-US" dirty="0">
+              <a:latin typeface="Courier New" panose="02070309020205020404" pitchFamily="49" charset="0"/>
+              <a:cs typeface="Courier New" panose="02070309020205020404" pitchFamily="49" charset="0"/>
+            </a:endParaRPr>
+          </a:p>
+        </p:txBody>
+      </p:sp>
+      <p:pic>
+        <p:nvPicPr>
+          <p:cNvPr id="5" name="Imagem 4">
+            <a:extLst>
+              <a:ext uri="{FF2B5EF4-FFF2-40B4-BE49-F238E27FC236}">
+                <a16:creationId xmlns:a16="http://schemas.microsoft.com/office/drawing/2014/main" id="{9BF7BFA3-66E1-4DC5-AD54-D4D46AD07568}"/>
+              </a:ext>
+            </a:extLst>
+          </p:cNvPr>
+          <p:cNvPicPr>
+            <a:picLocks noChangeAspect="1"/>
+          </p:cNvPicPr>
+          <p:nvPr/>
+        </p:nvPicPr>
+        <p:blipFill>
+          <a:blip r:embed="rId2"/>
+          <a:stretch>
+            <a:fillRect/>
+          </a:stretch>
+        </p:blipFill>
+        <p:spPr>
+          <a:xfrm>
+            <a:off x="10534650" y="366451"/>
+            <a:ext cx="523995" cy="690983"/>
+          </a:xfrm>
+          <a:prstGeom prst="rect">
+            <a:avLst/>
+          </a:prstGeom>
+        </p:spPr>
+      </p:pic>
+    </p:spTree>
+    <p:extLst>
+      <p:ext uri="{BB962C8B-B14F-4D97-AF65-F5344CB8AC3E}">
+        <p14:creationId xmlns:p14="http://schemas.microsoft.com/office/powerpoint/2010/main" val="100462795"/>
+      </p:ext>
+    </p:extLst>
+  </p:cSld>
+  <p:clrMapOvr>
+    <a:masterClrMapping/>
+  </p:clrMapOvr>
+</p:sld>
+</file>
+
+<file path=ppt/slides/slide4.xml><?xml version="1.0" encoding="utf-8"?>
+<p:sld xmlns:a="http://schemas.openxmlformats.org/drawingml/2006/main" xmlns:r="http://schemas.openxmlformats.org/officeDocument/2006/relationships" xmlns:p="http://schemas.openxmlformats.org/presentationml/2006/main">
+  <p:cSld>
+    <p:spTree>
+      <p:nvGrpSpPr>
+        <p:cNvPr id="1" name=""/>
+        <p:cNvGrpSpPr/>
+        <p:nvPr/>
+      </p:nvGrpSpPr>
+      <p:grpSpPr>
+        <a:xfrm>
+          <a:off x="0" y="0"/>
+          <a:ext cx="0" cy="0"/>
+          <a:chOff x="0" y="0"/>
+          <a:chExt cx="0" cy="0"/>
+        </a:xfrm>
+      </p:grpSpPr>
+      <p:sp>
+        <p:nvSpPr>
+          <p:cNvPr id="2" name="Título 1">
+            <a:extLst>
+              <a:ext uri="{FF2B5EF4-FFF2-40B4-BE49-F238E27FC236}">
+                <a16:creationId xmlns:a16="http://schemas.microsoft.com/office/drawing/2014/main" id="{6A91E726-E2E5-410E-BD7B-798D9DB5DC85}"/>
+              </a:ext>
+            </a:extLst>
+          </p:cNvPr>
+          <p:cNvSpPr>
+            <a:spLocks noGrp="1"/>
+          </p:cNvSpPr>
+          <p:nvPr>
+            <p:ph type="ctrTitle"/>
+          </p:nvPr>
+        </p:nvSpPr>
+        <p:spPr>
+          <a:xfrm>
+            <a:off x="736847" y="711942"/>
+            <a:ext cx="9294920" cy="690983"/>
+          </a:xfrm>
+        </p:spPr>
+        <p:txBody>
+          <a:bodyPr anchor="t"/>
+          <a:lstStyle/>
+          <a:p>
+            <a:r>
+              <a:rPr lang="pt-BR" sz="4800" b="1" dirty="0">
+                <a:latin typeface="Courier New" panose="02070309020205020404" pitchFamily="49" charset="0"/>
+                <a:cs typeface="Courier New" panose="02070309020205020404" pitchFamily="49" charset="0"/>
+              </a:rPr>
+              <a:t>//Engenharia Software</a:t>
+            </a:r>
+            <a:br>
+              <a:rPr lang="pt-BR" sz="4800" b="1" dirty="0">
+                <a:latin typeface="Courier New" panose="02070309020205020404" pitchFamily="49" charset="0"/>
+                <a:cs typeface="Courier New" panose="02070309020205020404" pitchFamily="49" charset="0"/>
+              </a:rPr>
+            </a:br>
+            <a:r>
+              <a:rPr lang="pt-BR" sz="4800" b="1" dirty="0">
+                <a:latin typeface="Courier New" panose="02070309020205020404" pitchFamily="49" charset="0"/>
+                <a:cs typeface="Courier New" panose="02070309020205020404" pitchFamily="49" charset="0"/>
+              </a:rPr>
+              <a:t>	</a:t>
+            </a:r>
+            <a:endParaRPr lang="en-US" sz="4800" b="1" dirty="0">
+              <a:latin typeface="Courier New" panose="02070309020205020404" pitchFamily="49" charset="0"/>
+              <a:cs typeface="Courier New" panose="02070309020205020404" pitchFamily="49" charset="0"/>
+            </a:endParaRPr>
+          </a:p>
+        </p:txBody>
+      </p:sp>
+      <p:pic>
+        <p:nvPicPr>
+          <p:cNvPr id="5" name="Imagem 4">
+            <a:extLst>
+              <a:ext uri="{FF2B5EF4-FFF2-40B4-BE49-F238E27FC236}">
+                <a16:creationId xmlns:a16="http://schemas.microsoft.com/office/drawing/2014/main" id="{9BF7BFA3-66E1-4DC5-AD54-D4D46AD07568}"/>
+              </a:ext>
+            </a:extLst>
+          </p:cNvPr>
+          <p:cNvPicPr>
+            <a:picLocks noChangeAspect="1"/>
+          </p:cNvPicPr>
+          <p:nvPr/>
+        </p:nvPicPr>
+        <p:blipFill>
+          <a:blip r:embed="rId2"/>
+          <a:stretch>
+            <a:fillRect/>
+          </a:stretch>
+        </p:blipFill>
+        <p:spPr>
+          <a:xfrm>
+            <a:off x="10534650" y="366451"/>
+            <a:ext cx="523995" cy="690983"/>
+          </a:xfrm>
+          <a:prstGeom prst="rect">
+            <a:avLst/>
+          </a:prstGeom>
+        </p:spPr>
+      </p:pic>
+      <p:sp>
+        <p:nvSpPr>
+          <p:cNvPr id="3" name="CaixaDeTexto 2">
+            <a:extLst>
+              <a:ext uri="{FF2B5EF4-FFF2-40B4-BE49-F238E27FC236}">
+                <a16:creationId xmlns:a16="http://schemas.microsoft.com/office/drawing/2014/main" id="{B8F912C2-3453-4957-AB52-D21C1EA8DEF9}"/>
+              </a:ext>
+            </a:extLst>
+          </p:cNvPr>
+          <p:cNvSpPr txBox="1"/>
+          <p:nvPr/>
+        </p:nvSpPr>
+        <p:spPr>
+          <a:xfrm>
+            <a:off x="2095131" y="1919116"/>
+            <a:ext cx="9753415" cy="6555641"/>
+          </a:xfrm>
+          <a:prstGeom prst="rect">
+            <a:avLst/>
+          </a:prstGeom>
+          <a:noFill/>
+        </p:spPr>
+        <p:txBody>
+          <a:bodyPr wrap="square" rtlCol="0">
+            <a:spAutoFit/>
+          </a:bodyPr>
+          <a:lstStyle/>
+          <a:p>
+            <a:pPr marL="457200" indent="-457200">
+              <a:buFont typeface="Wingdings" panose="05000000000000000000" pitchFamily="2" charset="2"/>
+              <a:buChar char="q"/>
+            </a:pPr>
+            <a:r>
+              <a:rPr lang="pt-BR" sz="2800" dirty="0">
+                <a:solidFill>
+                  <a:schemeClr val="bg1"/>
+                </a:solidFill>
+                <a:latin typeface="Courier New" panose="02070309020205020404" pitchFamily="49" charset="0"/>
+                <a:cs typeface="Courier New" panose="02070309020205020404" pitchFamily="49" charset="0"/>
+              </a:rPr>
+              <a:t>Levantamento Requisitos</a:t>
+            </a:r>
+          </a:p>
+          <a:p>
+            <a:pPr marL="457200" indent="-457200">
+              <a:buFont typeface="Wingdings" panose="05000000000000000000" pitchFamily="2" charset="2"/>
+              <a:buChar char="q"/>
+            </a:pPr>
+            <a:endParaRPr lang="pt-BR" sz="2800" dirty="0">
+              <a:solidFill>
+                <a:schemeClr val="bg1"/>
+              </a:solidFill>
+              <a:latin typeface="Courier New" panose="02070309020205020404" pitchFamily="49" charset="0"/>
+              <a:cs typeface="Courier New" panose="02070309020205020404" pitchFamily="49" charset="0"/>
+            </a:endParaRPr>
+          </a:p>
+          <a:p>
+            <a:pPr marL="914400" lvl="1" indent="-457200">
+              <a:buFont typeface="Wingdings" panose="05000000000000000000" pitchFamily="2" charset="2"/>
+              <a:buChar char="q"/>
+            </a:pPr>
+            <a:r>
+              <a:rPr lang="pt-BR" sz="2800" dirty="0">
+                <a:solidFill>
+                  <a:schemeClr val="bg1"/>
+                </a:solidFill>
+                <a:latin typeface="Courier New" panose="02070309020205020404" pitchFamily="49" charset="0"/>
+                <a:cs typeface="Courier New" panose="02070309020205020404" pitchFamily="49" charset="0"/>
+              </a:rPr>
+              <a:t>Etnografia</a:t>
+            </a:r>
+          </a:p>
+          <a:p>
+            <a:pPr marL="914400" lvl="1" indent="-457200">
+              <a:buFont typeface="Wingdings" panose="05000000000000000000" pitchFamily="2" charset="2"/>
+              <a:buChar char="q"/>
+            </a:pPr>
+            <a:r>
+              <a:rPr lang="pt-BR" sz="2800" dirty="0">
+                <a:solidFill>
+                  <a:schemeClr val="bg1"/>
+                </a:solidFill>
+                <a:latin typeface="Courier New" panose="02070309020205020404" pitchFamily="49" charset="0"/>
+                <a:cs typeface="Courier New" panose="02070309020205020404" pitchFamily="49" charset="0"/>
+              </a:rPr>
+              <a:t>Prototipagem</a:t>
+            </a:r>
+          </a:p>
+          <a:p>
+            <a:pPr marL="914400" lvl="1" indent="-457200">
+              <a:buFont typeface="Wingdings" panose="05000000000000000000" pitchFamily="2" charset="2"/>
+              <a:buChar char="q"/>
+            </a:pPr>
+            <a:r>
+              <a:rPr lang="pt-BR" sz="2800" dirty="0" err="1">
+                <a:solidFill>
+                  <a:schemeClr val="bg1"/>
+                </a:solidFill>
+                <a:latin typeface="Courier New" panose="02070309020205020404" pitchFamily="49" charset="0"/>
+                <a:cs typeface="Courier New" panose="02070309020205020404" pitchFamily="49" charset="0"/>
+              </a:rPr>
+              <a:t>Braintorming</a:t>
+            </a:r>
+            <a:endParaRPr lang="pt-BR" sz="2800" dirty="0">
+              <a:solidFill>
+                <a:schemeClr val="bg1"/>
+              </a:solidFill>
+              <a:latin typeface="Courier New" panose="02070309020205020404" pitchFamily="49" charset="0"/>
+              <a:cs typeface="Courier New" panose="02070309020205020404" pitchFamily="49" charset="0"/>
+            </a:endParaRPr>
+          </a:p>
+          <a:p>
+            <a:pPr marL="914400" lvl="1" indent="-457200">
+              <a:buFont typeface="Wingdings" panose="05000000000000000000" pitchFamily="2" charset="2"/>
+              <a:buChar char="q"/>
+            </a:pPr>
+            <a:endParaRPr lang="pt-BR" sz="2800" dirty="0">
+              <a:solidFill>
+                <a:schemeClr val="bg1"/>
+              </a:solidFill>
+              <a:latin typeface="Courier New" panose="02070309020205020404" pitchFamily="49" charset="0"/>
+              <a:cs typeface="Courier New" panose="02070309020205020404" pitchFamily="49" charset="0"/>
+            </a:endParaRPr>
+          </a:p>
+          <a:p>
+            <a:pPr marL="457200" indent="-457200">
+              <a:buFont typeface="Wingdings" panose="05000000000000000000" pitchFamily="2" charset="2"/>
+              <a:buChar char="q"/>
+            </a:pPr>
+            <a:r>
+              <a:rPr lang="pt-BR" sz="2800" dirty="0">
+                <a:solidFill>
+                  <a:schemeClr val="bg1"/>
+                </a:solidFill>
+                <a:latin typeface="Courier New" panose="02070309020205020404" pitchFamily="49" charset="0"/>
+                <a:cs typeface="Courier New" panose="02070309020205020404" pitchFamily="49" charset="0"/>
+              </a:rPr>
+              <a:t>Metodologia</a:t>
+            </a:r>
+          </a:p>
+          <a:p>
+            <a:pPr marL="914400" lvl="1" indent="-457200">
+              <a:buFont typeface="Wingdings" panose="05000000000000000000" pitchFamily="2" charset="2"/>
+              <a:buChar char="q"/>
+            </a:pPr>
+            <a:r>
+              <a:rPr lang="pt-BR" sz="2800" dirty="0">
+                <a:solidFill>
+                  <a:schemeClr val="bg1"/>
+                </a:solidFill>
+                <a:latin typeface="Courier New" panose="02070309020205020404" pitchFamily="49" charset="0"/>
+                <a:cs typeface="Courier New" panose="02070309020205020404" pitchFamily="49" charset="0"/>
+              </a:rPr>
+              <a:t>SCRUM</a:t>
+            </a:r>
+          </a:p>
+          <a:p>
+            <a:pPr marL="914400" lvl="1" indent="-457200">
+              <a:buFont typeface="Wingdings" panose="05000000000000000000" pitchFamily="2" charset="2"/>
+              <a:buChar char="q"/>
+            </a:pPr>
+            <a:r>
+              <a:rPr lang="pt-BR" sz="2800" dirty="0" err="1">
+                <a:solidFill>
+                  <a:schemeClr val="bg1"/>
+                </a:solidFill>
+                <a:latin typeface="Courier New" panose="02070309020205020404" pitchFamily="49" charset="0"/>
+                <a:cs typeface="Courier New" panose="02070309020205020404" pitchFamily="49" charset="0"/>
+              </a:rPr>
+              <a:t>Trello</a:t>
+            </a:r>
+            <a:endParaRPr lang="pt-BR" sz="2800" dirty="0">
+              <a:solidFill>
+                <a:schemeClr val="bg1"/>
+              </a:solidFill>
+              <a:latin typeface="Courier New" panose="02070309020205020404" pitchFamily="49" charset="0"/>
+              <a:cs typeface="Courier New" panose="02070309020205020404" pitchFamily="49" charset="0"/>
+            </a:endParaRPr>
+          </a:p>
+          <a:p>
+            <a:pPr marL="914400" lvl="1" indent="-457200">
+              <a:buFont typeface="Wingdings" panose="05000000000000000000" pitchFamily="2" charset="2"/>
+              <a:buChar char="q"/>
+            </a:pPr>
+            <a:endParaRPr lang="pt-BR" sz="2800" dirty="0">
+              <a:solidFill>
+                <a:schemeClr val="bg1"/>
+              </a:solidFill>
+              <a:latin typeface="Courier New" panose="02070309020205020404" pitchFamily="49" charset="0"/>
+              <a:cs typeface="Courier New" panose="02070309020205020404" pitchFamily="49" charset="0"/>
+            </a:endParaRPr>
+          </a:p>
+          <a:p>
+            <a:pPr marL="914400" lvl="1" indent="-457200">
+              <a:buFont typeface="Wingdings" panose="05000000000000000000" pitchFamily="2" charset="2"/>
+              <a:buChar char="q"/>
+            </a:pPr>
+            <a:endParaRPr lang="pt-BR" sz="2800" dirty="0">
+              <a:solidFill>
+                <a:schemeClr val="bg1"/>
+              </a:solidFill>
+              <a:latin typeface="Courier New" panose="02070309020205020404" pitchFamily="49" charset="0"/>
+              <a:cs typeface="Courier New" panose="02070309020205020404" pitchFamily="49" charset="0"/>
+            </a:endParaRPr>
+          </a:p>
+          <a:p>
+            <a:pPr marL="457200" indent="-457200">
+              <a:buFont typeface="Wingdings" panose="05000000000000000000" pitchFamily="2" charset="2"/>
+              <a:buChar char="q"/>
+            </a:pPr>
+            <a:endParaRPr lang="pt-BR" sz="2800" dirty="0">
+              <a:solidFill>
+                <a:schemeClr val="bg1"/>
+              </a:solidFill>
+              <a:latin typeface="Courier New" panose="02070309020205020404" pitchFamily="49" charset="0"/>
+              <a:cs typeface="Courier New" panose="02070309020205020404" pitchFamily="49" charset="0"/>
+            </a:endParaRPr>
+          </a:p>
+          <a:p>
+            <a:pPr marL="914400" lvl="1" indent="-457200">
+              <a:buFont typeface="Wingdings" panose="05000000000000000000" pitchFamily="2" charset="2"/>
+              <a:buChar char="q"/>
+            </a:pPr>
+            <a:endParaRPr lang="pt-BR" sz="2800" dirty="0">
+              <a:solidFill>
+                <a:schemeClr val="bg1"/>
+              </a:solidFill>
+              <a:latin typeface="Courier New" panose="02070309020205020404" pitchFamily="49" charset="0"/>
+              <a:cs typeface="Courier New" panose="02070309020205020404" pitchFamily="49" charset="0"/>
+            </a:endParaRPr>
+          </a:p>
+          <a:p>
+            <a:pPr marL="457200" indent="-457200">
+              <a:buFont typeface="Wingdings" panose="05000000000000000000" pitchFamily="2" charset="2"/>
+              <a:buChar char="q"/>
+            </a:pPr>
+            <a:endParaRPr lang="pt-BR" sz="2800" dirty="0">
+              <a:solidFill>
+                <a:schemeClr val="bg1"/>
+              </a:solidFill>
+              <a:latin typeface="Courier New" panose="02070309020205020404" pitchFamily="49" charset="0"/>
+              <a:cs typeface="Courier New" panose="02070309020205020404" pitchFamily="49" charset="0"/>
+            </a:endParaRPr>
+          </a:p>
+          <a:p>
+            <a:pPr marL="914400" lvl="1" indent="-457200">
+              <a:buFont typeface="Wingdings" panose="05000000000000000000" pitchFamily="2" charset="2"/>
+              <a:buChar char="q"/>
+            </a:pPr>
+            <a:endParaRPr lang="en-US" sz="2800" dirty="0">
+              <a:solidFill>
+                <a:schemeClr val="bg1"/>
+              </a:solidFill>
+              <a:latin typeface="Courier New" panose="02070309020205020404" pitchFamily="49" charset="0"/>
+              <a:cs typeface="Courier New" panose="02070309020205020404" pitchFamily="49" charset="0"/>
+            </a:endParaRPr>
+          </a:p>
+        </p:txBody>
+      </p:sp>
+    </p:spTree>
+    <p:extLst>
+      <p:ext uri="{BB962C8B-B14F-4D97-AF65-F5344CB8AC3E}">
+        <p14:creationId xmlns:p14="http://schemas.microsoft.com/office/powerpoint/2010/main" val="904445262"/>
+      </p:ext>
+    </p:extLst>
+  </p:cSld>
+  <p:clrMapOvr>
+    <a:masterClrMapping/>
+  </p:clrMapOvr>
+</p:sld>
+</file>
+
+<file path=ppt/slides/slide5.xml><?xml version="1.0" encoding="utf-8"?>
+<p:sld xmlns:a="http://schemas.openxmlformats.org/drawingml/2006/main" xmlns:r="http://schemas.openxmlformats.org/officeDocument/2006/relationships" xmlns:p="http://schemas.openxmlformats.org/presentationml/2006/main">
+  <p:cSld>
+    <p:spTree>
+      <p:nvGrpSpPr>
+        <p:cNvPr id="1" name=""/>
+        <p:cNvGrpSpPr/>
+        <p:nvPr/>
+      </p:nvGrpSpPr>
+      <p:grpSpPr>
+        <a:xfrm>
+          <a:off x="0" y="0"/>
+          <a:ext cx="0" cy="0"/>
+          <a:chOff x="0" y="0"/>
+          <a:chExt cx="0" cy="0"/>
+        </a:xfrm>
+      </p:grpSpPr>
+      <p:sp>
+        <p:nvSpPr>
+          <p:cNvPr id="2" name="Título 1">
+            <a:extLst>
+              <a:ext uri="{FF2B5EF4-FFF2-40B4-BE49-F238E27FC236}">
+                <a16:creationId xmlns:a16="http://schemas.microsoft.com/office/drawing/2014/main" id="{6A91E726-E2E5-410E-BD7B-798D9DB5DC85}"/>
+              </a:ext>
+            </a:extLst>
+          </p:cNvPr>
+          <p:cNvSpPr>
+            <a:spLocks noGrp="1"/>
+          </p:cNvSpPr>
+          <p:nvPr>
+            <p:ph type="ctrTitle"/>
+          </p:nvPr>
+        </p:nvSpPr>
+        <p:spPr>
+          <a:xfrm>
+            <a:off x="736847" y="711942"/>
+            <a:ext cx="9294920" cy="690983"/>
+          </a:xfrm>
+        </p:spPr>
+        <p:txBody>
+          <a:bodyPr anchor="t"/>
+          <a:lstStyle/>
+          <a:p>
+            <a:r>
+              <a:rPr lang="pt-BR" sz="4800" b="1" dirty="0">
+                <a:latin typeface="Courier New" panose="02070309020205020404" pitchFamily="49" charset="0"/>
+                <a:cs typeface="Courier New" panose="02070309020205020404" pitchFamily="49" charset="0"/>
+              </a:rPr>
+              <a:t>//Engenharia Software</a:t>
+            </a:r>
+            <a:br>
+              <a:rPr lang="pt-BR" sz="4800" b="1" dirty="0">
+                <a:latin typeface="Courier New" panose="02070309020205020404" pitchFamily="49" charset="0"/>
+                <a:cs typeface="Courier New" panose="02070309020205020404" pitchFamily="49" charset="0"/>
+              </a:rPr>
+            </a:br>
+            <a:r>
+              <a:rPr lang="pt-BR" sz="4800" b="1" dirty="0">
+                <a:latin typeface="Courier New" panose="02070309020205020404" pitchFamily="49" charset="0"/>
+                <a:cs typeface="Courier New" panose="02070309020205020404" pitchFamily="49" charset="0"/>
+              </a:rPr>
+              <a:t>	</a:t>
+            </a:r>
+            <a:endParaRPr lang="en-US" sz="4800" b="1" dirty="0">
+              <a:latin typeface="Courier New" panose="02070309020205020404" pitchFamily="49" charset="0"/>
+              <a:cs typeface="Courier New" panose="02070309020205020404" pitchFamily="49" charset="0"/>
+            </a:endParaRPr>
+          </a:p>
+        </p:txBody>
+      </p:sp>
+      <p:pic>
+        <p:nvPicPr>
+          <p:cNvPr id="5" name="Imagem 4">
+            <a:extLst>
+              <a:ext uri="{FF2B5EF4-FFF2-40B4-BE49-F238E27FC236}">
+                <a16:creationId xmlns:a16="http://schemas.microsoft.com/office/drawing/2014/main" id="{9BF7BFA3-66E1-4DC5-AD54-D4D46AD07568}"/>
+              </a:ext>
+            </a:extLst>
+          </p:cNvPr>
+          <p:cNvPicPr>
+            <a:picLocks noChangeAspect="1"/>
+          </p:cNvPicPr>
+          <p:nvPr/>
+        </p:nvPicPr>
+        <p:blipFill>
+          <a:blip r:embed="rId2"/>
+          <a:stretch>
+            <a:fillRect/>
+          </a:stretch>
+        </p:blipFill>
+        <p:spPr>
+          <a:xfrm>
+            <a:off x="10534650" y="366451"/>
+            <a:ext cx="523995" cy="690983"/>
+          </a:xfrm>
+          <a:prstGeom prst="rect">
+            <a:avLst/>
+          </a:prstGeom>
+        </p:spPr>
+      </p:pic>
+      <p:sp>
+        <p:nvSpPr>
+          <p:cNvPr id="3" name="CaixaDeTexto 2">
+            <a:extLst>
+              <a:ext uri="{FF2B5EF4-FFF2-40B4-BE49-F238E27FC236}">
+                <a16:creationId xmlns:a16="http://schemas.microsoft.com/office/drawing/2014/main" id="{B8F912C2-3453-4957-AB52-D21C1EA8DEF9}"/>
+              </a:ext>
+            </a:extLst>
+          </p:cNvPr>
+          <p:cNvSpPr txBox="1"/>
+          <p:nvPr/>
+        </p:nvSpPr>
+        <p:spPr>
+          <a:xfrm>
+            <a:off x="668876" y="1775853"/>
+            <a:ext cx="9753415" cy="3539430"/>
+          </a:xfrm>
+          <a:prstGeom prst="rect">
+            <a:avLst/>
+          </a:prstGeom>
+          <a:noFill/>
+        </p:spPr>
+        <p:txBody>
+          <a:bodyPr wrap="square" rtlCol="0">
+            <a:spAutoFit/>
+          </a:bodyPr>
+          <a:lstStyle/>
+          <a:p>
+            <a:r>
+              <a:rPr lang="pt-BR" sz="2800" dirty="0">
+                <a:solidFill>
+                  <a:schemeClr val="bg1"/>
+                </a:solidFill>
+                <a:latin typeface="Courier New" panose="02070309020205020404" pitchFamily="49" charset="0"/>
+                <a:cs typeface="Courier New" panose="02070309020205020404" pitchFamily="49" charset="0"/>
+              </a:rPr>
+              <a:t>PROTOTIPAÇÃO – Versão_1</a:t>
+            </a:r>
+          </a:p>
+          <a:p>
+            <a:pPr marL="457200" indent="-457200">
+              <a:buFont typeface="Wingdings" panose="05000000000000000000" pitchFamily="2" charset="2"/>
+              <a:buChar char="q"/>
+            </a:pPr>
+            <a:endParaRPr lang="pt-BR" sz="2800" dirty="0">
+              <a:solidFill>
+                <a:schemeClr val="bg1"/>
+              </a:solidFill>
+              <a:latin typeface="Courier New" panose="02070309020205020404" pitchFamily="49" charset="0"/>
+              <a:cs typeface="Courier New" panose="02070309020205020404" pitchFamily="49" charset="0"/>
+            </a:endParaRPr>
+          </a:p>
+          <a:p>
+            <a:pPr marL="914400" lvl="1" indent="-457200">
+              <a:buFont typeface="Wingdings" panose="05000000000000000000" pitchFamily="2" charset="2"/>
+              <a:buChar char="q"/>
+            </a:pPr>
+            <a:endParaRPr lang="pt-BR" sz="2800" dirty="0">
+              <a:solidFill>
+                <a:schemeClr val="bg1"/>
+              </a:solidFill>
+              <a:latin typeface="Courier New" panose="02070309020205020404" pitchFamily="49" charset="0"/>
+              <a:cs typeface="Courier New" panose="02070309020205020404" pitchFamily="49" charset="0"/>
+            </a:endParaRPr>
+          </a:p>
+          <a:p>
+            <a:pPr marL="914400" lvl="1" indent="-457200">
+              <a:buFont typeface="Wingdings" panose="05000000000000000000" pitchFamily="2" charset="2"/>
+              <a:buChar char="q"/>
+            </a:pPr>
+            <a:endParaRPr lang="pt-BR" sz="2800" dirty="0">
+              <a:solidFill>
+                <a:schemeClr val="bg1"/>
+              </a:solidFill>
+              <a:latin typeface="Courier New" panose="02070309020205020404" pitchFamily="49" charset="0"/>
+              <a:cs typeface="Courier New" panose="02070309020205020404" pitchFamily="49" charset="0"/>
+            </a:endParaRPr>
+          </a:p>
+          <a:p>
+            <a:pPr marL="457200" indent="-457200">
+              <a:buFont typeface="Wingdings" panose="05000000000000000000" pitchFamily="2" charset="2"/>
+              <a:buChar char="q"/>
+            </a:pPr>
+            <a:endParaRPr lang="pt-BR" sz="2800" dirty="0">
+              <a:solidFill>
+                <a:schemeClr val="bg1"/>
+              </a:solidFill>
+              <a:latin typeface="Courier New" panose="02070309020205020404" pitchFamily="49" charset="0"/>
+              <a:cs typeface="Courier New" panose="02070309020205020404" pitchFamily="49" charset="0"/>
+            </a:endParaRPr>
+          </a:p>
+          <a:p>
+            <a:pPr marL="914400" lvl="1" indent="-457200">
+              <a:buFont typeface="Wingdings" panose="05000000000000000000" pitchFamily="2" charset="2"/>
+              <a:buChar char="q"/>
+            </a:pPr>
+            <a:endParaRPr lang="pt-BR" sz="2800" dirty="0">
+              <a:solidFill>
+                <a:schemeClr val="bg1"/>
+              </a:solidFill>
+              <a:latin typeface="Courier New" panose="02070309020205020404" pitchFamily="49" charset="0"/>
+              <a:cs typeface="Courier New" panose="02070309020205020404" pitchFamily="49" charset="0"/>
+            </a:endParaRPr>
+          </a:p>
+          <a:p>
+            <a:pPr marL="457200" indent="-457200">
+              <a:buFont typeface="Wingdings" panose="05000000000000000000" pitchFamily="2" charset="2"/>
+              <a:buChar char="q"/>
+            </a:pPr>
+            <a:endParaRPr lang="pt-BR" sz="2800" dirty="0">
+              <a:solidFill>
+                <a:schemeClr val="bg1"/>
+              </a:solidFill>
+              <a:latin typeface="Courier New" panose="02070309020205020404" pitchFamily="49" charset="0"/>
+              <a:cs typeface="Courier New" panose="02070309020205020404" pitchFamily="49" charset="0"/>
+            </a:endParaRPr>
+          </a:p>
+          <a:p>
+            <a:pPr marL="914400" lvl="1" indent="-457200">
+              <a:buFont typeface="Wingdings" panose="05000000000000000000" pitchFamily="2" charset="2"/>
+              <a:buChar char="q"/>
+            </a:pPr>
+            <a:endParaRPr lang="en-US" sz="2800" dirty="0">
+              <a:solidFill>
+                <a:schemeClr val="bg1"/>
+              </a:solidFill>
+              <a:latin typeface="Courier New" panose="02070309020205020404" pitchFamily="49" charset="0"/>
+              <a:cs typeface="Courier New" panose="02070309020205020404" pitchFamily="49" charset="0"/>
+            </a:endParaRPr>
+          </a:p>
+        </p:txBody>
+      </p:sp>
+      <p:pic>
+        <p:nvPicPr>
+          <p:cNvPr id="14" name="Imagem 13" descr="Uma imagem contendo árvore, grama&#10;&#10;Descrição gerada automaticamente">
+            <a:extLst>
+              <a:ext uri="{FF2B5EF4-FFF2-40B4-BE49-F238E27FC236}">
+                <a16:creationId xmlns:a16="http://schemas.microsoft.com/office/drawing/2014/main" id="{759D1074-716B-4870-92C4-026531D6B827}"/>
+              </a:ext>
+            </a:extLst>
+          </p:cNvPr>
+          <p:cNvPicPr>
+            <a:picLocks noChangeAspect="1"/>
+          </p:cNvPicPr>
+          <p:nvPr/>
+        </p:nvPicPr>
+        <p:blipFill>
+          <a:blip r:embed="rId3"/>
+          <a:stretch>
+            <a:fillRect/>
+          </a:stretch>
+        </p:blipFill>
+        <p:spPr>
+          <a:xfrm>
+            <a:off x="1020688" y="2904094"/>
+            <a:ext cx="5357558" cy="3013627"/>
+          </a:xfrm>
+          <a:prstGeom prst="rect">
+            <a:avLst/>
+          </a:prstGeom>
+        </p:spPr>
+      </p:pic>
+      <p:cxnSp>
+        <p:nvCxnSpPr>
+          <p:cNvPr id="16" name="Conector reto 15">
+            <a:extLst>
+              <a:ext uri="{FF2B5EF4-FFF2-40B4-BE49-F238E27FC236}">
+                <a16:creationId xmlns:a16="http://schemas.microsoft.com/office/drawing/2014/main" id="{95DCF603-84BF-42DA-913B-F34F268546E1}"/>
+              </a:ext>
+            </a:extLst>
+          </p:cNvPr>
+          <p:cNvCxnSpPr/>
+          <p:nvPr/>
+        </p:nvCxnSpPr>
+        <p:spPr>
+          <a:xfrm>
+            <a:off x="736847" y="2305050"/>
+            <a:ext cx="5343525" cy="0"/>
+          </a:xfrm>
+          <a:prstGeom prst="line">
+            <a:avLst/>
+          </a:prstGeom>
+          <a:ln>
+            <a:solidFill>
+              <a:schemeClr val="bg1"/>
+            </a:solidFill>
+          </a:ln>
+        </p:spPr>
+        <p:style>
+          <a:lnRef idx="3">
+            <a:schemeClr val="dk1"/>
+          </a:lnRef>
+          <a:fillRef idx="0">
+            <a:schemeClr val="dk1"/>
+          </a:fillRef>
+          <a:effectRef idx="2">
+            <a:schemeClr val="dk1"/>
+          </a:effectRef>
+          <a:fontRef idx="minor">
+            <a:schemeClr val="tx1"/>
+          </a:fontRef>
+        </p:style>
+      </p:cxnSp>
+      <p:pic>
+        <p:nvPicPr>
+          <p:cNvPr id="8" name="Imagem 7" descr="Uma imagem contendo árvore, grama&#10;&#10;Descrição gerada automaticamente">
+            <a:extLst>
+              <a:ext uri="{FF2B5EF4-FFF2-40B4-BE49-F238E27FC236}">
+                <a16:creationId xmlns:a16="http://schemas.microsoft.com/office/drawing/2014/main" id="{C7072639-FDE7-451A-8E50-E690C1CB84E1}"/>
+              </a:ext>
+            </a:extLst>
+          </p:cNvPr>
+          <p:cNvPicPr>
+            <a:picLocks noChangeAspect="1"/>
+          </p:cNvPicPr>
+          <p:nvPr/>
+        </p:nvPicPr>
+        <p:blipFill>
+          <a:blip r:embed="rId3"/>
+          <a:stretch>
+            <a:fillRect/>
+          </a:stretch>
+        </p:blipFill>
+        <p:spPr>
+          <a:xfrm>
+            <a:off x="5813753" y="1542717"/>
+            <a:ext cx="5357558" cy="3013627"/>
+          </a:xfrm>
+          <a:prstGeom prst="rect">
+            <a:avLst/>
+          </a:prstGeom>
+        </p:spPr>
+      </p:pic>
+    </p:spTree>
+    <p:extLst>
+      <p:ext uri="{BB962C8B-B14F-4D97-AF65-F5344CB8AC3E}">
+        <p14:creationId xmlns:p14="http://schemas.microsoft.com/office/powerpoint/2010/main" val="1983170495"/>
+      </p:ext>
+    </p:extLst>
+  </p:cSld>
+  <p:clrMapOvr>
+    <a:masterClrMapping/>
+  </p:clrMapOvr>
+</p:sld>
+</file>
+
+<file path=ppt/slides/slide6.xml><?xml version="1.0" encoding="utf-8"?>
+<p:sld xmlns:a="http://schemas.openxmlformats.org/drawingml/2006/main" xmlns:r="http://schemas.openxmlformats.org/officeDocument/2006/relationships" xmlns:p="http://schemas.openxmlformats.org/presentationml/2006/main">
+  <p:cSld>
+    <p:spTree>
+      <p:nvGrpSpPr>
+        <p:cNvPr id="1" name=""/>
+        <p:cNvGrpSpPr/>
+        <p:nvPr/>
+      </p:nvGrpSpPr>
+      <p:grpSpPr>
+        <a:xfrm>
+          <a:off x="0" y="0"/>
+          <a:ext cx="0" cy="0"/>
+          <a:chOff x="0" y="0"/>
+          <a:chExt cx="0" cy="0"/>
+        </a:xfrm>
+      </p:grpSpPr>
+      <p:sp>
+        <p:nvSpPr>
+          <p:cNvPr id="2" name="Título 1">
+            <a:extLst>
+              <a:ext uri="{FF2B5EF4-FFF2-40B4-BE49-F238E27FC236}">
+                <a16:creationId xmlns:a16="http://schemas.microsoft.com/office/drawing/2014/main" id="{6A91E726-E2E5-410E-BD7B-798D9DB5DC85}"/>
+              </a:ext>
+            </a:extLst>
+          </p:cNvPr>
+          <p:cNvSpPr>
+            <a:spLocks noGrp="1"/>
+          </p:cNvSpPr>
+          <p:nvPr>
+            <p:ph type="ctrTitle"/>
+          </p:nvPr>
+        </p:nvSpPr>
+        <p:spPr>
+          <a:xfrm>
+            <a:off x="736847" y="711942"/>
+            <a:ext cx="9294920" cy="690983"/>
+          </a:xfrm>
+        </p:spPr>
+        <p:txBody>
+          <a:bodyPr anchor="t"/>
+          <a:lstStyle/>
+          <a:p>
+            <a:r>
+              <a:rPr lang="pt-BR" sz="4800" b="1" dirty="0">
+                <a:latin typeface="Courier New" panose="02070309020205020404" pitchFamily="49" charset="0"/>
+                <a:cs typeface="Courier New" panose="02070309020205020404" pitchFamily="49" charset="0"/>
+              </a:rPr>
+              <a:t>//Engenharia Software</a:t>
+            </a:r>
+            <a:br>
+              <a:rPr lang="pt-BR" sz="4800" b="1" dirty="0">
+                <a:latin typeface="Courier New" panose="02070309020205020404" pitchFamily="49" charset="0"/>
+                <a:cs typeface="Courier New" panose="02070309020205020404" pitchFamily="49" charset="0"/>
+              </a:rPr>
+            </a:br>
+            <a:r>
+              <a:rPr lang="pt-BR" sz="4800" b="1" dirty="0">
+                <a:latin typeface="Courier New" panose="02070309020205020404" pitchFamily="49" charset="0"/>
+                <a:cs typeface="Courier New" panose="02070309020205020404" pitchFamily="49" charset="0"/>
+              </a:rPr>
+              <a:t>	</a:t>
+            </a:r>
+            <a:endParaRPr lang="en-US" sz="4800" b="1" dirty="0">
+              <a:latin typeface="Courier New" panose="02070309020205020404" pitchFamily="49" charset="0"/>
+              <a:cs typeface="Courier New" panose="02070309020205020404" pitchFamily="49" charset="0"/>
+            </a:endParaRPr>
+          </a:p>
+        </p:txBody>
+      </p:sp>
+      <p:pic>
+        <p:nvPicPr>
+          <p:cNvPr id="5" name="Imagem 4">
+            <a:extLst>
+              <a:ext uri="{FF2B5EF4-FFF2-40B4-BE49-F238E27FC236}">
+                <a16:creationId xmlns:a16="http://schemas.microsoft.com/office/drawing/2014/main" id="{9BF7BFA3-66E1-4DC5-AD54-D4D46AD07568}"/>
+              </a:ext>
+            </a:extLst>
+          </p:cNvPr>
+          <p:cNvPicPr>
+            <a:picLocks noChangeAspect="1"/>
+          </p:cNvPicPr>
+          <p:nvPr/>
+        </p:nvPicPr>
+        <p:blipFill>
+          <a:blip r:embed="rId2"/>
+          <a:stretch>
+            <a:fillRect/>
+          </a:stretch>
+        </p:blipFill>
+        <p:spPr>
+          <a:xfrm>
+            <a:off x="10534650" y="366451"/>
+            <a:ext cx="523995" cy="690983"/>
+          </a:xfrm>
+          <a:prstGeom prst="rect">
+            <a:avLst/>
+          </a:prstGeom>
+        </p:spPr>
+      </p:pic>
+      <p:sp>
+        <p:nvSpPr>
+          <p:cNvPr id="3" name="CaixaDeTexto 2">
+            <a:extLst>
+              <a:ext uri="{FF2B5EF4-FFF2-40B4-BE49-F238E27FC236}">
+                <a16:creationId xmlns:a16="http://schemas.microsoft.com/office/drawing/2014/main" id="{B8F912C2-3453-4957-AB52-D21C1EA8DEF9}"/>
+              </a:ext>
+            </a:extLst>
+          </p:cNvPr>
+          <p:cNvSpPr txBox="1"/>
+          <p:nvPr/>
+        </p:nvSpPr>
+        <p:spPr>
+          <a:xfrm>
+            <a:off x="1654250" y="2201981"/>
+            <a:ext cx="6202441" cy="6124754"/>
+          </a:xfrm>
+          <a:prstGeom prst="rect">
+            <a:avLst/>
+          </a:prstGeom>
+          <a:noFill/>
+        </p:spPr>
+        <p:txBody>
+          <a:bodyPr wrap="square" rtlCol="0">
+            <a:spAutoFit/>
+          </a:bodyPr>
+          <a:lstStyle/>
+          <a:p>
+            <a:r>
+              <a:rPr lang="pt-BR" sz="2800" dirty="0">
+                <a:solidFill>
+                  <a:schemeClr val="bg1"/>
+                </a:solidFill>
+                <a:latin typeface="Courier New" panose="02070309020205020404" pitchFamily="49" charset="0"/>
+                <a:cs typeface="Courier New" panose="02070309020205020404" pitchFamily="49" charset="0"/>
+              </a:rPr>
+              <a:t>PROTOTIPAÇÃO – </a:t>
+            </a:r>
+            <a:r>
+              <a:rPr lang="pt-BR" sz="2800" dirty="0" err="1">
+                <a:solidFill>
+                  <a:schemeClr val="bg1"/>
+                </a:solidFill>
+                <a:latin typeface="Courier New" panose="02070309020205020404" pitchFamily="49" charset="0"/>
+                <a:cs typeface="Courier New" panose="02070309020205020404" pitchFamily="49" charset="0"/>
+              </a:rPr>
+              <a:t>Versão_Final</a:t>
+            </a:r>
+            <a:endParaRPr lang="pt-BR" sz="2800" dirty="0">
+              <a:solidFill>
+                <a:schemeClr val="bg1"/>
+              </a:solidFill>
+              <a:latin typeface="Courier New" panose="02070309020205020404" pitchFamily="49" charset="0"/>
+              <a:cs typeface="Courier New" panose="02070309020205020404" pitchFamily="49" charset="0"/>
+            </a:endParaRPr>
+          </a:p>
+          <a:p>
+            <a:pPr marL="457200" indent="-457200">
+              <a:buFont typeface="Arial" panose="020B0604020202020204" pitchFamily="34" charset="0"/>
+              <a:buChar char="•"/>
+            </a:pPr>
+            <a:endParaRPr lang="pt-BR" sz="2800" dirty="0">
+              <a:solidFill>
+                <a:schemeClr val="bg1"/>
+              </a:solidFill>
+              <a:latin typeface="Courier New" panose="02070309020205020404" pitchFamily="49" charset="0"/>
+              <a:cs typeface="Courier New" panose="02070309020205020404" pitchFamily="49" charset="0"/>
+            </a:endParaRPr>
+          </a:p>
+          <a:p>
+            <a:pPr marL="457200" indent="-457200">
+              <a:buFont typeface="Arial" panose="020B0604020202020204" pitchFamily="34" charset="0"/>
+              <a:buChar char="•"/>
+            </a:pPr>
+            <a:r>
+              <a:rPr lang="pt-BR" sz="2800" dirty="0">
+                <a:solidFill>
+                  <a:schemeClr val="bg1"/>
+                </a:solidFill>
+                <a:latin typeface="Courier New" panose="02070309020205020404" pitchFamily="49" charset="0"/>
+                <a:cs typeface="Courier New" panose="02070309020205020404" pitchFamily="49" charset="0"/>
+              </a:rPr>
+              <a:t>Design Clean</a:t>
+            </a:r>
+          </a:p>
+          <a:p>
+            <a:pPr marL="457200" indent="-457200">
+              <a:buFont typeface="Arial" panose="020B0604020202020204" pitchFamily="34" charset="0"/>
+              <a:buChar char="•"/>
+            </a:pPr>
+            <a:r>
+              <a:rPr lang="pt-BR" sz="2800" dirty="0">
+                <a:solidFill>
+                  <a:schemeClr val="bg1"/>
+                </a:solidFill>
+                <a:latin typeface="Courier New" panose="02070309020205020404" pitchFamily="49" charset="0"/>
+                <a:cs typeface="Courier New" panose="02070309020205020404" pitchFamily="49" charset="0"/>
+              </a:rPr>
+              <a:t>Visual Retrô</a:t>
+            </a:r>
+          </a:p>
+          <a:p>
+            <a:pPr marL="457200" indent="-457200">
+              <a:buFont typeface="Arial" panose="020B0604020202020204" pitchFamily="34" charset="0"/>
+              <a:buChar char="•"/>
+            </a:pPr>
+            <a:r>
+              <a:rPr lang="pt-BR" sz="2800" dirty="0">
+                <a:solidFill>
+                  <a:schemeClr val="bg1"/>
+                </a:solidFill>
+                <a:latin typeface="Courier New" panose="02070309020205020404" pitchFamily="49" charset="0"/>
+                <a:cs typeface="Courier New" panose="02070309020205020404" pitchFamily="49" charset="0"/>
+              </a:rPr>
+              <a:t>Baseado em jogos anos 90</a:t>
+            </a:r>
+          </a:p>
+          <a:p>
+            <a:pPr marL="457200" indent="-457200">
+              <a:buFont typeface="Arial" panose="020B0604020202020204" pitchFamily="34" charset="0"/>
+              <a:buChar char="•"/>
+            </a:pPr>
+            <a:r>
+              <a:rPr lang="pt-BR" sz="2800" dirty="0" err="1">
+                <a:solidFill>
+                  <a:schemeClr val="bg1"/>
+                </a:solidFill>
+                <a:latin typeface="Courier New" panose="02070309020205020404" pitchFamily="49" charset="0"/>
+                <a:cs typeface="Courier New" panose="02070309020205020404" pitchFamily="49" charset="0"/>
+              </a:rPr>
+              <a:t>Pixelização</a:t>
+            </a:r>
+            <a:endParaRPr lang="pt-BR" sz="2800" dirty="0">
+              <a:solidFill>
+                <a:schemeClr val="bg1"/>
+              </a:solidFill>
+              <a:latin typeface="Courier New" panose="02070309020205020404" pitchFamily="49" charset="0"/>
+              <a:cs typeface="Courier New" panose="02070309020205020404" pitchFamily="49" charset="0"/>
+            </a:endParaRPr>
+          </a:p>
+          <a:p>
+            <a:endParaRPr lang="pt-BR" sz="2800" dirty="0">
+              <a:solidFill>
+                <a:schemeClr val="bg1"/>
+              </a:solidFill>
+              <a:latin typeface="Courier New" panose="02070309020205020404" pitchFamily="49" charset="0"/>
+              <a:cs typeface="Courier New" panose="02070309020205020404" pitchFamily="49" charset="0"/>
+            </a:endParaRPr>
+          </a:p>
+          <a:p>
+            <a:pPr marL="457200" indent="-457200">
+              <a:buFont typeface="Wingdings" panose="05000000000000000000" pitchFamily="2" charset="2"/>
+              <a:buChar char="q"/>
+            </a:pPr>
+            <a:endParaRPr lang="pt-BR" sz="2800" dirty="0">
+              <a:solidFill>
+                <a:schemeClr val="bg1"/>
+              </a:solidFill>
+              <a:latin typeface="Courier New" panose="02070309020205020404" pitchFamily="49" charset="0"/>
+              <a:cs typeface="Courier New" panose="02070309020205020404" pitchFamily="49" charset="0"/>
+            </a:endParaRPr>
+          </a:p>
+          <a:p>
+            <a:pPr marL="914400" lvl="1" indent="-457200">
+              <a:buFont typeface="Wingdings" panose="05000000000000000000" pitchFamily="2" charset="2"/>
+              <a:buChar char="q"/>
+            </a:pPr>
+            <a:endParaRPr lang="pt-BR" sz="2800" dirty="0">
+              <a:solidFill>
+                <a:schemeClr val="bg1"/>
+              </a:solidFill>
+              <a:latin typeface="Courier New" panose="02070309020205020404" pitchFamily="49" charset="0"/>
+              <a:cs typeface="Courier New" panose="02070309020205020404" pitchFamily="49" charset="0"/>
+            </a:endParaRPr>
+          </a:p>
+          <a:p>
+            <a:pPr marL="914400" lvl="1" indent="-457200">
+              <a:buFont typeface="Wingdings" panose="05000000000000000000" pitchFamily="2" charset="2"/>
+              <a:buChar char="q"/>
+            </a:pPr>
+            <a:endParaRPr lang="pt-BR" sz="2800" dirty="0">
+              <a:solidFill>
+                <a:schemeClr val="bg1"/>
+              </a:solidFill>
+              <a:latin typeface="Courier New" panose="02070309020205020404" pitchFamily="49" charset="0"/>
+              <a:cs typeface="Courier New" panose="02070309020205020404" pitchFamily="49" charset="0"/>
+            </a:endParaRPr>
+          </a:p>
+          <a:p>
+            <a:pPr marL="457200" indent="-457200">
+              <a:buFont typeface="Wingdings" panose="05000000000000000000" pitchFamily="2" charset="2"/>
+              <a:buChar char="q"/>
+            </a:pPr>
+            <a:endParaRPr lang="pt-BR" sz="2800" dirty="0">
+              <a:solidFill>
+                <a:schemeClr val="bg1"/>
+              </a:solidFill>
+              <a:latin typeface="Courier New" panose="02070309020205020404" pitchFamily="49" charset="0"/>
+              <a:cs typeface="Courier New" panose="02070309020205020404" pitchFamily="49" charset="0"/>
+            </a:endParaRPr>
+          </a:p>
+          <a:p>
+            <a:pPr marL="914400" lvl="1" indent="-457200">
+              <a:buFont typeface="Wingdings" panose="05000000000000000000" pitchFamily="2" charset="2"/>
+              <a:buChar char="q"/>
+            </a:pPr>
+            <a:endParaRPr lang="pt-BR" sz="2800" dirty="0">
+              <a:solidFill>
+                <a:schemeClr val="bg1"/>
+              </a:solidFill>
+              <a:latin typeface="Courier New" panose="02070309020205020404" pitchFamily="49" charset="0"/>
+              <a:cs typeface="Courier New" panose="02070309020205020404" pitchFamily="49" charset="0"/>
+            </a:endParaRPr>
+          </a:p>
+          <a:p>
+            <a:pPr marL="457200" indent="-457200">
+              <a:buFont typeface="Wingdings" panose="05000000000000000000" pitchFamily="2" charset="2"/>
+              <a:buChar char="q"/>
+            </a:pPr>
+            <a:endParaRPr lang="pt-BR" sz="2800" dirty="0">
+              <a:solidFill>
+                <a:schemeClr val="bg1"/>
+              </a:solidFill>
+              <a:latin typeface="Courier New" panose="02070309020205020404" pitchFamily="49" charset="0"/>
+              <a:cs typeface="Courier New" panose="02070309020205020404" pitchFamily="49" charset="0"/>
+            </a:endParaRPr>
+          </a:p>
+          <a:p>
+            <a:pPr marL="914400" lvl="1" indent="-457200">
+              <a:buFont typeface="Wingdings" panose="05000000000000000000" pitchFamily="2" charset="2"/>
+              <a:buChar char="q"/>
+            </a:pPr>
+            <a:endParaRPr lang="en-US" sz="2800" dirty="0">
+              <a:solidFill>
+                <a:schemeClr val="bg1"/>
+              </a:solidFill>
+              <a:latin typeface="Courier New" panose="02070309020205020404" pitchFamily="49" charset="0"/>
+              <a:cs typeface="Courier New" panose="02070309020205020404" pitchFamily="49" charset="0"/>
+            </a:endParaRPr>
+          </a:p>
+        </p:txBody>
+      </p:sp>
+    </p:spTree>
+    <p:extLst>
+      <p:ext uri="{BB962C8B-B14F-4D97-AF65-F5344CB8AC3E}">
+        <p14:creationId xmlns:p14="http://schemas.microsoft.com/office/powerpoint/2010/main" val="2637490138"/>
+      </p:ext>
+    </p:extLst>
+  </p:cSld>
+  <p:clrMapOvr>
+    <a:masterClrMapping/>
+  </p:clrMapOvr>
+</p:sld>
+</file>
+
+<file path=ppt/slides/slide7.xml><?xml version="1.0" encoding="utf-8"?>
+<p:sld xmlns:a="http://schemas.openxmlformats.org/drawingml/2006/main" xmlns:r="http://schemas.openxmlformats.org/officeDocument/2006/relationships" xmlns:p="http://schemas.openxmlformats.org/presentationml/2006/main">
+  <p:cSld>
+    <p:spTree>
+      <p:nvGrpSpPr>
+        <p:cNvPr id="1" name=""/>
+        <p:cNvGrpSpPr/>
+        <p:nvPr/>
+      </p:nvGrpSpPr>
+      <p:grpSpPr>
+        <a:xfrm>
+          <a:off x="0" y="0"/>
+          <a:ext cx="0" cy="0"/>
+          <a:chOff x="0" y="0"/>
+          <a:chExt cx="0" cy="0"/>
+        </a:xfrm>
+      </p:grpSpPr>
+      <p:sp>
+        <p:nvSpPr>
+          <p:cNvPr id="2" name="Título 1">
+            <a:extLst>
+              <a:ext uri="{FF2B5EF4-FFF2-40B4-BE49-F238E27FC236}">
+                <a16:creationId xmlns:a16="http://schemas.microsoft.com/office/drawing/2014/main" id="{6A91E726-E2E5-410E-BD7B-798D9DB5DC85}"/>
+              </a:ext>
+            </a:extLst>
+          </p:cNvPr>
+          <p:cNvSpPr>
+            <a:spLocks noGrp="1"/>
+          </p:cNvSpPr>
+          <p:nvPr>
+            <p:ph type="ctrTitle"/>
+          </p:nvPr>
+        </p:nvSpPr>
+        <p:spPr>
+          <a:xfrm>
+            <a:off x="736847" y="711942"/>
+            <a:ext cx="9294920" cy="690983"/>
+          </a:xfrm>
+        </p:spPr>
+        <p:txBody>
+          <a:bodyPr anchor="t"/>
+          <a:lstStyle/>
+          <a:p>
+            <a:r>
+              <a:rPr lang="pt-BR" sz="4800" b="1" dirty="0">
+                <a:latin typeface="Courier New" panose="02070309020205020404" pitchFamily="49" charset="0"/>
+                <a:cs typeface="Courier New" panose="02070309020205020404" pitchFamily="49" charset="0"/>
+              </a:rPr>
+              <a:t>//Engenharia Software</a:t>
+            </a:r>
+            <a:br>
+              <a:rPr lang="pt-BR" sz="4800" b="1" dirty="0">
+                <a:latin typeface="Courier New" panose="02070309020205020404" pitchFamily="49" charset="0"/>
+                <a:cs typeface="Courier New" panose="02070309020205020404" pitchFamily="49" charset="0"/>
+              </a:rPr>
+            </a:br>
+            <a:r>
+              <a:rPr lang="pt-BR" sz="4800" b="1" dirty="0">
+                <a:latin typeface="Courier New" panose="02070309020205020404" pitchFamily="49" charset="0"/>
+                <a:cs typeface="Courier New" panose="02070309020205020404" pitchFamily="49" charset="0"/>
+              </a:rPr>
+              <a:t>	</a:t>
+            </a:r>
+            <a:endParaRPr lang="en-US" sz="4800" b="1" dirty="0">
+              <a:latin typeface="Courier New" panose="02070309020205020404" pitchFamily="49" charset="0"/>
+              <a:cs typeface="Courier New" panose="02070309020205020404" pitchFamily="49" charset="0"/>
+            </a:endParaRPr>
+          </a:p>
+        </p:txBody>
+      </p:sp>
+      <p:pic>
+        <p:nvPicPr>
+          <p:cNvPr id="5" name="Imagem 4">
+            <a:extLst>
+              <a:ext uri="{FF2B5EF4-FFF2-40B4-BE49-F238E27FC236}">
+                <a16:creationId xmlns:a16="http://schemas.microsoft.com/office/drawing/2014/main" id="{9BF7BFA3-66E1-4DC5-AD54-D4D46AD07568}"/>
+              </a:ext>
+            </a:extLst>
+          </p:cNvPr>
+          <p:cNvPicPr>
+            <a:picLocks noChangeAspect="1"/>
+          </p:cNvPicPr>
+          <p:nvPr/>
+        </p:nvPicPr>
+        <p:blipFill>
+          <a:blip r:embed="rId2"/>
+          <a:stretch>
+            <a:fillRect/>
+          </a:stretch>
+        </p:blipFill>
+        <p:spPr>
+          <a:xfrm>
+            <a:off x="10534650" y="366451"/>
+            <a:ext cx="523995" cy="690983"/>
+          </a:xfrm>
+          <a:prstGeom prst="rect">
+            <a:avLst/>
+          </a:prstGeom>
+        </p:spPr>
+      </p:pic>
+      <p:pic>
+        <p:nvPicPr>
+          <p:cNvPr id="6" name="Imagem 5" descr="Uma imagem contendo natureza&#10;&#10;Descrição gerada automaticamente">
+            <a:extLst>
+              <a:ext uri="{FF2B5EF4-FFF2-40B4-BE49-F238E27FC236}">
+                <a16:creationId xmlns:a16="http://schemas.microsoft.com/office/drawing/2014/main" id="{52B510D5-C8D2-4D16-849E-D3F58D3CBE70}"/>
+              </a:ext>
+            </a:extLst>
+          </p:cNvPr>
+          <p:cNvPicPr>
+            <a:picLocks noChangeAspect="1"/>
+          </p:cNvPicPr>
+          <p:nvPr/>
+        </p:nvPicPr>
+        <p:blipFill>
+          <a:blip r:embed="rId3"/>
+          <a:stretch>
+            <a:fillRect/>
+          </a:stretch>
+        </p:blipFill>
+        <p:spPr>
+          <a:xfrm>
+            <a:off x="1990725" y="1528577"/>
+            <a:ext cx="8210550" cy="4617481"/>
+          </a:xfrm>
+          <a:prstGeom prst="rect">
+            <a:avLst/>
+          </a:prstGeom>
+        </p:spPr>
+      </p:pic>
+    </p:spTree>
+    <p:extLst>
+      <p:ext uri="{BB962C8B-B14F-4D97-AF65-F5344CB8AC3E}">
+        <p14:creationId xmlns:p14="http://schemas.microsoft.com/office/powerpoint/2010/main" val="2984223410"/>
+      </p:ext>
+    </p:extLst>
+  </p:cSld>
+  <p:clrMapOvr>
+    <a:masterClrMapping/>
+  </p:clrMapOvr>
+</p:sld>
+</file>
+
+<file path=ppt/slides/slide8.xml><?xml version="1.0" encoding="utf-8"?>
+<p:sld xmlns:a="http://schemas.openxmlformats.org/drawingml/2006/main" xmlns:r="http://schemas.openxmlformats.org/officeDocument/2006/relationships" xmlns:p="http://schemas.openxmlformats.org/presentationml/2006/main">
+  <p:cSld>
+    <p:spTree>
+      <p:nvGrpSpPr>
+        <p:cNvPr id="1" name=""/>
+        <p:cNvGrpSpPr/>
+        <p:nvPr/>
+      </p:nvGrpSpPr>
+      <p:grpSpPr>
+        <a:xfrm>
+          <a:off x="0" y="0"/>
+          <a:ext cx="0" cy="0"/>
+          <a:chOff x="0" y="0"/>
+          <a:chExt cx="0" cy="0"/>
+        </a:xfrm>
+      </p:grpSpPr>
+      <p:sp>
+        <p:nvSpPr>
+          <p:cNvPr id="2" name="Título 1">
+            <a:extLst>
+              <a:ext uri="{FF2B5EF4-FFF2-40B4-BE49-F238E27FC236}">
+                <a16:creationId xmlns:a16="http://schemas.microsoft.com/office/drawing/2014/main" id="{6A91E726-E2E5-410E-BD7B-798D9DB5DC85}"/>
+              </a:ext>
+            </a:extLst>
+          </p:cNvPr>
+          <p:cNvSpPr>
+            <a:spLocks noGrp="1"/>
+          </p:cNvSpPr>
+          <p:nvPr>
+            <p:ph type="ctrTitle"/>
+          </p:nvPr>
+        </p:nvSpPr>
+        <p:spPr>
+          <a:xfrm>
+            <a:off x="736847" y="711942"/>
+            <a:ext cx="9294920" cy="690983"/>
+          </a:xfrm>
+        </p:spPr>
+        <p:txBody>
+          <a:bodyPr anchor="t"/>
+          <a:lstStyle/>
+          <a:p>
+            <a:r>
+              <a:rPr lang="pt-BR" sz="4800" b="1" dirty="0">
+                <a:latin typeface="Courier New" panose="02070309020205020404" pitchFamily="49" charset="0"/>
+                <a:cs typeface="Courier New" panose="02070309020205020404" pitchFamily="49" charset="0"/>
+              </a:rPr>
+              <a:t>//Engenharia Software</a:t>
+            </a:r>
+            <a:br>
+              <a:rPr lang="pt-BR" sz="4800" b="1" dirty="0">
+                <a:latin typeface="Courier New" panose="02070309020205020404" pitchFamily="49" charset="0"/>
+                <a:cs typeface="Courier New" panose="02070309020205020404" pitchFamily="49" charset="0"/>
+              </a:rPr>
+            </a:br>
+            <a:r>
+              <a:rPr lang="pt-BR" sz="4800" b="1" dirty="0">
+                <a:latin typeface="Courier New" panose="02070309020205020404" pitchFamily="49" charset="0"/>
+                <a:cs typeface="Courier New" panose="02070309020205020404" pitchFamily="49" charset="0"/>
+              </a:rPr>
+              <a:t>	</a:t>
+            </a:r>
+            <a:endParaRPr lang="en-US" sz="4800" b="1" dirty="0">
+              <a:latin typeface="Courier New" panose="02070309020205020404" pitchFamily="49" charset="0"/>
+              <a:cs typeface="Courier New" panose="02070309020205020404" pitchFamily="49" charset="0"/>
+            </a:endParaRPr>
+          </a:p>
+        </p:txBody>
+      </p:sp>
+      <p:pic>
+        <p:nvPicPr>
+          <p:cNvPr id="5" name="Imagem 4">
+            <a:extLst>
+              <a:ext uri="{FF2B5EF4-FFF2-40B4-BE49-F238E27FC236}">
+                <a16:creationId xmlns:a16="http://schemas.microsoft.com/office/drawing/2014/main" id="{9BF7BFA3-66E1-4DC5-AD54-D4D46AD07568}"/>
+              </a:ext>
+            </a:extLst>
+          </p:cNvPr>
+          <p:cNvPicPr>
+            <a:picLocks noChangeAspect="1"/>
+          </p:cNvPicPr>
+          <p:nvPr/>
+        </p:nvPicPr>
+        <p:blipFill>
+          <a:blip r:embed="rId2"/>
+          <a:stretch>
+            <a:fillRect/>
+          </a:stretch>
+        </p:blipFill>
+        <p:spPr>
+          <a:xfrm>
+            <a:off x="10534650" y="366451"/>
+            <a:ext cx="523995" cy="690983"/>
+          </a:xfrm>
+          <a:prstGeom prst="rect">
+            <a:avLst/>
+          </a:prstGeom>
+        </p:spPr>
+      </p:pic>
+      <p:pic>
+        <p:nvPicPr>
+          <p:cNvPr id="6" name="Imagem 5">
+            <a:extLst>
+              <a:ext uri="{FF2B5EF4-FFF2-40B4-BE49-F238E27FC236}">
+                <a16:creationId xmlns:a16="http://schemas.microsoft.com/office/drawing/2014/main" id="{52B510D5-C8D2-4D16-849E-D3F58D3CBE70}"/>
+              </a:ext>
+            </a:extLst>
+          </p:cNvPr>
+          <p:cNvPicPr>
+            <a:picLocks noChangeAspect="1"/>
+          </p:cNvPicPr>
+          <p:nvPr/>
+        </p:nvPicPr>
+        <p:blipFill>
+          <a:blip r:embed="rId3"/>
+          <a:stretch>
+            <a:fillRect/>
+          </a:stretch>
+        </p:blipFill>
+        <p:spPr>
+          <a:xfrm>
+            <a:off x="1990726" y="1528577"/>
+            <a:ext cx="8210548" cy="4617481"/>
+          </a:xfrm>
+          <a:prstGeom prst="rect">
+            <a:avLst/>
+          </a:prstGeom>
+        </p:spPr>
+      </p:pic>
+    </p:spTree>
+    <p:extLst>
+      <p:ext uri="{BB962C8B-B14F-4D97-AF65-F5344CB8AC3E}">
+        <p14:creationId xmlns:p14="http://schemas.microsoft.com/office/powerpoint/2010/main" val="2067987471"/>
+      </p:ext>
+    </p:extLst>
+  </p:cSld>
+  <p:clrMapOvr>
+    <a:masterClrMapping/>
+  </p:clrMapOvr>
+</p:sld>
+</file>
+
+<file path=ppt/slides/slide9.xml><?xml version="1.0" encoding="utf-8"?>
+<p:sld xmlns:a="http://schemas.openxmlformats.org/drawingml/2006/main" xmlns:r="http://schemas.openxmlformats.org/officeDocument/2006/relationships" xmlns:p="http://schemas.openxmlformats.org/presentationml/2006/main">
+  <p:cSld>
+    <p:spTree>
+      <p:nvGrpSpPr>
+        <p:cNvPr id="1" name=""/>
+        <p:cNvGrpSpPr/>
+        <p:nvPr/>
+      </p:nvGrpSpPr>
+      <p:grpSpPr>
+        <a:xfrm>
+          <a:off x="0" y="0"/>
+          <a:ext cx="0" cy="0"/>
+          <a:chOff x="0" y="0"/>
+          <a:chExt cx="0" cy="0"/>
+        </a:xfrm>
+      </p:grpSpPr>
+      <p:sp>
+        <p:nvSpPr>
+          <p:cNvPr id="2" name="Título 1">
+            <a:extLst>
+              <a:ext uri="{FF2B5EF4-FFF2-40B4-BE49-F238E27FC236}">
+                <a16:creationId xmlns:a16="http://schemas.microsoft.com/office/drawing/2014/main" id="{6A91E726-E2E5-410E-BD7B-798D9DB5DC85}"/>
+              </a:ext>
+            </a:extLst>
+          </p:cNvPr>
+          <p:cNvSpPr>
+            <a:spLocks noGrp="1"/>
+          </p:cNvSpPr>
+          <p:nvPr>
+            <p:ph type="ctrTitle"/>
+          </p:nvPr>
+        </p:nvSpPr>
+        <p:spPr>
+          <a:xfrm>
+            <a:off x="736847" y="711942"/>
+            <a:ext cx="9294920" cy="690983"/>
+          </a:xfrm>
+        </p:spPr>
+        <p:txBody>
+          <a:bodyPr anchor="t"/>
+          <a:lstStyle/>
+          <a:p>
+            <a:r>
+              <a:rPr lang="pt-BR" sz="4800" b="1" dirty="0">
+                <a:latin typeface="Courier New" panose="02070309020205020404" pitchFamily="49" charset="0"/>
+                <a:cs typeface="Courier New" panose="02070309020205020404" pitchFamily="49" charset="0"/>
+              </a:rPr>
+              <a:t>//Engenharia Software</a:t>
+            </a:r>
+            <a:br>
+              <a:rPr lang="pt-BR" sz="4800" b="1" dirty="0">
+                <a:latin typeface="Courier New" panose="02070309020205020404" pitchFamily="49" charset="0"/>
+                <a:cs typeface="Courier New" panose="02070309020205020404" pitchFamily="49" charset="0"/>
+              </a:rPr>
+            </a:br>
+            <a:r>
+              <a:rPr lang="pt-BR" sz="4800" b="1" dirty="0">
+                <a:latin typeface="Courier New" panose="02070309020205020404" pitchFamily="49" charset="0"/>
+                <a:cs typeface="Courier New" panose="02070309020205020404" pitchFamily="49" charset="0"/>
+              </a:rPr>
+              <a:t>	</a:t>
+            </a:r>
+            <a:endParaRPr lang="en-US" sz="4800" b="1" dirty="0">
+              <a:latin typeface="Courier New" panose="02070309020205020404" pitchFamily="49" charset="0"/>
+              <a:cs typeface="Courier New" panose="02070309020205020404" pitchFamily="49" charset="0"/>
+            </a:endParaRPr>
+          </a:p>
+        </p:txBody>
+      </p:sp>
+      <p:pic>
+        <p:nvPicPr>
+          <p:cNvPr id="5" name="Imagem 4">
+            <a:extLst>
+              <a:ext uri="{FF2B5EF4-FFF2-40B4-BE49-F238E27FC236}">
+                <a16:creationId xmlns:a16="http://schemas.microsoft.com/office/drawing/2014/main" id="{9BF7BFA3-66E1-4DC5-AD54-D4D46AD07568}"/>
+              </a:ext>
+            </a:extLst>
+          </p:cNvPr>
+          <p:cNvPicPr>
+            <a:picLocks noChangeAspect="1"/>
+          </p:cNvPicPr>
+          <p:nvPr/>
+        </p:nvPicPr>
+        <p:blipFill>
+          <a:blip r:embed="rId2"/>
+          <a:stretch>
+            <a:fillRect/>
+          </a:stretch>
+        </p:blipFill>
+        <p:spPr>
+          <a:xfrm>
+            <a:off x="10534650" y="366451"/>
+            <a:ext cx="523995" cy="690983"/>
+          </a:xfrm>
+          <a:prstGeom prst="rect">
+            <a:avLst/>
+          </a:prstGeom>
+        </p:spPr>
+      </p:pic>
+      <p:pic>
+        <p:nvPicPr>
+          <p:cNvPr id="6" name="Imagem 5">
+            <a:extLst>
+              <a:ext uri="{FF2B5EF4-FFF2-40B4-BE49-F238E27FC236}">
+                <a16:creationId xmlns:a16="http://schemas.microsoft.com/office/drawing/2014/main" id="{52B510D5-C8D2-4D16-849E-D3F58D3CBE70}"/>
+              </a:ext>
+            </a:extLst>
+          </p:cNvPr>
+          <p:cNvPicPr>
+            <a:picLocks noChangeAspect="1"/>
+          </p:cNvPicPr>
+          <p:nvPr/>
+        </p:nvPicPr>
+        <p:blipFill>
+          <a:blip r:embed="rId3"/>
+          <a:stretch>
+            <a:fillRect/>
+          </a:stretch>
+        </p:blipFill>
+        <p:spPr>
+          <a:xfrm>
+            <a:off x="1990726" y="1528577"/>
+            <a:ext cx="8210548" cy="4617480"/>
+          </a:xfrm>
+          <a:prstGeom prst="rect">
+            <a:avLst/>
+          </a:prstGeom>
+        </p:spPr>
+      </p:pic>
+    </p:spTree>
+    <p:extLst>
+      <p:ext uri="{BB962C8B-B14F-4D97-AF65-F5344CB8AC3E}">
+        <p14:creationId xmlns:p14="http://schemas.microsoft.com/office/powerpoint/2010/main" val="1067051704"/>
       </p:ext>
     </p:extLst>
   </p:cSld>

--- a/APRESENTAÇÃO/APRESENTAÇÃO GAMEFRIENDLY.pptx
+++ b/APRESENTAÇÃO/APRESENTAÇÃO GAMEFRIENDLY.pptx
@@ -7,14 +7,22 @@
   <p:sldIdLst>
     <p:sldId id="256" r:id="rId2"/>
     <p:sldId id="257" r:id="rId3"/>
-    <p:sldId id="259" r:id="rId4"/>
-    <p:sldId id="260" r:id="rId5"/>
-    <p:sldId id="261" r:id="rId6"/>
-    <p:sldId id="262" r:id="rId7"/>
-    <p:sldId id="263" r:id="rId8"/>
-    <p:sldId id="265" r:id="rId9"/>
-    <p:sldId id="266" r:id="rId10"/>
-    <p:sldId id="264" r:id="rId11"/>
+    <p:sldId id="274" r:id="rId4"/>
+    <p:sldId id="259" r:id="rId5"/>
+    <p:sldId id="260" r:id="rId6"/>
+    <p:sldId id="275" r:id="rId7"/>
+    <p:sldId id="261" r:id="rId8"/>
+    <p:sldId id="262" r:id="rId9"/>
+    <p:sldId id="265" r:id="rId10"/>
+    <p:sldId id="263" r:id="rId11"/>
+    <p:sldId id="266" r:id="rId12"/>
+    <p:sldId id="264" r:id="rId13"/>
+    <p:sldId id="267" r:id="rId14"/>
+    <p:sldId id="268" r:id="rId15"/>
+    <p:sldId id="270" r:id="rId16"/>
+    <p:sldId id="271" r:id="rId17"/>
+    <p:sldId id="272" r:id="rId18"/>
+    <p:sldId id="273" r:id="rId19"/>
   </p:sldIdLst>
   <p:sldSz cx="12192000" cy="6858000"/>
   <p:notesSz cx="6858000" cy="9144000"/>
@@ -13588,7 +13596,7 @@
                 <a:latin typeface="Courier New" panose="02070309020205020404" pitchFamily="49" charset="0"/>
                 <a:cs typeface="Courier New" panose="02070309020205020404" pitchFamily="49" charset="0"/>
               </a:rPr>
-              <a:t>//PROGRAMAÇÃO</a:t>
+              <a:t>//Engenharia Software</a:t>
             </a:r>
             <a:br>
               <a:rPr lang="pt-BR" sz="4800" b="1" dirty="0">
@@ -13640,6 +13648,639 @@
           </a:prstGeom>
         </p:spPr>
       </p:pic>
+      <p:pic>
+        <p:nvPicPr>
+          <p:cNvPr id="6" name="Imagem 5" descr="Uma imagem contendo natureza&#10;&#10;Descrição gerada automaticamente">
+            <a:extLst>
+              <a:ext uri="{FF2B5EF4-FFF2-40B4-BE49-F238E27FC236}">
+                <a16:creationId xmlns:a16="http://schemas.microsoft.com/office/drawing/2014/main" id="{52B510D5-C8D2-4D16-849E-D3F58D3CBE70}"/>
+              </a:ext>
+            </a:extLst>
+          </p:cNvPr>
+          <p:cNvPicPr>
+            <a:picLocks noChangeAspect="1"/>
+          </p:cNvPicPr>
+          <p:nvPr/>
+        </p:nvPicPr>
+        <p:blipFill>
+          <a:blip r:embed="rId3"/>
+          <a:stretch>
+            <a:fillRect/>
+          </a:stretch>
+        </p:blipFill>
+        <p:spPr>
+          <a:xfrm>
+            <a:off x="1990725" y="1528577"/>
+            <a:ext cx="8210550" cy="4617481"/>
+          </a:xfrm>
+          <a:prstGeom prst="rect">
+            <a:avLst/>
+          </a:prstGeom>
+        </p:spPr>
+      </p:pic>
+    </p:spTree>
+    <p:extLst>
+      <p:ext uri="{BB962C8B-B14F-4D97-AF65-F5344CB8AC3E}">
+        <p14:creationId xmlns:p14="http://schemas.microsoft.com/office/powerpoint/2010/main" val="2984223410"/>
+      </p:ext>
+    </p:extLst>
+  </p:cSld>
+  <p:clrMapOvr>
+    <a:masterClrMapping/>
+  </p:clrMapOvr>
+</p:sld>
+</file>
+
+<file path=ppt/slides/slide11.xml><?xml version="1.0" encoding="utf-8"?>
+<p:sld xmlns:a="http://schemas.openxmlformats.org/drawingml/2006/main" xmlns:r="http://schemas.openxmlformats.org/officeDocument/2006/relationships" xmlns:p="http://schemas.openxmlformats.org/presentationml/2006/main">
+  <p:cSld>
+    <p:spTree>
+      <p:nvGrpSpPr>
+        <p:cNvPr id="1" name=""/>
+        <p:cNvGrpSpPr/>
+        <p:nvPr/>
+      </p:nvGrpSpPr>
+      <p:grpSpPr>
+        <a:xfrm>
+          <a:off x="0" y="0"/>
+          <a:ext cx="0" cy="0"/>
+          <a:chOff x="0" y="0"/>
+          <a:chExt cx="0" cy="0"/>
+        </a:xfrm>
+      </p:grpSpPr>
+      <p:sp>
+        <p:nvSpPr>
+          <p:cNvPr id="2" name="Título 1">
+            <a:extLst>
+              <a:ext uri="{FF2B5EF4-FFF2-40B4-BE49-F238E27FC236}">
+                <a16:creationId xmlns:a16="http://schemas.microsoft.com/office/drawing/2014/main" id="{6A91E726-E2E5-410E-BD7B-798D9DB5DC85}"/>
+              </a:ext>
+            </a:extLst>
+          </p:cNvPr>
+          <p:cNvSpPr>
+            <a:spLocks noGrp="1"/>
+          </p:cNvSpPr>
+          <p:nvPr>
+            <p:ph type="ctrTitle"/>
+          </p:nvPr>
+        </p:nvSpPr>
+        <p:spPr>
+          <a:xfrm>
+            <a:off x="736847" y="711942"/>
+            <a:ext cx="9294920" cy="690983"/>
+          </a:xfrm>
+        </p:spPr>
+        <p:txBody>
+          <a:bodyPr anchor="t"/>
+          <a:lstStyle/>
+          <a:p>
+            <a:r>
+              <a:rPr lang="pt-BR" sz="4800" b="1" dirty="0">
+                <a:latin typeface="Courier New" panose="02070309020205020404" pitchFamily="49" charset="0"/>
+                <a:cs typeface="Courier New" panose="02070309020205020404" pitchFamily="49" charset="0"/>
+              </a:rPr>
+              <a:t>//Engenharia Software</a:t>
+            </a:r>
+            <a:br>
+              <a:rPr lang="pt-BR" sz="4800" b="1" dirty="0">
+                <a:latin typeface="Courier New" panose="02070309020205020404" pitchFamily="49" charset="0"/>
+                <a:cs typeface="Courier New" panose="02070309020205020404" pitchFamily="49" charset="0"/>
+              </a:rPr>
+            </a:br>
+            <a:r>
+              <a:rPr lang="pt-BR" sz="4800" b="1" dirty="0">
+                <a:latin typeface="Courier New" panose="02070309020205020404" pitchFamily="49" charset="0"/>
+                <a:cs typeface="Courier New" panose="02070309020205020404" pitchFamily="49" charset="0"/>
+              </a:rPr>
+              <a:t>	</a:t>
+            </a:r>
+            <a:endParaRPr lang="en-US" sz="4800" b="1" dirty="0">
+              <a:latin typeface="Courier New" panose="02070309020205020404" pitchFamily="49" charset="0"/>
+              <a:cs typeface="Courier New" panose="02070309020205020404" pitchFamily="49" charset="0"/>
+            </a:endParaRPr>
+          </a:p>
+        </p:txBody>
+      </p:sp>
+      <p:pic>
+        <p:nvPicPr>
+          <p:cNvPr id="5" name="Imagem 4">
+            <a:extLst>
+              <a:ext uri="{FF2B5EF4-FFF2-40B4-BE49-F238E27FC236}">
+                <a16:creationId xmlns:a16="http://schemas.microsoft.com/office/drawing/2014/main" id="{9BF7BFA3-66E1-4DC5-AD54-D4D46AD07568}"/>
+              </a:ext>
+            </a:extLst>
+          </p:cNvPr>
+          <p:cNvPicPr>
+            <a:picLocks noChangeAspect="1"/>
+          </p:cNvPicPr>
+          <p:nvPr/>
+        </p:nvPicPr>
+        <p:blipFill>
+          <a:blip r:embed="rId2"/>
+          <a:stretch>
+            <a:fillRect/>
+          </a:stretch>
+        </p:blipFill>
+        <p:spPr>
+          <a:xfrm>
+            <a:off x="10534650" y="366451"/>
+            <a:ext cx="523995" cy="690983"/>
+          </a:xfrm>
+          <a:prstGeom prst="rect">
+            <a:avLst/>
+          </a:prstGeom>
+        </p:spPr>
+      </p:pic>
+      <p:pic>
+        <p:nvPicPr>
+          <p:cNvPr id="6" name="Imagem 5">
+            <a:extLst>
+              <a:ext uri="{FF2B5EF4-FFF2-40B4-BE49-F238E27FC236}">
+                <a16:creationId xmlns:a16="http://schemas.microsoft.com/office/drawing/2014/main" id="{52B510D5-C8D2-4D16-849E-D3F58D3CBE70}"/>
+              </a:ext>
+            </a:extLst>
+          </p:cNvPr>
+          <p:cNvPicPr>
+            <a:picLocks noChangeAspect="1"/>
+          </p:cNvPicPr>
+          <p:nvPr/>
+        </p:nvPicPr>
+        <p:blipFill>
+          <a:blip r:embed="rId3"/>
+          <a:stretch>
+            <a:fillRect/>
+          </a:stretch>
+        </p:blipFill>
+        <p:spPr>
+          <a:xfrm>
+            <a:off x="1990726" y="1528577"/>
+            <a:ext cx="8210548" cy="4617480"/>
+          </a:xfrm>
+          <a:prstGeom prst="rect">
+            <a:avLst/>
+          </a:prstGeom>
+        </p:spPr>
+      </p:pic>
+    </p:spTree>
+    <p:extLst>
+      <p:ext uri="{BB962C8B-B14F-4D97-AF65-F5344CB8AC3E}">
+        <p14:creationId xmlns:p14="http://schemas.microsoft.com/office/powerpoint/2010/main" val="1067051704"/>
+      </p:ext>
+    </p:extLst>
+  </p:cSld>
+  <p:clrMapOvr>
+    <a:masterClrMapping/>
+  </p:clrMapOvr>
+</p:sld>
+</file>
+
+<file path=ppt/slides/slide12.xml><?xml version="1.0" encoding="utf-8"?>
+<p:sld xmlns:a="http://schemas.openxmlformats.org/drawingml/2006/main" xmlns:r="http://schemas.openxmlformats.org/officeDocument/2006/relationships" xmlns:p="http://schemas.openxmlformats.org/presentationml/2006/main">
+  <p:cSld>
+    <p:spTree>
+      <p:nvGrpSpPr>
+        <p:cNvPr id="1" name=""/>
+        <p:cNvGrpSpPr/>
+        <p:nvPr/>
+      </p:nvGrpSpPr>
+      <p:grpSpPr>
+        <a:xfrm>
+          <a:off x="0" y="0"/>
+          <a:ext cx="0" cy="0"/>
+          <a:chOff x="0" y="0"/>
+          <a:chExt cx="0" cy="0"/>
+        </a:xfrm>
+      </p:grpSpPr>
+      <p:sp>
+        <p:nvSpPr>
+          <p:cNvPr id="2" name="Título 1">
+            <a:extLst>
+              <a:ext uri="{FF2B5EF4-FFF2-40B4-BE49-F238E27FC236}">
+                <a16:creationId xmlns:a16="http://schemas.microsoft.com/office/drawing/2014/main" id="{6A91E726-E2E5-410E-BD7B-798D9DB5DC85}"/>
+              </a:ext>
+            </a:extLst>
+          </p:cNvPr>
+          <p:cNvSpPr>
+            <a:spLocks noGrp="1"/>
+          </p:cNvSpPr>
+          <p:nvPr>
+            <p:ph type="ctrTitle"/>
+          </p:nvPr>
+        </p:nvSpPr>
+        <p:spPr>
+          <a:xfrm>
+            <a:off x="736847" y="711942"/>
+            <a:ext cx="8207128" cy="859683"/>
+          </a:xfrm>
+        </p:spPr>
+        <p:txBody>
+          <a:bodyPr anchor="t"/>
+          <a:lstStyle/>
+          <a:p>
+            <a:r>
+              <a:rPr lang="pt-BR" sz="4800" b="1" dirty="0">
+                <a:latin typeface="Courier New" panose="02070309020205020404" pitchFamily="49" charset="0"/>
+                <a:cs typeface="Courier New" panose="02070309020205020404" pitchFamily="49" charset="0"/>
+              </a:rPr>
+              <a:t>//PROGRAMAÇÃO</a:t>
+            </a:r>
+            <a:br>
+              <a:rPr lang="pt-BR" sz="4800" b="1" dirty="0">
+                <a:latin typeface="Courier New" panose="02070309020205020404" pitchFamily="49" charset="0"/>
+                <a:cs typeface="Courier New" panose="02070309020205020404" pitchFamily="49" charset="0"/>
+              </a:rPr>
+            </a:br>
+            <a:br>
+              <a:rPr lang="pt-BR" sz="4800" b="1" dirty="0">
+                <a:latin typeface="Courier New" panose="02070309020205020404" pitchFamily="49" charset="0"/>
+                <a:cs typeface="Courier New" panose="02070309020205020404" pitchFamily="49" charset="0"/>
+              </a:rPr>
+            </a:br>
+            <a:endParaRPr lang="en-US" sz="4800" b="1" dirty="0">
+              <a:latin typeface="Courier New" panose="02070309020205020404" pitchFamily="49" charset="0"/>
+              <a:cs typeface="Courier New" panose="02070309020205020404" pitchFamily="49" charset="0"/>
+            </a:endParaRPr>
+          </a:p>
+        </p:txBody>
+      </p:sp>
+      <p:pic>
+        <p:nvPicPr>
+          <p:cNvPr id="5" name="Imagem 4">
+            <a:extLst>
+              <a:ext uri="{FF2B5EF4-FFF2-40B4-BE49-F238E27FC236}">
+                <a16:creationId xmlns:a16="http://schemas.microsoft.com/office/drawing/2014/main" id="{9BF7BFA3-66E1-4DC5-AD54-D4D46AD07568}"/>
+              </a:ext>
+            </a:extLst>
+          </p:cNvPr>
+          <p:cNvPicPr>
+            <a:picLocks noChangeAspect="1"/>
+          </p:cNvPicPr>
+          <p:nvPr/>
+        </p:nvPicPr>
+        <p:blipFill>
+          <a:blip r:embed="rId2"/>
+          <a:stretch>
+            <a:fillRect/>
+          </a:stretch>
+        </p:blipFill>
+        <p:spPr>
+          <a:xfrm>
+            <a:off x="10534650" y="366451"/>
+            <a:ext cx="523995" cy="690983"/>
+          </a:xfrm>
+          <a:prstGeom prst="rect">
+            <a:avLst/>
+          </a:prstGeom>
+        </p:spPr>
+      </p:pic>
+      <p:cxnSp>
+        <p:nvCxnSpPr>
+          <p:cNvPr id="8" name="Conector reto 7">
+            <a:extLst>
+              <a:ext uri="{FF2B5EF4-FFF2-40B4-BE49-F238E27FC236}">
+                <a16:creationId xmlns:a16="http://schemas.microsoft.com/office/drawing/2014/main" id="{4523DC04-8392-48A1-A4F7-AE61CBE528BB}"/>
+              </a:ext>
+            </a:extLst>
+          </p:cNvPr>
+          <p:cNvCxnSpPr/>
+          <p:nvPr/>
+        </p:nvCxnSpPr>
+        <p:spPr>
+          <a:xfrm>
+            <a:off x="2552700" y="2076450"/>
+            <a:ext cx="0" cy="600075"/>
+          </a:xfrm>
+          <a:prstGeom prst="line">
+            <a:avLst/>
+          </a:prstGeom>
+          <a:ln>
+            <a:solidFill>
+              <a:schemeClr val="bg1"/>
+            </a:solidFill>
+          </a:ln>
+        </p:spPr>
+        <p:style>
+          <a:lnRef idx="3">
+            <a:schemeClr val="dk1"/>
+          </a:lnRef>
+          <a:fillRef idx="0">
+            <a:schemeClr val="dk1"/>
+          </a:fillRef>
+          <a:effectRef idx="2">
+            <a:schemeClr val="dk1"/>
+          </a:effectRef>
+          <a:fontRef idx="minor">
+            <a:schemeClr val="tx1"/>
+          </a:fontRef>
+        </p:style>
+      </p:cxnSp>
+      <p:pic>
+        <p:nvPicPr>
+          <p:cNvPr id="4" name="Imagem 3">
+            <a:extLst>
+              <a:ext uri="{FF2B5EF4-FFF2-40B4-BE49-F238E27FC236}">
+                <a16:creationId xmlns:a16="http://schemas.microsoft.com/office/drawing/2014/main" id="{2D0BBE88-20C5-400C-B41D-47334406FC56}"/>
+              </a:ext>
+            </a:extLst>
+          </p:cNvPr>
+          <p:cNvPicPr>
+            <a:picLocks noChangeAspect="1"/>
+          </p:cNvPicPr>
+          <p:nvPr/>
+        </p:nvPicPr>
+        <p:blipFill>
+          <a:blip r:embed="rId3"/>
+          <a:stretch>
+            <a:fillRect/>
+          </a:stretch>
+        </p:blipFill>
+        <p:spPr>
+          <a:xfrm>
+            <a:off x="1657350" y="2414587"/>
+            <a:ext cx="1924050" cy="2352675"/>
+          </a:xfrm>
+          <a:prstGeom prst="rect">
+            <a:avLst/>
+          </a:prstGeom>
+        </p:spPr>
+      </p:pic>
+      <p:cxnSp>
+        <p:nvCxnSpPr>
+          <p:cNvPr id="9" name="Conector reto 8">
+            <a:extLst>
+              <a:ext uri="{FF2B5EF4-FFF2-40B4-BE49-F238E27FC236}">
+                <a16:creationId xmlns:a16="http://schemas.microsoft.com/office/drawing/2014/main" id="{A367DB22-1530-4B74-982C-4A39328F48CD}"/>
+              </a:ext>
+            </a:extLst>
+          </p:cNvPr>
+          <p:cNvCxnSpPr/>
+          <p:nvPr/>
+        </p:nvCxnSpPr>
+        <p:spPr>
+          <a:xfrm>
+            <a:off x="5687997" y="2114549"/>
+            <a:ext cx="0" cy="600075"/>
+          </a:xfrm>
+          <a:prstGeom prst="line">
+            <a:avLst/>
+          </a:prstGeom>
+          <a:ln>
+            <a:solidFill>
+              <a:schemeClr val="bg1"/>
+            </a:solidFill>
+          </a:ln>
+        </p:spPr>
+        <p:style>
+          <a:lnRef idx="3">
+            <a:schemeClr val="dk1"/>
+          </a:lnRef>
+          <a:fillRef idx="0">
+            <a:schemeClr val="dk1"/>
+          </a:fillRef>
+          <a:effectRef idx="2">
+            <a:schemeClr val="dk1"/>
+          </a:effectRef>
+          <a:fontRef idx="minor">
+            <a:schemeClr val="tx1"/>
+          </a:fontRef>
+        </p:style>
+      </p:cxnSp>
+      <p:cxnSp>
+        <p:nvCxnSpPr>
+          <p:cNvPr id="10" name="Conector reto 9">
+            <a:extLst>
+              <a:ext uri="{FF2B5EF4-FFF2-40B4-BE49-F238E27FC236}">
+                <a16:creationId xmlns:a16="http://schemas.microsoft.com/office/drawing/2014/main" id="{1E5D62BB-AF30-40CB-9639-E299F7FFD7F8}"/>
+              </a:ext>
+            </a:extLst>
+          </p:cNvPr>
+          <p:cNvCxnSpPr/>
+          <p:nvPr/>
+        </p:nvCxnSpPr>
+        <p:spPr>
+          <a:xfrm>
+            <a:off x="9389986" y="2114549"/>
+            <a:ext cx="0" cy="600075"/>
+          </a:xfrm>
+          <a:prstGeom prst="line">
+            <a:avLst/>
+          </a:prstGeom>
+          <a:ln>
+            <a:solidFill>
+              <a:schemeClr val="bg1"/>
+            </a:solidFill>
+          </a:ln>
+        </p:spPr>
+        <p:style>
+          <a:lnRef idx="3">
+            <a:schemeClr val="dk1"/>
+          </a:lnRef>
+          <a:fillRef idx="0">
+            <a:schemeClr val="dk1"/>
+          </a:fillRef>
+          <a:effectRef idx="2">
+            <a:schemeClr val="dk1"/>
+          </a:effectRef>
+          <a:fontRef idx="minor">
+            <a:schemeClr val="tx1"/>
+          </a:fontRef>
+        </p:style>
+      </p:cxnSp>
+      <p:pic>
+        <p:nvPicPr>
+          <p:cNvPr id="3" name="Imagem 2">
+            <a:extLst>
+              <a:ext uri="{FF2B5EF4-FFF2-40B4-BE49-F238E27FC236}">
+                <a16:creationId xmlns:a16="http://schemas.microsoft.com/office/drawing/2014/main" id="{88599D2D-03CE-45E4-82FF-A4F8DE9F9B58}"/>
+              </a:ext>
+            </a:extLst>
+          </p:cNvPr>
+          <p:cNvPicPr>
+            <a:picLocks noChangeAspect="1"/>
+          </p:cNvPicPr>
+          <p:nvPr/>
+        </p:nvPicPr>
+        <p:blipFill>
+          <a:blip r:embed="rId4"/>
+          <a:stretch>
+            <a:fillRect/>
+          </a:stretch>
+        </p:blipFill>
+        <p:spPr>
+          <a:xfrm>
+            <a:off x="7787434" y="2376685"/>
+            <a:ext cx="3127529" cy="3769373"/>
+          </a:xfrm>
+          <a:prstGeom prst="rect">
+            <a:avLst/>
+          </a:prstGeom>
+        </p:spPr>
+      </p:pic>
+      <p:pic>
+        <p:nvPicPr>
+          <p:cNvPr id="6" name="Imagem 5">
+            <a:extLst>
+              <a:ext uri="{FF2B5EF4-FFF2-40B4-BE49-F238E27FC236}">
+                <a16:creationId xmlns:a16="http://schemas.microsoft.com/office/drawing/2014/main" id="{205C5E1F-4912-4350-BF04-644C353FA29E}"/>
+              </a:ext>
+            </a:extLst>
+          </p:cNvPr>
+          <p:cNvPicPr>
+            <a:picLocks noChangeAspect="1"/>
+          </p:cNvPicPr>
+          <p:nvPr/>
+        </p:nvPicPr>
+        <p:blipFill>
+          <a:blip r:embed="rId5"/>
+          <a:stretch>
+            <a:fillRect/>
+          </a:stretch>
+        </p:blipFill>
+        <p:spPr>
+          <a:xfrm>
+            <a:off x="4436642" y="2414587"/>
+            <a:ext cx="2495550" cy="3324225"/>
+          </a:xfrm>
+          <a:prstGeom prst="rect">
+            <a:avLst/>
+          </a:prstGeom>
+        </p:spPr>
+      </p:pic>
+      <p:sp>
+        <p:nvSpPr>
+          <p:cNvPr id="11" name="CaixaDeTexto 10">
+            <a:extLst>
+              <a:ext uri="{FF2B5EF4-FFF2-40B4-BE49-F238E27FC236}">
+                <a16:creationId xmlns:a16="http://schemas.microsoft.com/office/drawing/2014/main" id="{14CAE227-8E44-4BA8-9B26-9118FDF6F340}"/>
+              </a:ext>
+            </a:extLst>
+          </p:cNvPr>
+          <p:cNvSpPr txBox="1"/>
+          <p:nvPr/>
+        </p:nvSpPr>
+        <p:spPr>
+          <a:xfrm>
+            <a:off x="4688268" y="1756291"/>
+            <a:ext cx="1992297" cy="369332"/>
+          </a:xfrm>
+          <a:prstGeom prst="rect">
+            <a:avLst/>
+          </a:prstGeom>
+          <a:noFill/>
+        </p:spPr>
+        <p:txBody>
+          <a:bodyPr wrap="square" rtlCol="0">
+            <a:spAutoFit/>
+          </a:bodyPr>
+          <a:lstStyle/>
+          <a:p>
+            <a:pPr algn="ctr"/>
+            <a:r>
+              <a:rPr lang="pt-BR" b="1" dirty="0" err="1">
+                <a:solidFill>
+                  <a:schemeClr val="bg1"/>
+                </a:solidFill>
+              </a:rPr>
+              <a:t>Resources</a:t>
+            </a:r>
+            <a:endParaRPr lang="en-US" b="1" dirty="0">
+              <a:solidFill>
+                <a:schemeClr val="bg1"/>
+              </a:solidFill>
+            </a:endParaRPr>
+          </a:p>
+        </p:txBody>
+      </p:sp>
+      <p:sp>
+        <p:nvSpPr>
+          <p:cNvPr id="12" name="CaixaDeTexto 11">
+            <a:extLst>
+              <a:ext uri="{FF2B5EF4-FFF2-40B4-BE49-F238E27FC236}">
+                <a16:creationId xmlns:a16="http://schemas.microsoft.com/office/drawing/2014/main" id="{3ED32C21-03FD-4765-AC7B-9292A4E35D50}"/>
+              </a:ext>
+            </a:extLst>
+          </p:cNvPr>
+          <p:cNvSpPr txBox="1"/>
+          <p:nvPr/>
+        </p:nvSpPr>
+        <p:spPr>
+          <a:xfrm>
+            <a:off x="1556551" y="1691521"/>
+            <a:ext cx="1992297" cy="369332"/>
+          </a:xfrm>
+          <a:prstGeom prst="rect">
+            <a:avLst/>
+          </a:prstGeom>
+          <a:noFill/>
+        </p:spPr>
+        <p:txBody>
+          <a:bodyPr wrap="square" rtlCol="0">
+            <a:spAutoFit/>
+          </a:bodyPr>
+          <a:lstStyle/>
+          <a:p>
+            <a:pPr algn="ctr"/>
+            <a:r>
+              <a:rPr lang="pt-BR" b="1" dirty="0">
+                <a:solidFill>
+                  <a:schemeClr val="bg1"/>
+                </a:solidFill>
+              </a:rPr>
+              <a:t>Classes</a:t>
+            </a:r>
+            <a:endParaRPr lang="en-US" b="1" dirty="0">
+              <a:solidFill>
+                <a:schemeClr val="bg1"/>
+              </a:solidFill>
+            </a:endParaRPr>
+          </a:p>
+        </p:txBody>
+      </p:sp>
+      <p:sp>
+        <p:nvSpPr>
+          <p:cNvPr id="13" name="CaixaDeTexto 12">
+            <a:extLst>
+              <a:ext uri="{FF2B5EF4-FFF2-40B4-BE49-F238E27FC236}">
+                <a16:creationId xmlns:a16="http://schemas.microsoft.com/office/drawing/2014/main" id="{53905CD8-30D9-48FF-88AB-D2BCEB63C7AF}"/>
+              </a:ext>
+            </a:extLst>
+          </p:cNvPr>
+          <p:cNvSpPr txBox="1"/>
+          <p:nvPr/>
+        </p:nvSpPr>
+        <p:spPr>
+          <a:xfrm>
+            <a:off x="8393837" y="1691521"/>
+            <a:ext cx="1992297" cy="369332"/>
+          </a:xfrm>
+          <a:prstGeom prst="rect">
+            <a:avLst/>
+          </a:prstGeom>
+          <a:noFill/>
+        </p:spPr>
+        <p:txBody>
+          <a:bodyPr wrap="square" rtlCol="0">
+            <a:spAutoFit/>
+          </a:bodyPr>
+          <a:lstStyle/>
+          <a:p>
+            <a:pPr algn="ctr"/>
+            <a:r>
+              <a:rPr lang="pt-BR" b="1" dirty="0">
+                <a:solidFill>
+                  <a:schemeClr val="bg1"/>
+                </a:solidFill>
+              </a:rPr>
+              <a:t>Telas</a:t>
+            </a:r>
+            <a:endParaRPr lang="en-US" b="1" dirty="0">
+              <a:solidFill>
+                <a:schemeClr val="bg1"/>
+              </a:solidFill>
+            </a:endParaRPr>
+          </a:p>
+        </p:txBody>
+      </p:sp>
     </p:spTree>
     <p:extLst>
       <p:ext uri="{BB962C8B-B14F-4D97-AF65-F5344CB8AC3E}">
@@ -13649,6 +14290,3013 @@
   </p:cSld>
   <p:clrMapOvr>
     <a:masterClrMapping/>
+  </p:clrMapOvr>
+</p:sld>
+</file>
+
+<file path=ppt/slides/slide13.xml><?xml version="1.0" encoding="utf-8"?>
+<p:sld xmlns:a="http://schemas.openxmlformats.org/drawingml/2006/main" xmlns:r="http://schemas.openxmlformats.org/officeDocument/2006/relationships" xmlns:p="http://schemas.openxmlformats.org/presentationml/2006/main">
+  <p:cSld>
+    <p:bg>
+      <p:bgPr>
+        <a:solidFill>
+          <a:schemeClr val="bg1"/>
+        </a:solidFill>
+        <a:effectLst/>
+      </p:bgPr>
+    </p:bg>
+    <p:spTree>
+      <p:nvGrpSpPr>
+        <p:cNvPr id="1" name=""/>
+        <p:cNvGrpSpPr/>
+        <p:nvPr/>
+      </p:nvGrpSpPr>
+      <p:grpSpPr>
+        <a:xfrm>
+          <a:off x="0" y="0"/>
+          <a:ext cx="0" cy="0"/>
+          <a:chOff x="0" y="0"/>
+          <a:chExt cx="0" cy="0"/>
+        </a:xfrm>
+      </p:grpSpPr>
+      <p:sp>
+        <p:nvSpPr>
+          <p:cNvPr id="19" name="Rectangle 18">
+            <a:extLst>
+              <a:ext uri="{FF2B5EF4-FFF2-40B4-BE49-F238E27FC236}">
+                <a16:creationId xmlns:a16="http://schemas.microsoft.com/office/drawing/2014/main" id="{2B109C5B-3B98-48EB-A942-8D11CEA374B6}"/>
+              </a:ext>
+              <a:ext uri="{C183D7F6-B498-43B3-948B-1728B52AA6E4}">
+                <adec:decorative xmlns:adec="http://schemas.microsoft.com/office/drawing/2017/decorative" val="1"/>
+              </a:ext>
+            </a:extLst>
+          </p:cNvPr>
+          <p:cNvSpPr>
+            <a:spLocks noGrp="1" noRot="1" noChangeAspect="1" noMove="1" noResize="1" noEditPoints="1" noAdjustHandles="1" noChangeArrowheads="1" noChangeShapeType="1" noTextEdit="1"/>
+          </p:cNvSpPr>
+          <p:nvPr>
+            <p:extLst>
+              <p:ext uri="{386F3935-93C4-4BCD-93E2-E3B085C9AB24}">
+                <p16:designElem xmlns:p16="http://schemas.microsoft.com/office/powerpoint/2015/main" val="1"/>
+              </p:ext>
+            </p:extLst>
+          </p:nvPr>
+        </p:nvSpPr>
+        <p:spPr>
+          <a:xfrm>
+            <a:off x="0" y="793"/>
+            <a:ext cx="12192000" cy="6858000"/>
+          </a:xfrm>
+          <a:prstGeom prst="rect">
+            <a:avLst/>
+          </a:prstGeom>
+          <a:blipFill>
+            <a:blip r:embed="rId2">
+              <a:duotone>
+                <a:schemeClr val="dk2">
+                  <a:shade val="69000"/>
+                  <a:hueMod val="91000"/>
+                  <a:satMod val="164000"/>
+                  <a:lumMod val="74000"/>
+                </a:schemeClr>
+                <a:schemeClr val="dk2">
+                  <a:hueMod val="124000"/>
+                  <a:satMod val="140000"/>
+                  <a:lumMod val="142000"/>
+                </a:schemeClr>
+              </a:duotone>
+            </a:blip>
+            <a:stretch>
+              <a:fillRect/>
+            </a:stretch>
+          </a:blipFill>
+          <a:ln>
+            <a:noFill/>
+          </a:ln>
+        </p:spPr>
+        <p:style>
+          <a:lnRef idx="2">
+            <a:schemeClr val="accent1">
+              <a:shade val="50000"/>
+            </a:schemeClr>
+          </a:lnRef>
+          <a:fillRef idx="1">
+            <a:schemeClr val="accent1"/>
+          </a:fillRef>
+          <a:effectRef idx="0">
+            <a:schemeClr val="accent1"/>
+          </a:effectRef>
+          <a:fontRef idx="minor">
+            <a:schemeClr val="lt1"/>
+          </a:fontRef>
+        </p:style>
+      </p:sp>
+      <p:sp>
+        <p:nvSpPr>
+          <p:cNvPr id="21" name="Freeform 5">
+            <a:extLst>
+              <a:ext uri="{FF2B5EF4-FFF2-40B4-BE49-F238E27FC236}">
+                <a16:creationId xmlns:a16="http://schemas.microsoft.com/office/drawing/2014/main" id="{A9C389E4-003E-40C9-AC9E-ED821C16F525}"/>
+              </a:ext>
+              <a:ext uri="{C183D7F6-B498-43B3-948B-1728B52AA6E4}">
+                <adec:decorative xmlns:adec="http://schemas.microsoft.com/office/drawing/2017/decorative" val="1"/>
+              </a:ext>
+            </a:extLst>
+          </p:cNvPr>
+          <p:cNvSpPr>
+            <a:spLocks noGrp="1" noRot="1" noChangeAspect="1" noMove="1" noResize="1" noEditPoints="1" noAdjustHandles="1" noChangeArrowheads="1" noChangeShapeType="1" noTextEdit="1"/>
+          </p:cNvSpPr>
+          <p:nvPr>
+            <p:extLst>
+              <p:ext uri="{386F3935-93C4-4BCD-93E2-E3B085C9AB24}">
+                <p16:designElem xmlns:p16="http://schemas.microsoft.com/office/powerpoint/2015/main" val="1"/>
+              </p:ext>
+            </p:extLst>
+          </p:nvPr>
+        </p:nvSpPr>
+        <p:spPr bwMode="gray">
+          <a:xfrm>
+            <a:off x="0" y="1587"/>
+            <a:ext cx="12192000" cy="6856413"/>
+          </a:xfrm>
+          <a:custGeom>
+            <a:avLst/>
+            <a:gdLst/>
+            <a:ahLst/>
+            <a:cxnLst/>
+            <a:rect l="0" t="0" r="r" b="b"/>
+            <a:pathLst>
+              <a:path w="15356" h="8638">
+                <a:moveTo>
+                  <a:pt x="0" y="0"/>
+                </a:moveTo>
+                <a:lnTo>
+                  <a:pt x="0" y="8638"/>
+                </a:lnTo>
+                <a:lnTo>
+                  <a:pt x="15356" y="8638"/>
+                </a:lnTo>
+                <a:lnTo>
+                  <a:pt x="15356" y="0"/>
+                </a:lnTo>
+                <a:lnTo>
+                  <a:pt x="0" y="0"/>
+                </a:lnTo>
+                <a:close/>
+                <a:moveTo>
+                  <a:pt x="14748" y="8038"/>
+                </a:moveTo>
+                <a:lnTo>
+                  <a:pt x="600" y="8038"/>
+                </a:lnTo>
+                <a:lnTo>
+                  <a:pt x="600" y="592"/>
+                </a:lnTo>
+                <a:lnTo>
+                  <a:pt x="14748" y="592"/>
+                </a:lnTo>
+                <a:lnTo>
+                  <a:pt x="14748" y="8038"/>
+                </a:lnTo>
+                <a:close/>
+              </a:path>
+            </a:pathLst>
+          </a:custGeom>
+          <a:solidFill>
+            <a:schemeClr val="tx1"/>
+          </a:solidFill>
+          <a:ln>
+            <a:noFill/>
+          </a:ln>
+        </p:spPr>
+      </p:sp>
+      <p:sp>
+        <p:nvSpPr>
+          <p:cNvPr id="23" name="Rectangle 22">
+            <a:extLst>
+              <a:ext uri="{FF2B5EF4-FFF2-40B4-BE49-F238E27FC236}">
+                <a16:creationId xmlns:a16="http://schemas.microsoft.com/office/drawing/2014/main" id="{6C042684-2705-40BD-9104-A6B24CE1CA45}"/>
+              </a:ext>
+              <a:ext uri="{C183D7F6-B498-43B3-948B-1728B52AA6E4}">
+                <adec:decorative xmlns:adec="http://schemas.microsoft.com/office/drawing/2017/decorative" val="1"/>
+              </a:ext>
+            </a:extLst>
+          </p:cNvPr>
+          <p:cNvSpPr>
+            <a:spLocks noGrp="1" noRot="1" noChangeAspect="1" noMove="1" noResize="1" noEditPoints="1" noAdjustHandles="1" noChangeArrowheads="1" noChangeShapeType="1" noTextEdit="1"/>
+          </p:cNvSpPr>
+          <p:nvPr>
+            <p:extLst>
+              <p:ext uri="{386F3935-93C4-4BCD-93E2-E3B085C9AB24}">
+                <p16:designElem xmlns:p16="http://schemas.microsoft.com/office/powerpoint/2015/main" val="1"/>
+              </p:ext>
+            </p:extLst>
+          </p:nvPr>
+        </p:nvSpPr>
+        <p:spPr>
+          <a:xfrm>
+            <a:off x="10437812" y="0"/>
+            <a:ext cx="685800" cy="1143000"/>
+          </a:xfrm>
+          <a:prstGeom prst="rect">
+            <a:avLst/>
+          </a:prstGeom>
+          <a:solidFill>
+            <a:schemeClr val="accent1"/>
+          </a:solidFill>
+          <a:ln>
+            <a:noFill/>
+          </a:ln>
+        </p:spPr>
+        <p:style>
+          <a:lnRef idx="1">
+            <a:schemeClr val="accent1"/>
+          </a:lnRef>
+          <a:fillRef idx="3">
+            <a:schemeClr val="accent1"/>
+          </a:fillRef>
+          <a:effectRef idx="2">
+            <a:schemeClr val="accent1"/>
+          </a:effectRef>
+          <a:fontRef idx="minor">
+            <a:schemeClr val="lt1"/>
+          </a:fontRef>
+        </p:style>
+      </p:sp>
+      <p:sp>
+        <p:nvSpPr>
+          <p:cNvPr id="2" name="Título 1">
+            <a:extLst>
+              <a:ext uri="{FF2B5EF4-FFF2-40B4-BE49-F238E27FC236}">
+                <a16:creationId xmlns:a16="http://schemas.microsoft.com/office/drawing/2014/main" id="{6A91E726-E2E5-410E-BD7B-798D9DB5DC85}"/>
+              </a:ext>
+            </a:extLst>
+          </p:cNvPr>
+          <p:cNvSpPr>
+            <a:spLocks noGrp="1"/>
+          </p:cNvSpPr>
+          <p:nvPr>
+            <p:ph type="ctrTitle"/>
+          </p:nvPr>
+        </p:nvSpPr>
+        <p:spPr>
+          <a:xfrm>
+            <a:off x="814653" y="473337"/>
+            <a:ext cx="6268246" cy="3134032"/>
+          </a:xfrm>
+        </p:spPr>
+        <p:txBody>
+          <a:bodyPr>
+            <a:normAutofit/>
+          </a:bodyPr>
+          <a:lstStyle/>
+          <a:p>
+            <a:r>
+              <a:rPr lang="pt-BR" sz="4800" b="1" dirty="0">
+                <a:solidFill>
+                  <a:srgbClr val="EBEBEB"/>
+                </a:solidFill>
+                <a:latin typeface="Courier New" panose="02070309020205020404" pitchFamily="49" charset="0"/>
+                <a:cs typeface="Courier New" panose="02070309020205020404" pitchFamily="49" charset="0"/>
+              </a:rPr>
+              <a:t>//PROGRAMAÇÃO</a:t>
+            </a:r>
+            <a:br>
+              <a:rPr lang="pt-BR" sz="6100" b="1" dirty="0">
+                <a:solidFill>
+                  <a:srgbClr val="EBEBEB"/>
+                </a:solidFill>
+                <a:latin typeface="Courier New" panose="02070309020205020404" pitchFamily="49" charset="0"/>
+                <a:cs typeface="Courier New" panose="02070309020205020404" pitchFamily="49" charset="0"/>
+              </a:rPr>
+            </a:br>
+            <a:br>
+              <a:rPr lang="pt-BR" sz="6100" b="1" dirty="0">
+                <a:solidFill>
+                  <a:srgbClr val="EBEBEB"/>
+                </a:solidFill>
+                <a:latin typeface="Courier New" panose="02070309020205020404" pitchFamily="49" charset="0"/>
+                <a:cs typeface="Courier New" panose="02070309020205020404" pitchFamily="49" charset="0"/>
+              </a:rPr>
+            </a:br>
+            <a:endParaRPr lang="en-US" sz="6100" b="1" dirty="0">
+              <a:solidFill>
+                <a:srgbClr val="EBEBEB"/>
+              </a:solidFill>
+              <a:latin typeface="Courier New" panose="02070309020205020404" pitchFamily="49" charset="0"/>
+              <a:cs typeface="Courier New" panose="02070309020205020404" pitchFamily="49" charset="0"/>
+            </a:endParaRPr>
+          </a:p>
+        </p:txBody>
+      </p:sp>
+      <p:pic>
+        <p:nvPicPr>
+          <p:cNvPr id="14" name="Imagem 13">
+            <a:extLst>
+              <a:ext uri="{FF2B5EF4-FFF2-40B4-BE49-F238E27FC236}">
+                <a16:creationId xmlns:a16="http://schemas.microsoft.com/office/drawing/2014/main" id="{1BA6B0C3-6727-4B06-B9D4-0C086AD88DE6}"/>
+              </a:ext>
+            </a:extLst>
+          </p:cNvPr>
+          <p:cNvPicPr>
+            <a:picLocks noChangeAspect="1"/>
+          </p:cNvPicPr>
+          <p:nvPr/>
+        </p:nvPicPr>
+        <p:blipFill>
+          <a:blip r:embed="rId3"/>
+          <a:stretch>
+            <a:fillRect/>
+          </a:stretch>
+        </p:blipFill>
+        <p:spPr>
+          <a:xfrm>
+            <a:off x="1818960" y="2313588"/>
+            <a:ext cx="3531062" cy="3531062"/>
+          </a:xfrm>
+          <a:prstGeom prst="roundRect">
+            <a:avLst>
+              <a:gd name="adj" fmla="val 1858"/>
+            </a:avLst>
+          </a:prstGeom>
+          <a:effectLst>
+            <a:outerShdw blurRad="50800" dist="50800" dir="5400000" algn="tl" rotWithShape="0">
+              <a:srgbClr val="000000">
+                <a:alpha val="43000"/>
+              </a:srgbClr>
+            </a:outerShdw>
+          </a:effectLst>
+        </p:spPr>
+      </p:pic>
+      <p:pic>
+        <p:nvPicPr>
+          <p:cNvPr id="5" name="Imagem 4">
+            <a:extLst>
+              <a:ext uri="{FF2B5EF4-FFF2-40B4-BE49-F238E27FC236}">
+                <a16:creationId xmlns:a16="http://schemas.microsoft.com/office/drawing/2014/main" id="{9BF7BFA3-66E1-4DC5-AD54-D4D46AD07568}"/>
+              </a:ext>
+            </a:extLst>
+          </p:cNvPr>
+          <p:cNvPicPr>
+            <a:picLocks noChangeAspect="1"/>
+          </p:cNvPicPr>
+          <p:nvPr/>
+        </p:nvPicPr>
+        <p:blipFill>
+          <a:blip r:embed="rId4"/>
+          <a:stretch>
+            <a:fillRect/>
+          </a:stretch>
+        </p:blipFill>
+        <p:spPr>
+          <a:xfrm>
+            <a:off x="10534650" y="366451"/>
+            <a:ext cx="523995" cy="690983"/>
+          </a:xfrm>
+          <a:prstGeom prst="rect">
+            <a:avLst/>
+          </a:prstGeom>
+        </p:spPr>
+      </p:pic>
+      <p:cxnSp>
+        <p:nvCxnSpPr>
+          <p:cNvPr id="16" name="Conector reto 15">
+            <a:extLst>
+              <a:ext uri="{FF2B5EF4-FFF2-40B4-BE49-F238E27FC236}">
+                <a16:creationId xmlns:a16="http://schemas.microsoft.com/office/drawing/2014/main" id="{6E530F7D-2576-48B8-BCC5-6014BBFA0E2D}"/>
+              </a:ext>
+            </a:extLst>
+          </p:cNvPr>
+          <p:cNvCxnSpPr/>
+          <p:nvPr/>
+        </p:nvCxnSpPr>
+        <p:spPr>
+          <a:xfrm>
+            <a:off x="4283105" y="5110779"/>
+            <a:ext cx="3467100" cy="0"/>
+          </a:xfrm>
+          <a:prstGeom prst="line">
+            <a:avLst/>
+          </a:prstGeom>
+          <a:ln>
+            <a:solidFill>
+              <a:srgbClr val="92D050"/>
+            </a:solidFill>
+          </a:ln>
+        </p:spPr>
+        <p:style>
+          <a:lnRef idx="3">
+            <a:schemeClr val="dk1"/>
+          </a:lnRef>
+          <a:fillRef idx="0">
+            <a:schemeClr val="dk1"/>
+          </a:fillRef>
+          <a:effectRef idx="2">
+            <a:schemeClr val="dk1"/>
+          </a:effectRef>
+          <a:fontRef idx="minor">
+            <a:schemeClr val="tx1"/>
+          </a:fontRef>
+        </p:style>
+      </p:cxnSp>
+      <p:cxnSp>
+        <p:nvCxnSpPr>
+          <p:cNvPr id="20" name="Conector reto 19">
+            <a:extLst>
+              <a:ext uri="{FF2B5EF4-FFF2-40B4-BE49-F238E27FC236}">
+                <a16:creationId xmlns:a16="http://schemas.microsoft.com/office/drawing/2014/main" id="{E560256A-D5AD-43A2-B756-D308E033789E}"/>
+              </a:ext>
+            </a:extLst>
+          </p:cNvPr>
+          <p:cNvCxnSpPr/>
+          <p:nvPr/>
+        </p:nvCxnSpPr>
+        <p:spPr>
+          <a:xfrm>
+            <a:off x="4639690" y="3963709"/>
+            <a:ext cx="3467100" cy="0"/>
+          </a:xfrm>
+          <a:prstGeom prst="line">
+            <a:avLst/>
+          </a:prstGeom>
+          <a:ln>
+            <a:solidFill>
+              <a:srgbClr val="FFFF00"/>
+            </a:solidFill>
+          </a:ln>
+        </p:spPr>
+        <p:style>
+          <a:lnRef idx="3">
+            <a:schemeClr val="dk1"/>
+          </a:lnRef>
+          <a:fillRef idx="0">
+            <a:schemeClr val="dk1"/>
+          </a:fillRef>
+          <a:effectRef idx="2">
+            <a:schemeClr val="dk1"/>
+          </a:effectRef>
+          <a:fontRef idx="minor">
+            <a:schemeClr val="tx1"/>
+          </a:fontRef>
+        </p:style>
+      </p:cxnSp>
+      <p:cxnSp>
+        <p:nvCxnSpPr>
+          <p:cNvPr id="22" name="Conector reto 21">
+            <a:extLst>
+              <a:ext uri="{FF2B5EF4-FFF2-40B4-BE49-F238E27FC236}">
+                <a16:creationId xmlns:a16="http://schemas.microsoft.com/office/drawing/2014/main" id="{37C18ABB-7E1C-4084-A445-119FC68F5C79}"/>
+              </a:ext>
+            </a:extLst>
+          </p:cNvPr>
+          <p:cNvCxnSpPr/>
+          <p:nvPr/>
+        </p:nvCxnSpPr>
+        <p:spPr>
+          <a:xfrm>
+            <a:off x="4977043" y="2892840"/>
+            <a:ext cx="3467100" cy="0"/>
+          </a:xfrm>
+          <a:prstGeom prst="line">
+            <a:avLst/>
+          </a:prstGeom>
+          <a:ln>
+            <a:solidFill>
+              <a:schemeClr val="accent2"/>
+            </a:solidFill>
+          </a:ln>
+        </p:spPr>
+        <p:style>
+          <a:lnRef idx="3">
+            <a:schemeClr val="dk1"/>
+          </a:lnRef>
+          <a:fillRef idx="0">
+            <a:schemeClr val="dk1"/>
+          </a:fillRef>
+          <a:effectRef idx="2">
+            <a:schemeClr val="dk1"/>
+          </a:effectRef>
+          <a:fontRef idx="minor">
+            <a:schemeClr val="tx1"/>
+          </a:fontRef>
+        </p:style>
+      </p:cxnSp>
+      <p:sp>
+        <p:nvSpPr>
+          <p:cNvPr id="17" name="CaixaDeTexto 16">
+            <a:extLst>
+              <a:ext uri="{FF2B5EF4-FFF2-40B4-BE49-F238E27FC236}">
+                <a16:creationId xmlns:a16="http://schemas.microsoft.com/office/drawing/2014/main" id="{05C64800-B780-449A-9F8B-944619DB0577}"/>
+              </a:ext>
+            </a:extLst>
+          </p:cNvPr>
+          <p:cNvSpPr txBox="1"/>
+          <p:nvPr/>
+        </p:nvSpPr>
+        <p:spPr>
+          <a:xfrm>
+            <a:off x="7330918" y="2385932"/>
+            <a:ext cx="2756768" cy="584775"/>
+          </a:xfrm>
+          <a:prstGeom prst="rect">
+            <a:avLst/>
+          </a:prstGeom>
+          <a:noFill/>
+        </p:spPr>
+        <p:txBody>
+          <a:bodyPr wrap="square" rtlCol="0">
+            <a:spAutoFit/>
+          </a:bodyPr>
+          <a:lstStyle/>
+          <a:p>
+            <a:r>
+              <a:rPr lang="pt-BR" sz="3200" dirty="0">
+                <a:latin typeface="Courier New" panose="02070309020205020404" pitchFamily="49" charset="0"/>
+                <a:cs typeface="Courier New" panose="02070309020205020404" pitchFamily="49" charset="0"/>
+              </a:rPr>
+              <a:t>VIEW</a:t>
+            </a:r>
+            <a:endParaRPr lang="en-US" sz="3200" dirty="0">
+              <a:latin typeface="Courier New" panose="02070309020205020404" pitchFamily="49" charset="0"/>
+              <a:cs typeface="Courier New" panose="02070309020205020404" pitchFamily="49" charset="0"/>
+            </a:endParaRPr>
+          </a:p>
+        </p:txBody>
+      </p:sp>
+      <p:sp>
+        <p:nvSpPr>
+          <p:cNvPr id="24" name="CaixaDeTexto 23">
+            <a:extLst>
+              <a:ext uri="{FF2B5EF4-FFF2-40B4-BE49-F238E27FC236}">
+                <a16:creationId xmlns:a16="http://schemas.microsoft.com/office/drawing/2014/main" id="{7C9405E7-4EC2-496B-839A-F9963ACD69A6}"/>
+              </a:ext>
+            </a:extLst>
+          </p:cNvPr>
+          <p:cNvSpPr txBox="1"/>
+          <p:nvPr/>
+        </p:nvSpPr>
+        <p:spPr>
+          <a:xfrm>
+            <a:off x="6100440" y="3419796"/>
+            <a:ext cx="2756768" cy="584775"/>
+          </a:xfrm>
+          <a:prstGeom prst="rect">
+            <a:avLst/>
+          </a:prstGeom>
+          <a:noFill/>
+        </p:spPr>
+        <p:txBody>
+          <a:bodyPr wrap="square" rtlCol="0">
+            <a:spAutoFit/>
+          </a:bodyPr>
+          <a:lstStyle/>
+          <a:p>
+            <a:r>
+              <a:rPr lang="pt-BR" sz="3200" dirty="0">
+                <a:latin typeface="Courier New" panose="02070309020205020404" pitchFamily="49" charset="0"/>
+                <a:cs typeface="Courier New" panose="02070309020205020404" pitchFamily="49" charset="0"/>
+              </a:rPr>
+              <a:t>CONTROLE</a:t>
+            </a:r>
+            <a:endParaRPr lang="en-US" sz="3200" dirty="0">
+              <a:latin typeface="Courier New" panose="02070309020205020404" pitchFamily="49" charset="0"/>
+              <a:cs typeface="Courier New" panose="02070309020205020404" pitchFamily="49" charset="0"/>
+            </a:endParaRPr>
+          </a:p>
+        </p:txBody>
+      </p:sp>
+      <p:sp>
+        <p:nvSpPr>
+          <p:cNvPr id="25" name="CaixaDeTexto 24">
+            <a:extLst>
+              <a:ext uri="{FF2B5EF4-FFF2-40B4-BE49-F238E27FC236}">
+                <a16:creationId xmlns:a16="http://schemas.microsoft.com/office/drawing/2014/main" id="{2BAD5173-D230-45DA-A49A-A181E28B4DF7}"/>
+              </a:ext>
+            </a:extLst>
+          </p:cNvPr>
+          <p:cNvSpPr txBox="1"/>
+          <p:nvPr/>
+        </p:nvSpPr>
+        <p:spPr>
+          <a:xfrm>
+            <a:off x="7178822" y="4599509"/>
+            <a:ext cx="2756768" cy="584775"/>
+          </a:xfrm>
+          <a:prstGeom prst="rect">
+            <a:avLst/>
+          </a:prstGeom>
+          <a:noFill/>
+        </p:spPr>
+        <p:txBody>
+          <a:bodyPr wrap="square" rtlCol="0">
+            <a:spAutoFit/>
+          </a:bodyPr>
+          <a:lstStyle/>
+          <a:p>
+            <a:r>
+              <a:rPr lang="pt-BR" sz="3200" dirty="0">
+                <a:latin typeface="Courier New" panose="02070309020205020404" pitchFamily="49" charset="0"/>
+                <a:cs typeface="Courier New" panose="02070309020205020404" pitchFamily="49" charset="0"/>
+              </a:rPr>
+              <a:t>BD</a:t>
+            </a:r>
+            <a:endParaRPr lang="en-US" sz="3200" dirty="0">
+              <a:latin typeface="Courier New" panose="02070309020205020404" pitchFamily="49" charset="0"/>
+              <a:cs typeface="Courier New" panose="02070309020205020404" pitchFamily="49" charset="0"/>
+            </a:endParaRPr>
+          </a:p>
+        </p:txBody>
+      </p:sp>
+    </p:spTree>
+    <p:extLst>
+      <p:ext uri="{BB962C8B-B14F-4D97-AF65-F5344CB8AC3E}">
+        <p14:creationId xmlns:p14="http://schemas.microsoft.com/office/powerpoint/2010/main" val="2685742870"/>
+      </p:ext>
+    </p:extLst>
+  </p:cSld>
+  <p:clrMapOvr>
+    <a:overrideClrMapping bg1="dk1" tx1="lt1" bg2="dk2" tx2="lt2" accent1="accent1" accent2="accent2" accent3="accent3" accent4="accent4" accent5="accent5" accent6="accent6" hlink="hlink" folHlink="folHlink"/>
+  </p:clrMapOvr>
+</p:sld>
+</file>
+
+<file path=ppt/slides/slide14.xml><?xml version="1.0" encoding="utf-8"?>
+<p:sld xmlns:a="http://schemas.openxmlformats.org/drawingml/2006/main" xmlns:r="http://schemas.openxmlformats.org/officeDocument/2006/relationships" xmlns:p="http://schemas.openxmlformats.org/presentationml/2006/main">
+  <p:cSld>
+    <p:bg>
+      <p:bgPr>
+        <a:solidFill>
+          <a:schemeClr val="bg1"/>
+        </a:solidFill>
+        <a:effectLst/>
+      </p:bgPr>
+    </p:bg>
+    <p:spTree>
+      <p:nvGrpSpPr>
+        <p:cNvPr id="1" name=""/>
+        <p:cNvGrpSpPr/>
+        <p:nvPr/>
+      </p:nvGrpSpPr>
+      <p:grpSpPr>
+        <a:xfrm>
+          <a:off x="0" y="0"/>
+          <a:ext cx="0" cy="0"/>
+          <a:chOff x="0" y="0"/>
+          <a:chExt cx="0" cy="0"/>
+        </a:xfrm>
+      </p:grpSpPr>
+      <p:sp>
+        <p:nvSpPr>
+          <p:cNvPr id="19" name="Rectangle 18">
+            <a:extLst>
+              <a:ext uri="{FF2B5EF4-FFF2-40B4-BE49-F238E27FC236}">
+                <a16:creationId xmlns:a16="http://schemas.microsoft.com/office/drawing/2014/main" id="{2B109C5B-3B98-48EB-A942-8D11CEA374B6}"/>
+              </a:ext>
+              <a:ext uri="{C183D7F6-B498-43B3-948B-1728B52AA6E4}">
+                <adec:decorative xmlns:adec="http://schemas.microsoft.com/office/drawing/2017/decorative" val="1"/>
+              </a:ext>
+            </a:extLst>
+          </p:cNvPr>
+          <p:cNvSpPr>
+            <a:spLocks noGrp="1" noRot="1" noChangeAspect="1" noMove="1" noResize="1" noEditPoints="1" noAdjustHandles="1" noChangeArrowheads="1" noChangeShapeType="1" noTextEdit="1"/>
+          </p:cNvSpPr>
+          <p:nvPr>
+            <p:extLst>
+              <p:ext uri="{386F3935-93C4-4BCD-93E2-E3B085C9AB24}">
+                <p16:designElem xmlns:p16="http://schemas.microsoft.com/office/powerpoint/2015/main" val="1"/>
+              </p:ext>
+            </p:extLst>
+          </p:nvPr>
+        </p:nvSpPr>
+        <p:spPr>
+          <a:xfrm>
+            <a:off x="0" y="793"/>
+            <a:ext cx="12192000" cy="6858000"/>
+          </a:xfrm>
+          <a:prstGeom prst="rect">
+            <a:avLst/>
+          </a:prstGeom>
+          <a:blipFill>
+            <a:blip r:embed="rId2">
+              <a:duotone>
+                <a:schemeClr val="dk2">
+                  <a:shade val="69000"/>
+                  <a:hueMod val="91000"/>
+                  <a:satMod val="164000"/>
+                  <a:lumMod val="74000"/>
+                </a:schemeClr>
+                <a:schemeClr val="dk2">
+                  <a:hueMod val="124000"/>
+                  <a:satMod val="140000"/>
+                  <a:lumMod val="142000"/>
+                </a:schemeClr>
+              </a:duotone>
+            </a:blip>
+            <a:stretch>
+              <a:fillRect/>
+            </a:stretch>
+          </a:blipFill>
+          <a:ln>
+            <a:noFill/>
+          </a:ln>
+        </p:spPr>
+        <p:style>
+          <a:lnRef idx="2">
+            <a:schemeClr val="accent1">
+              <a:shade val="50000"/>
+            </a:schemeClr>
+          </a:lnRef>
+          <a:fillRef idx="1">
+            <a:schemeClr val="accent1"/>
+          </a:fillRef>
+          <a:effectRef idx="0">
+            <a:schemeClr val="accent1"/>
+          </a:effectRef>
+          <a:fontRef idx="minor">
+            <a:schemeClr val="lt1"/>
+          </a:fontRef>
+        </p:style>
+      </p:sp>
+      <p:sp>
+        <p:nvSpPr>
+          <p:cNvPr id="21" name="Freeform 5">
+            <a:extLst>
+              <a:ext uri="{FF2B5EF4-FFF2-40B4-BE49-F238E27FC236}">
+                <a16:creationId xmlns:a16="http://schemas.microsoft.com/office/drawing/2014/main" id="{A9C389E4-003E-40C9-AC9E-ED821C16F525}"/>
+              </a:ext>
+              <a:ext uri="{C183D7F6-B498-43B3-948B-1728B52AA6E4}">
+                <adec:decorative xmlns:adec="http://schemas.microsoft.com/office/drawing/2017/decorative" val="1"/>
+              </a:ext>
+            </a:extLst>
+          </p:cNvPr>
+          <p:cNvSpPr>
+            <a:spLocks noGrp="1" noRot="1" noChangeAspect="1" noMove="1" noResize="1" noEditPoints="1" noAdjustHandles="1" noChangeArrowheads="1" noChangeShapeType="1" noTextEdit="1"/>
+          </p:cNvSpPr>
+          <p:nvPr>
+            <p:extLst>
+              <p:ext uri="{386F3935-93C4-4BCD-93E2-E3B085C9AB24}">
+                <p16:designElem xmlns:p16="http://schemas.microsoft.com/office/powerpoint/2015/main" val="1"/>
+              </p:ext>
+            </p:extLst>
+          </p:nvPr>
+        </p:nvSpPr>
+        <p:spPr bwMode="gray">
+          <a:xfrm>
+            <a:off x="0" y="1587"/>
+            <a:ext cx="12192000" cy="6856413"/>
+          </a:xfrm>
+          <a:custGeom>
+            <a:avLst/>
+            <a:gdLst/>
+            <a:ahLst/>
+            <a:cxnLst/>
+            <a:rect l="0" t="0" r="r" b="b"/>
+            <a:pathLst>
+              <a:path w="15356" h="8638">
+                <a:moveTo>
+                  <a:pt x="0" y="0"/>
+                </a:moveTo>
+                <a:lnTo>
+                  <a:pt x="0" y="8638"/>
+                </a:lnTo>
+                <a:lnTo>
+                  <a:pt x="15356" y="8638"/>
+                </a:lnTo>
+                <a:lnTo>
+                  <a:pt x="15356" y="0"/>
+                </a:lnTo>
+                <a:lnTo>
+                  <a:pt x="0" y="0"/>
+                </a:lnTo>
+                <a:close/>
+                <a:moveTo>
+                  <a:pt x="14748" y="8038"/>
+                </a:moveTo>
+                <a:lnTo>
+                  <a:pt x="600" y="8038"/>
+                </a:lnTo>
+                <a:lnTo>
+                  <a:pt x="600" y="592"/>
+                </a:lnTo>
+                <a:lnTo>
+                  <a:pt x="14748" y="592"/>
+                </a:lnTo>
+                <a:lnTo>
+                  <a:pt x="14748" y="8038"/>
+                </a:lnTo>
+                <a:close/>
+              </a:path>
+            </a:pathLst>
+          </a:custGeom>
+          <a:solidFill>
+            <a:schemeClr val="tx1"/>
+          </a:solidFill>
+          <a:ln>
+            <a:noFill/>
+          </a:ln>
+        </p:spPr>
+      </p:sp>
+      <p:sp>
+        <p:nvSpPr>
+          <p:cNvPr id="23" name="Rectangle 22">
+            <a:extLst>
+              <a:ext uri="{FF2B5EF4-FFF2-40B4-BE49-F238E27FC236}">
+                <a16:creationId xmlns:a16="http://schemas.microsoft.com/office/drawing/2014/main" id="{6C042684-2705-40BD-9104-A6B24CE1CA45}"/>
+              </a:ext>
+              <a:ext uri="{C183D7F6-B498-43B3-948B-1728B52AA6E4}">
+                <adec:decorative xmlns:adec="http://schemas.microsoft.com/office/drawing/2017/decorative" val="1"/>
+              </a:ext>
+            </a:extLst>
+          </p:cNvPr>
+          <p:cNvSpPr>
+            <a:spLocks noGrp="1" noRot="1" noChangeAspect="1" noMove="1" noResize="1" noEditPoints="1" noAdjustHandles="1" noChangeArrowheads="1" noChangeShapeType="1" noTextEdit="1"/>
+          </p:cNvSpPr>
+          <p:nvPr>
+            <p:extLst>
+              <p:ext uri="{386F3935-93C4-4BCD-93E2-E3B085C9AB24}">
+                <p16:designElem xmlns:p16="http://schemas.microsoft.com/office/powerpoint/2015/main" val="1"/>
+              </p:ext>
+            </p:extLst>
+          </p:nvPr>
+        </p:nvSpPr>
+        <p:spPr>
+          <a:xfrm>
+            <a:off x="10437812" y="0"/>
+            <a:ext cx="685800" cy="1143000"/>
+          </a:xfrm>
+          <a:prstGeom prst="rect">
+            <a:avLst/>
+          </a:prstGeom>
+          <a:solidFill>
+            <a:schemeClr val="accent1"/>
+          </a:solidFill>
+          <a:ln>
+            <a:noFill/>
+          </a:ln>
+        </p:spPr>
+        <p:style>
+          <a:lnRef idx="1">
+            <a:schemeClr val="accent1"/>
+          </a:lnRef>
+          <a:fillRef idx="3">
+            <a:schemeClr val="accent1"/>
+          </a:fillRef>
+          <a:effectRef idx="2">
+            <a:schemeClr val="accent1"/>
+          </a:effectRef>
+          <a:fontRef idx="minor">
+            <a:schemeClr val="lt1"/>
+          </a:fontRef>
+        </p:style>
+      </p:sp>
+      <p:sp>
+        <p:nvSpPr>
+          <p:cNvPr id="2" name="Título 1">
+            <a:extLst>
+              <a:ext uri="{FF2B5EF4-FFF2-40B4-BE49-F238E27FC236}">
+                <a16:creationId xmlns:a16="http://schemas.microsoft.com/office/drawing/2014/main" id="{6A91E726-E2E5-410E-BD7B-798D9DB5DC85}"/>
+              </a:ext>
+            </a:extLst>
+          </p:cNvPr>
+          <p:cNvSpPr>
+            <a:spLocks noGrp="1"/>
+          </p:cNvSpPr>
+          <p:nvPr>
+            <p:ph type="ctrTitle"/>
+          </p:nvPr>
+        </p:nvSpPr>
+        <p:spPr>
+          <a:xfrm>
+            <a:off x="591792" y="0"/>
+            <a:ext cx="6268246" cy="3134032"/>
+          </a:xfrm>
+        </p:spPr>
+        <p:txBody>
+          <a:bodyPr>
+            <a:normAutofit/>
+          </a:bodyPr>
+          <a:lstStyle/>
+          <a:p>
+            <a:r>
+              <a:rPr lang="pt-BR" sz="4800" b="1" dirty="0">
+                <a:solidFill>
+                  <a:srgbClr val="EBEBEB"/>
+                </a:solidFill>
+                <a:latin typeface="Courier New" panose="02070309020205020404" pitchFamily="49" charset="0"/>
+                <a:cs typeface="Courier New" panose="02070309020205020404" pitchFamily="49" charset="0"/>
+              </a:rPr>
+              <a:t>//PROGRAMAÇÃO</a:t>
+            </a:r>
+            <a:br>
+              <a:rPr lang="pt-BR" sz="4800" b="1" dirty="0">
+                <a:solidFill>
+                  <a:srgbClr val="EBEBEB"/>
+                </a:solidFill>
+                <a:latin typeface="Courier New" panose="02070309020205020404" pitchFamily="49" charset="0"/>
+                <a:cs typeface="Courier New" panose="02070309020205020404" pitchFamily="49" charset="0"/>
+              </a:rPr>
+            </a:br>
+            <a:br>
+              <a:rPr lang="pt-BR" sz="4800" b="1" dirty="0">
+                <a:solidFill>
+                  <a:srgbClr val="EBEBEB"/>
+                </a:solidFill>
+                <a:latin typeface="Courier New" panose="02070309020205020404" pitchFamily="49" charset="0"/>
+                <a:cs typeface="Courier New" panose="02070309020205020404" pitchFamily="49" charset="0"/>
+              </a:rPr>
+            </a:br>
+            <a:endParaRPr lang="en-US" sz="4800" b="1" dirty="0">
+              <a:solidFill>
+                <a:srgbClr val="EBEBEB"/>
+              </a:solidFill>
+              <a:latin typeface="Courier New" panose="02070309020205020404" pitchFamily="49" charset="0"/>
+              <a:cs typeface="Courier New" panose="02070309020205020404" pitchFamily="49" charset="0"/>
+            </a:endParaRPr>
+          </a:p>
+        </p:txBody>
+      </p:sp>
+      <p:pic>
+        <p:nvPicPr>
+          <p:cNvPr id="5" name="Imagem 4">
+            <a:extLst>
+              <a:ext uri="{FF2B5EF4-FFF2-40B4-BE49-F238E27FC236}">
+                <a16:creationId xmlns:a16="http://schemas.microsoft.com/office/drawing/2014/main" id="{9BF7BFA3-66E1-4DC5-AD54-D4D46AD07568}"/>
+              </a:ext>
+            </a:extLst>
+          </p:cNvPr>
+          <p:cNvPicPr>
+            <a:picLocks noChangeAspect="1"/>
+          </p:cNvPicPr>
+          <p:nvPr/>
+        </p:nvPicPr>
+        <p:blipFill>
+          <a:blip r:embed="rId3"/>
+          <a:stretch>
+            <a:fillRect/>
+          </a:stretch>
+        </p:blipFill>
+        <p:spPr>
+          <a:xfrm>
+            <a:off x="10534650" y="366451"/>
+            <a:ext cx="523995" cy="690983"/>
+          </a:xfrm>
+          <a:prstGeom prst="rect">
+            <a:avLst/>
+          </a:prstGeom>
+        </p:spPr>
+      </p:pic>
+      <p:pic>
+        <p:nvPicPr>
+          <p:cNvPr id="4" name="Imagem 3">
+            <a:extLst>
+              <a:ext uri="{FF2B5EF4-FFF2-40B4-BE49-F238E27FC236}">
+                <a16:creationId xmlns:a16="http://schemas.microsoft.com/office/drawing/2014/main" id="{2CB638F6-E231-45EA-AAD3-4ABBA567D338}"/>
+              </a:ext>
+            </a:extLst>
+          </p:cNvPr>
+          <p:cNvPicPr>
+            <a:picLocks noChangeAspect="1"/>
+          </p:cNvPicPr>
+          <p:nvPr/>
+        </p:nvPicPr>
+        <p:blipFill>
+          <a:blip r:embed="rId4"/>
+          <a:stretch>
+            <a:fillRect/>
+          </a:stretch>
+        </p:blipFill>
+        <p:spPr>
+          <a:xfrm>
+            <a:off x="1772061" y="3389368"/>
+            <a:ext cx="1120403" cy="1120403"/>
+          </a:xfrm>
+          <a:prstGeom prst="rect">
+            <a:avLst/>
+          </a:prstGeom>
+        </p:spPr>
+      </p:pic>
+      <p:sp>
+        <p:nvSpPr>
+          <p:cNvPr id="7" name="CaixaDeTexto 6">
+            <a:extLst>
+              <a:ext uri="{FF2B5EF4-FFF2-40B4-BE49-F238E27FC236}">
+                <a16:creationId xmlns:a16="http://schemas.microsoft.com/office/drawing/2014/main" id="{3507ACA8-8CC7-4721-8124-D9D76BF95D65}"/>
+              </a:ext>
+            </a:extLst>
+          </p:cNvPr>
+          <p:cNvSpPr txBox="1"/>
+          <p:nvPr/>
+        </p:nvSpPr>
+        <p:spPr>
+          <a:xfrm>
+            <a:off x="1772061" y="2949366"/>
+            <a:ext cx="1283641" cy="369332"/>
+          </a:xfrm>
+          <a:prstGeom prst="rect">
+            <a:avLst/>
+          </a:prstGeom>
+          <a:noFill/>
+        </p:spPr>
+        <p:txBody>
+          <a:bodyPr wrap="square" rtlCol="0">
+            <a:spAutoFit/>
+          </a:bodyPr>
+          <a:lstStyle/>
+          <a:p>
+            <a:r>
+              <a:rPr lang="pt-BR" dirty="0">
+                <a:latin typeface="Courier New" panose="02070309020205020404" pitchFamily="49" charset="0"/>
+                <a:cs typeface="Courier New" panose="02070309020205020404" pitchFamily="49" charset="0"/>
+              </a:rPr>
+              <a:t>Usuário</a:t>
+            </a:r>
+            <a:endParaRPr lang="en-US" dirty="0">
+              <a:latin typeface="Courier New" panose="02070309020205020404" pitchFamily="49" charset="0"/>
+              <a:cs typeface="Courier New" panose="02070309020205020404" pitchFamily="49" charset="0"/>
+            </a:endParaRPr>
+          </a:p>
+        </p:txBody>
+      </p:sp>
+      <p:cxnSp>
+        <p:nvCxnSpPr>
+          <p:cNvPr id="12" name="Conector de Seta Reta 11">
+            <a:extLst>
+              <a:ext uri="{FF2B5EF4-FFF2-40B4-BE49-F238E27FC236}">
+                <a16:creationId xmlns:a16="http://schemas.microsoft.com/office/drawing/2014/main" id="{FB5FE072-CD64-44A3-B5E3-2B51EE86B045}"/>
+              </a:ext>
+            </a:extLst>
+          </p:cNvPr>
+          <p:cNvCxnSpPr>
+            <a:cxnSpLocks/>
+          </p:cNvCxnSpPr>
+          <p:nvPr/>
+        </p:nvCxnSpPr>
+        <p:spPr>
+          <a:xfrm>
+            <a:off x="2979742" y="4006286"/>
+            <a:ext cx="812298" cy="0"/>
+          </a:xfrm>
+          <a:prstGeom prst="straightConnector1">
+            <a:avLst/>
+          </a:prstGeom>
+          <a:ln>
+            <a:solidFill>
+              <a:schemeClr val="tx1"/>
+            </a:solidFill>
+            <a:tailEnd type="triangle"/>
+          </a:ln>
+        </p:spPr>
+        <p:style>
+          <a:lnRef idx="3">
+            <a:schemeClr val="dk1"/>
+          </a:lnRef>
+          <a:fillRef idx="0">
+            <a:schemeClr val="dk1"/>
+          </a:fillRef>
+          <a:effectRef idx="2">
+            <a:schemeClr val="dk1"/>
+          </a:effectRef>
+          <a:fontRef idx="minor">
+            <a:schemeClr val="tx1"/>
+          </a:fontRef>
+        </p:style>
+      </p:cxnSp>
+      <p:sp>
+        <p:nvSpPr>
+          <p:cNvPr id="15" name="CaixaDeTexto 14">
+            <a:extLst>
+              <a:ext uri="{FF2B5EF4-FFF2-40B4-BE49-F238E27FC236}">
+                <a16:creationId xmlns:a16="http://schemas.microsoft.com/office/drawing/2014/main" id="{338ACA4B-01F1-4B56-8DCE-DF5B57A1F057}"/>
+              </a:ext>
+            </a:extLst>
+          </p:cNvPr>
+          <p:cNvSpPr txBox="1"/>
+          <p:nvPr/>
+        </p:nvSpPr>
+        <p:spPr>
+          <a:xfrm>
+            <a:off x="2732815" y="3595774"/>
+            <a:ext cx="1283640" cy="369332"/>
+          </a:xfrm>
+          <a:prstGeom prst="rect">
+            <a:avLst/>
+          </a:prstGeom>
+          <a:noFill/>
+        </p:spPr>
+        <p:txBody>
+          <a:bodyPr wrap="square" rtlCol="0">
+            <a:spAutoFit/>
+          </a:bodyPr>
+          <a:lstStyle/>
+          <a:p>
+            <a:r>
+              <a:rPr lang="pt-BR" dirty="0">
+                <a:latin typeface="Courier New" panose="02070309020205020404" pitchFamily="49" charset="0"/>
+                <a:cs typeface="Courier New" panose="02070309020205020404" pitchFamily="49" charset="0"/>
+              </a:rPr>
+              <a:t>Cadastro</a:t>
+            </a:r>
+            <a:endParaRPr lang="en-US" dirty="0">
+              <a:latin typeface="Courier New" panose="02070309020205020404" pitchFamily="49" charset="0"/>
+              <a:cs typeface="Courier New" panose="02070309020205020404" pitchFamily="49" charset="0"/>
+            </a:endParaRPr>
+          </a:p>
+        </p:txBody>
+      </p:sp>
+      <p:cxnSp>
+        <p:nvCxnSpPr>
+          <p:cNvPr id="26" name="Conector de Seta Reta 25">
+            <a:extLst>
+              <a:ext uri="{FF2B5EF4-FFF2-40B4-BE49-F238E27FC236}">
+                <a16:creationId xmlns:a16="http://schemas.microsoft.com/office/drawing/2014/main" id="{E6D36482-40B5-4BDA-A87A-EE099933DE29}"/>
+              </a:ext>
+            </a:extLst>
+          </p:cNvPr>
+          <p:cNvCxnSpPr>
+            <a:cxnSpLocks/>
+          </p:cNvCxnSpPr>
+          <p:nvPr/>
+        </p:nvCxnSpPr>
+        <p:spPr>
+          <a:xfrm>
+            <a:off x="5114557" y="3979528"/>
+            <a:ext cx="812298" cy="0"/>
+          </a:xfrm>
+          <a:prstGeom prst="straightConnector1">
+            <a:avLst/>
+          </a:prstGeom>
+          <a:ln>
+            <a:solidFill>
+              <a:schemeClr val="tx1"/>
+            </a:solidFill>
+            <a:tailEnd type="triangle"/>
+          </a:ln>
+        </p:spPr>
+        <p:style>
+          <a:lnRef idx="3">
+            <a:schemeClr val="dk1"/>
+          </a:lnRef>
+          <a:fillRef idx="0">
+            <a:schemeClr val="dk1"/>
+          </a:fillRef>
+          <a:effectRef idx="2">
+            <a:schemeClr val="dk1"/>
+          </a:effectRef>
+          <a:fontRef idx="minor">
+            <a:schemeClr val="tx1"/>
+          </a:fontRef>
+        </p:style>
+      </p:cxnSp>
+      <p:pic>
+        <p:nvPicPr>
+          <p:cNvPr id="28" name="Imagem 27">
+            <a:extLst>
+              <a:ext uri="{FF2B5EF4-FFF2-40B4-BE49-F238E27FC236}">
+                <a16:creationId xmlns:a16="http://schemas.microsoft.com/office/drawing/2014/main" id="{EEAEFC66-A859-4DAE-99D8-4CB130A3C3F1}"/>
+              </a:ext>
+            </a:extLst>
+          </p:cNvPr>
+          <p:cNvPicPr>
+            <a:picLocks noChangeAspect="1"/>
+          </p:cNvPicPr>
+          <p:nvPr/>
+        </p:nvPicPr>
+        <p:blipFill>
+          <a:blip r:embed="rId5">
+            <a:lum bright="70000" contrast="-70000"/>
+          </a:blip>
+          <a:stretch>
+            <a:fillRect/>
+          </a:stretch>
+        </p:blipFill>
+        <p:spPr>
+          <a:xfrm>
+            <a:off x="3896396" y="3328393"/>
+            <a:ext cx="1080813" cy="1080813"/>
+          </a:xfrm>
+          <a:prstGeom prst="rect">
+            <a:avLst/>
+          </a:prstGeom>
+        </p:spPr>
+      </p:pic>
+      <p:pic>
+        <p:nvPicPr>
+          <p:cNvPr id="30" name="Imagem 29" descr="Uma imagem contendo remoto, controle, controlar, interior&#10;&#10;Descrição gerada automaticamente">
+            <a:extLst>
+              <a:ext uri="{FF2B5EF4-FFF2-40B4-BE49-F238E27FC236}">
+                <a16:creationId xmlns:a16="http://schemas.microsoft.com/office/drawing/2014/main" id="{A663FBD7-A8FE-4612-9003-370768C43883}"/>
+              </a:ext>
+            </a:extLst>
+          </p:cNvPr>
+          <p:cNvPicPr>
+            <a:picLocks noChangeAspect="1"/>
+          </p:cNvPicPr>
+          <p:nvPr/>
+        </p:nvPicPr>
+        <p:blipFill>
+          <a:blip r:embed="rId6"/>
+          <a:stretch>
+            <a:fillRect/>
+          </a:stretch>
+        </p:blipFill>
+        <p:spPr>
+          <a:xfrm>
+            <a:off x="5075986" y="3167511"/>
+            <a:ext cx="808839" cy="651116"/>
+          </a:xfrm>
+          <a:prstGeom prst="rect">
+            <a:avLst/>
+          </a:prstGeom>
+        </p:spPr>
+      </p:pic>
+      <p:cxnSp>
+        <p:nvCxnSpPr>
+          <p:cNvPr id="33" name="Conector de Seta Reta 32">
+            <a:extLst>
+              <a:ext uri="{FF2B5EF4-FFF2-40B4-BE49-F238E27FC236}">
+                <a16:creationId xmlns:a16="http://schemas.microsoft.com/office/drawing/2014/main" id="{43A89A26-212F-48D2-92D6-FCD42070A9FD}"/>
+              </a:ext>
+            </a:extLst>
+          </p:cNvPr>
+          <p:cNvCxnSpPr>
+            <a:cxnSpLocks/>
+          </p:cNvCxnSpPr>
+          <p:nvPr/>
+        </p:nvCxnSpPr>
+        <p:spPr>
+          <a:xfrm>
+            <a:off x="7288434" y="3922950"/>
+            <a:ext cx="812298" cy="0"/>
+          </a:xfrm>
+          <a:prstGeom prst="straightConnector1">
+            <a:avLst/>
+          </a:prstGeom>
+          <a:ln>
+            <a:solidFill>
+              <a:schemeClr val="tx1"/>
+            </a:solidFill>
+            <a:tailEnd type="triangle"/>
+          </a:ln>
+        </p:spPr>
+        <p:style>
+          <a:lnRef idx="3">
+            <a:schemeClr val="dk1"/>
+          </a:lnRef>
+          <a:fillRef idx="0">
+            <a:schemeClr val="dk1"/>
+          </a:fillRef>
+          <a:effectRef idx="2">
+            <a:schemeClr val="dk1"/>
+          </a:effectRef>
+          <a:fontRef idx="minor">
+            <a:schemeClr val="tx1"/>
+          </a:fontRef>
+        </p:style>
+      </p:cxnSp>
+      <p:pic>
+        <p:nvPicPr>
+          <p:cNvPr id="35" name="Imagem 34">
+            <a:extLst>
+              <a:ext uri="{FF2B5EF4-FFF2-40B4-BE49-F238E27FC236}">
+                <a16:creationId xmlns:a16="http://schemas.microsoft.com/office/drawing/2014/main" id="{D9240033-BFB4-48F9-B2C6-4B623D0F2C02}"/>
+              </a:ext>
+            </a:extLst>
+          </p:cNvPr>
+          <p:cNvPicPr>
+            <a:picLocks noChangeAspect="1"/>
+          </p:cNvPicPr>
+          <p:nvPr/>
+        </p:nvPicPr>
+        <p:blipFill>
+          <a:blip r:embed="rId5">
+            <a:lum bright="70000" contrast="-70000"/>
+          </a:blip>
+          <a:stretch>
+            <a:fillRect/>
+          </a:stretch>
+        </p:blipFill>
+        <p:spPr>
+          <a:xfrm>
+            <a:off x="6036739" y="3347638"/>
+            <a:ext cx="1080813" cy="1080813"/>
+          </a:xfrm>
+          <a:prstGeom prst="rect">
+            <a:avLst/>
+          </a:prstGeom>
+        </p:spPr>
+      </p:pic>
+      <p:pic>
+        <p:nvPicPr>
+          <p:cNvPr id="47" name="Imagem 46" descr="Uma imagem contendo remoto, controle, controlar, interior&#10;&#10;Descrição gerada automaticamente">
+            <a:extLst>
+              <a:ext uri="{FF2B5EF4-FFF2-40B4-BE49-F238E27FC236}">
+                <a16:creationId xmlns:a16="http://schemas.microsoft.com/office/drawing/2014/main" id="{D7D4E0BE-C469-42A8-AECB-F93212CC8FD9}"/>
+              </a:ext>
+            </a:extLst>
+          </p:cNvPr>
+          <p:cNvPicPr>
+            <a:picLocks noChangeAspect="1"/>
+          </p:cNvPicPr>
+          <p:nvPr/>
+        </p:nvPicPr>
+        <p:blipFill>
+          <a:blip r:embed="rId6"/>
+          <a:stretch>
+            <a:fillRect/>
+          </a:stretch>
+        </p:blipFill>
+        <p:spPr>
+          <a:xfrm>
+            <a:off x="7226984" y="3167511"/>
+            <a:ext cx="808839" cy="651116"/>
+          </a:xfrm>
+          <a:prstGeom prst="rect">
+            <a:avLst/>
+          </a:prstGeom>
+        </p:spPr>
+      </p:pic>
+      <p:pic>
+        <p:nvPicPr>
+          <p:cNvPr id="49" name="Imagem 48" descr="Uma imagem contendo interior, recipiente, xícara, chão&#10;&#10;Descrição gerada automaticamente">
+            <a:extLst>
+              <a:ext uri="{FF2B5EF4-FFF2-40B4-BE49-F238E27FC236}">
+                <a16:creationId xmlns:a16="http://schemas.microsoft.com/office/drawing/2014/main" id="{2BA3EDA5-F3D3-4888-A18D-0898B37FB22F}"/>
+              </a:ext>
+            </a:extLst>
+          </p:cNvPr>
+          <p:cNvPicPr>
+            <a:picLocks noChangeAspect="1"/>
+          </p:cNvPicPr>
+          <p:nvPr/>
+        </p:nvPicPr>
+        <p:blipFill>
+          <a:blip r:embed="rId7"/>
+          <a:stretch>
+            <a:fillRect/>
+          </a:stretch>
+        </p:blipFill>
+        <p:spPr>
+          <a:xfrm>
+            <a:off x="8206705" y="2904074"/>
+            <a:ext cx="1829105" cy="1829105"/>
+          </a:xfrm>
+          <a:prstGeom prst="rect">
+            <a:avLst/>
+          </a:prstGeom>
+        </p:spPr>
+      </p:pic>
+      <p:sp>
+        <p:nvSpPr>
+          <p:cNvPr id="50" name="CaixaDeTexto 49">
+            <a:extLst>
+              <a:ext uri="{FF2B5EF4-FFF2-40B4-BE49-F238E27FC236}">
+                <a16:creationId xmlns:a16="http://schemas.microsoft.com/office/drawing/2014/main" id="{3703A1A1-4EA9-4E60-A325-073032D2E55F}"/>
+              </a:ext>
+            </a:extLst>
+          </p:cNvPr>
+          <p:cNvSpPr txBox="1"/>
+          <p:nvPr/>
+        </p:nvSpPr>
+        <p:spPr>
+          <a:xfrm>
+            <a:off x="3992479" y="2824561"/>
+            <a:ext cx="1248588" cy="369332"/>
+          </a:xfrm>
+          <a:prstGeom prst="rect">
+            <a:avLst/>
+          </a:prstGeom>
+          <a:noFill/>
+        </p:spPr>
+        <p:txBody>
+          <a:bodyPr wrap="square" rtlCol="0">
+            <a:spAutoFit/>
+          </a:bodyPr>
+          <a:lstStyle/>
+          <a:p>
+            <a:r>
+              <a:rPr lang="pt-BR" dirty="0" err="1">
+                <a:latin typeface="Courier New" panose="02070309020205020404" pitchFamily="49" charset="0"/>
+                <a:cs typeface="Courier New" panose="02070309020205020404" pitchFamily="49" charset="0"/>
+              </a:rPr>
+              <a:t>Form</a:t>
+            </a:r>
+            <a:endParaRPr lang="en-US" dirty="0">
+              <a:latin typeface="Courier New" panose="02070309020205020404" pitchFamily="49" charset="0"/>
+              <a:cs typeface="Courier New" panose="02070309020205020404" pitchFamily="49" charset="0"/>
+            </a:endParaRPr>
+          </a:p>
+        </p:txBody>
+      </p:sp>
+      <p:sp>
+        <p:nvSpPr>
+          <p:cNvPr id="51" name="CaixaDeTexto 50">
+            <a:extLst>
+              <a:ext uri="{FF2B5EF4-FFF2-40B4-BE49-F238E27FC236}">
+                <a16:creationId xmlns:a16="http://schemas.microsoft.com/office/drawing/2014/main" id="{2D96B71F-4CC1-43A9-AF57-6F3AD6EE6188}"/>
+              </a:ext>
+            </a:extLst>
+          </p:cNvPr>
+          <p:cNvSpPr txBox="1"/>
+          <p:nvPr/>
+        </p:nvSpPr>
+        <p:spPr>
+          <a:xfrm>
+            <a:off x="6119776" y="2899005"/>
+            <a:ext cx="1248588" cy="369332"/>
+          </a:xfrm>
+          <a:prstGeom prst="rect">
+            <a:avLst/>
+          </a:prstGeom>
+          <a:noFill/>
+        </p:spPr>
+        <p:txBody>
+          <a:bodyPr wrap="square" rtlCol="0">
+            <a:spAutoFit/>
+          </a:bodyPr>
+          <a:lstStyle/>
+          <a:p>
+            <a:r>
+              <a:rPr lang="pt-BR" dirty="0" err="1">
+                <a:latin typeface="Courier New" panose="02070309020205020404" pitchFamily="49" charset="0"/>
+                <a:cs typeface="Courier New" panose="02070309020205020404" pitchFamily="49" charset="0"/>
+              </a:rPr>
+              <a:t>Class</a:t>
+            </a:r>
+            <a:endParaRPr lang="en-US" dirty="0">
+              <a:latin typeface="Courier New" panose="02070309020205020404" pitchFamily="49" charset="0"/>
+              <a:cs typeface="Courier New" panose="02070309020205020404" pitchFamily="49" charset="0"/>
+            </a:endParaRPr>
+          </a:p>
+        </p:txBody>
+      </p:sp>
+      <p:sp>
+        <p:nvSpPr>
+          <p:cNvPr id="52" name="CaixaDeTexto 51">
+            <a:extLst>
+              <a:ext uri="{FF2B5EF4-FFF2-40B4-BE49-F238E27FC236}">
+                <a16:creationId xmlns:a16="http://schemas.microsoft.com/office/drawing/2014/main" id="{52124322-44E9-4AEA-AACD-5D0494DEFE6C}"/>
+              </a:ext>
+            </a:extLst>
+          </p:cNvPr>
+          <p:cNvSpPr txBox="1"/>
+          <p:nvPr/>
+        </p:nvSpPr>
+        <p:spPr>
+          <a:xfrm>
+            <a:off x="8901725" y="2349679"/>
+            <a:ext cx="1248588" cy="369332"/>
+          </a:xfrm>
+          <a:prstGeom prst="rect">
+            <a:avLst/>
+          </a:prstGeom>
+          <a:noFill/>
+        </p:spPr>
+        <p:txBody>
+          <a:bodyPr wrap="square" rtlCol="0">
+            <a:spAutoFit/>
+          </a:bodyPr>
+          <a:lstStyle/>
+          <a:p>
+            <a:r>
+              <a:rPr lang="pt-BR" dirty="0">
+                <a:latin typeface="Courier New" panose="02070309020205020404" pitchFamily="49" charset="0"/>
+                <a:cs typeface="Courier New" panose="02070309020205020404" pitchFamily="49" charset="0"/>
+              </a:rPr>
+              <a:t>BD</a:t>
+            </a:r>
+            <a:endParaRPr lang="en-US" dirty="0">
+              <a:latin typeface="Courier New" panose="02070309020205020404" pitchFamily="49" charset="0"/>
+              <a:cs typeface="Courier New" panose="02070309020205020404" pitchFamily="49" charset="0"/>
+            </a:endParaRPr>
+          </a:p>
+        </p:txBody>
+      </p:sp>
+    </p:spTree>
+    <p:extLst>
+      <p:ext uri="{BB962C8B-B14F-4D97-AF65-F5344CB8AC3E}">
+        <p14:creationId xmlns:p14="http://schemas.microsoft.com/office/powerpoint/2010/main" val="118641890"/>
+      </p:ext>
+    </p:extLst>
+  </p:cSld>
+  <p:clrMapOvr>
+    <a:overrideClrMapping bg1="dk1" tx1="lt1" bg2="dk2" tx2="lt2" accent1="accent1" accent2="accent2" accent3="accent3" accent4="accent4" accent5="accent5" accent6="accent6" hlink="hlink" folHlink="folHlink"/>
+  </p:clrMapOvr>
+</p:sld>
+</file>
+
+<file path=ppt/slides/slide15.xml><?xml version="1.0" encoding="utf-8"?>
+<p:sld xmlns:a="http://schemas.openxmlformats.org/drawingml/2006/main" xmlns:r="http://schemas.openxmlformats.org/officeDocument/2006/relationships" xmlns:p="http://schemas.openxmlformats.org/presentationml/2006/main">
+  <p:cSld>
+    <p:bg>
+      <p:bgPr>
+        <a:solidFill>
+          <a:schemeClr val="bg1"/>
+        </a:solidFill>
+        <a:effectLst/>
+      </p:bgPr>
+    </p:bg>
+    <p:spTree>
+      <p:nvGrpSpPr>
+        <p:cNvPr id="1" name=""/>
+        <p:cNvGrpSpPr/>
+        <p:nvPr/>
+      </p:nvGrpSpPr>
+      <p:grpSpPr>
+        <a:xfrm>
+          <a:off x="0" y="0"/>
+          <a:ext cx="0" cy="0"/>
+          <a:chOff x="0" y="0"/>
+          <a:chExt cx="0" cy="0"/>
+        </a:xfrm>
+      </p:grpSpPr>
+      <p:sp>
+        <p:nvSpPr>
+          <p:cNvPr id="19" name="Rectangle 18">
+            <a:extLst>
+              <a:ext uri="{FF2B5EF4-FFF2-40B4-BE49-F238E27FC236}">
+                <a16:creationId xmlns:a16="http://schemas.microsoft.com/office/drawing/2014/main" id="{2B109C5B-3B98-48EB-A942-8D11CEA374B6}"/>
+              </a:ext>
+              <a:ext uri="{C183D7F6-B498-43B3-948B-1728B52AA6E4}">
+                <adec:decorative xmlns:adec="http://schemas.microsoft.com/office/drawing/2017/decorative" val="1"/>
+              </a:ext>
+            </a:extLst>
+          </p:cNvPr>
+          <p:cNvSpPr>
+            <a:spLocks noGrp="1" noRot="1" noChangeAspect="1" noMove="1" noResize="1" noEditPoints="1" noAdjustHandles="1" noChangeArrowheads="1" noChangeShapeType="1" noTextEdit="1"/>
+          </p:cNvSpPr>
+          <p:nvPr>
+            <p:extLst>
+              <p:ext uri="{386F3935-93C4-4BCD-93E2-E3B085C9AB24}">
+                <p16:designElem xmlns:p16="http://schemas.microsoft.com/office/powerpoint/2015/main" val="1"/>
+              </p:ext>
+            </p:extLst>
+          </p:nvPr>
+        </p:nvSpPr>
+        <p:spPr>
+          <a:xfrm>
+            <a:off x="0" y="793"/>
+            <a:ext cx="12192000" cy="6858000"/>
+          </a:xfrm>
+          <a:prstGeom prst="rect">
+            <a:avLst/>
+          </a:prstGeom>
+          <a:blipFill>
+            <a:blip r:embed="rId2">
+              <a:duotone>
+                <a:schemeClr val="dk2">
+                  <a:shade val="69000"/>
+                  <a:hueMod val="91000"/>
+                  <a:satMod val="164000"/>
+                  <a:lumMod val="74000"/>
+                </a:schemeClr>
+                <a:schemeClr val="dk2">
+                  <a:hueMod val="124000"/>
+                  <a:satMod val="140000"/>
+                  <a:lumMod val="142000"/>
+                </a:schemeClr>
+              </a:duotone>
+            </a:blip>
+            <a:stretch>
+              <a:fillRect/>
+            </a:stretch>
+          </a:blipFill>
+          <a:ln>
+            <a:noFill/>
+          </a:ln>
+        </p:spPr>
+        <p:style>
+          <a:lnRef idx="2">
+            <a:schemeClr val="accent1">
+              <a:shade val="50000"/>
+            </a:schemeClr>
+          </a:lnRef>
+          <a:fillRef idx="1">
+            <a:schemeClr val="accent1"/>
+          </a:fillRef>
+          <a:effectRef idx="0">
+            <a:schemeClr val="accent1"/>
+          </a:effectRef>
+          <a:fontRef idx="minor">
+            <a:schemeClr val="lt1"/>
+          </a:fontRef>
+        </p:style>
+      </p:sp>
+      <p:sp>
+        <p:nvSpPr>
+          <p:cNvPr id="21" name="Freeform 5">
+            <a:extLst>
+              <a:ext uri="{FF2B5EF4-FFF2-40B4-BE49-F238E27FC236}">
+                <a16:creationId xmlns:a16="http://schemas.microsoft.com/office/drawing/2014/main" id="{A9C389E4-003E-40C9-AC9E-ED821C16F525}"/>
+              </a:ext>
+              <a:ext uri="{C183D7F6-B498-43B3-948B-1728B52AA6E4}">
+                <adec:decorative xmlns:adec="http://schemas.microsoft.com/office/drawing/2017/decorative" val="1"/>
+              </a:ext>
+            </a:extLst>
+          </p:cNvPr>
+          <p:cNvSpPr>
+            <a:spLocks noGrp="1" noRot="1" noChangeAspect="1" noMove="1" noResize="1" noEditPoints="1" noAdjustHandles="1" noChangeArrowheads="1" noChangeShapeType="1" noTextEdit="1"/>
+          </p:cNvSpPr>
+          <p:nvPr>
+            <p:extLst>
+              <p:ext uri="{386F3935-93C4-4BCD-93E2-E3B085C9AB24}">
+                <p16:designElem xmlns:p16="http://schemas.microsoft.com/office/powerpoint/2015/main" val="1"/>
+              </p:ext>
+            </p:extLst>
+          </p:nvPr>
+        </p:nvSpPr>
+        <p:spPr bwMode="gray">
+          <a:xfrm>
+            <a:off x="0" y="1587"/>
+            <a:ext cx="12192000" cy="6856413"/>
+          </a:xfrm>
+          <a:custGeom>
+            <a:avLst/>
+            <a:gdLst/>
+            <a:ahLst/>
+            <a:cxnLst/>
+            <a:rect l="0" t="0" r="r" b="b"/>
+            <a:pathLst>
+              <a:path w="15356" h="8638">
+                <a:moveTo>
+                  <a:pt x="0" y="0"/>
+                </a:moveTo>
+                <a:lnTo>
+                  <a:pt x="0" y="8638"/>
+                </a:lnTo>
+                <a:lnTo>
+                  <a:pt x="15356" y="8638"/>
+                </a:lnTo>
+                <a:lnTo>
+                  <a:pt x="15356" y="0"/>
+                </a:lnTo>
+                <a:lnTo>
+                  <a:pt x="0" y="0"/>
+                </a:lnTo>
+                <a:close/>
+                <a:moveTo>
+                  <a:pt x="14748" y="8038"/>
+                </a:moveTo>
+                <a:lnTo>
+                  <a:pt x="600" y="8038"/>
+                </a:lnTo>
+                <a:lnTo>
+                  <a:pt x="600" y="592"/>
+                </a:lnTo>
+                <a:lnTo>
+                  <a:pt x="14748" y="592"/>
+                </a:lnTo>
+                <a:lnTo>
+                  <a:pt x="14748" y="8038"/>
+                </a:lnTo>
+                <a:close/>
+              </a:path>
+            </a:pathLst>
+          </a:custGeom>
+          <a:solidFill>
+            <a:schemeClr val="tx1"/>
+          </a:solidFill>
+          <a:ln>
+            <a:noFill/>
+          </a:ln>
+        </p:spPr>
+      </p:sp>
+      <p:sp>
+        <p:nvSpPr>
+          <p:cNvPr id="23" name="Rectangle 22">
+            <a:extLst>
+              <a:ext uri="{FF2B5EF4-FFF2-40B4-BE49-F238E27FC236}">
+                <a16:creationId xmlns:a16="http://schemas.microsoft.com/office/drawing/2014/main" id="{6C042684-2705-40BD-9104-A6B24CE1CA45}"/>
+              </a:ext>
+              <a:ext uri="{C183D7F6-B498-43B3-948B-1728B52AA6E4}">
+                <adec:decorative xmlns:adec="http://schemas.microsoft.com/office/drawing/2017/decorative" val="1"/>
+              </a:ext>
+            </a:extLst>
+          </p:cNvPr>
+          <p:cNvSpPr>
+            <a:spLocks noGrp="1" noRot="1" noChangeAspect="1" noMove="1" noResize="1" noEditPoints="1" noAdjustHandles="1" noChangeArrowheads="1" noChangeShapeType="1" noTextEdit="1"/>
+          </p:cNvSpPr>
+          <p:nvPr>
+            <p:extLst>
+              <p:ext uri="{386F3935-93C4-4BCD-93E2-E3B085C9AB24}">
+                <p16:designElem xmlns:p16="http://schemas.microsoft.com/office/powerpoint/2015/main" val="1"/>
+              </p:ext>
+            </p:extLst>
+          </p:nvPr>
+        </p:nvSpPr>
+        <p:spPr>
+          <a:xfrm>
+            <a:off x="10437812" y="0"/>
+            <a:ext cx="685800" cy="1143000"/>
+          </a:xfrm>
+          <a:prstGeom prst="rect">
+            <a:avLst/>
+          </a:prstGeom>
+          <a:solidFill>
+            <a:schemeClr val="accent1"/>
+          </a:solidFill>
+          <a:ln>
+            <a:noFill/>
+          </a:ln>
+        </p:spPr>
+        <p:style>
+          <a:lnRef idx="1">
+            <a:schemeClr val="accent1"/>
+          </a:lnRef>
+          <a:fillRef idx="3">
+            <a:schemeClr val="accent1"/>
+          </a:fillRef>
+          <a:effectRef idx="2">
+            <a:schemeClr val="accent1"/>
+          </a:effectRef>
+          <a:fontRef idx="minor">
+            <a:schemeClr val="lt1"/>
+          </a:fontRef>
+        </p:style>
+      </p:sp>
+      <p:pic>
+        <p:nvPicPr>
+          <p:cNvPr id="5" name="Imagem 4">
+            <a:extLst>
+              <a:ext uri="{FF2B5EF4-FFF2-40B4-BE49-F238E27FC236}">
+                <a16:creationId xmlns:a16="http://schemas.microsoft.com/office/drawing/2014/main" id="{9BF7BFA3-66E1-4DC5-AD54-D4D46AD07568}"/>
+              </a:ext>
+            </a:extLst>
+          </p:cNvPr>
+          <p:cNvPicPr>
+            <a:picLocks noChangeAspect="1"/>
+          </p:cNvPicPr>
+          <p:nvPr/>
+        </p:nvPicPr>
+        <p:blipFill>
+          <a:blip r:embed="rId3"/>
+          <a:stretch>
+            <a:fillRect/>
+          </a:stretch>
+        </p:blipFill>
+        <p:spPr>
+          <a:xfrm>
+            <a:off x="10534650" y="366451"/>
+            <a:ext cx="523995" cy="690983"/>
+          </a:xfrm>
+          <a:prstGeom prst="rect">
+            <a:avLst/>
+          </a:prstGeom>
+        </p:spPr>
+      </p:pic>
+      <p:sp>
+        <p:nvSpPr>
+          <p:cNvPr id="6" name="Retângulo 5">
+            <a:extLst>
+              <a:ext uri="{FF2B5EF4-FFF2-40B4-BE49-F238E27FC236}">
+                <a16:creationId xmlns:a16="http://schemas.microsoft.com/office/drawing/2014/main" id="{B0060CEA-4D36-4B80-AB59-A52DABD0ED59}"/>
+              </a:ext>
+            </a:extLst>
+          </p:cNvPr>
+          <p:cNvSpPr/>
+          <p:nvPr/>
+        </p:nvSpPr>
+        <p:spPr>
+          <a:xfrm>
+            <a:off x="748652" y="727501"/>
+            <a:ext cx="6083717" cy="830997"/>
+          </a:xfrm>
+          <a:prstGeom prst="rect">
+            <a:avLst/>
+          </a:prstGeom>
+        </p:spPr>
+        <p:txBody>
+          <a:bodyPr wrap="none">
+            <a:spAutoFit/>
+          </a:bodyPr>
+          <a:lstStyle/>
+          <a:p>
+            <a:r>
+              <a:rPr lang="pt-BR" sz="4800" b="1" dirty="0">
+                <a:solidFill>
+                  <a:srgbClr val="EBEBEB"/>
+                </a:solidFill>
+                <a:latin typeface="Courier New" panose="02070309020205020404" pitchFamily="49" charset="0"/>
+                <a:cs typeface="Courier New" panose="02070309020205020404" pitchFamily="49" charset="0"/>
+              </a:rPr>
+              <a:t>//BANCO DE DADOS</a:t>
+            </a:r>
+          </a:p>
+        </p:txBody>
+      </p:sp>
+      <p:pic>
+        <p:nvPicPr>
+          <p:cNvPr id="7" name="Imagem 6">
+            <a:extLst>
+              <a:ext uri="{FF2B5EF4-FFF2-40B4-BE49-F238E27FC236}">
+                <a16:creationId xmlns:a16="http://schemas.microsoft.com/office/drawing/2014/main" id="{FCBF882A-CDFE-4C82-91DE-BABC903B52EE}"/>
+              </a:ext>
+            </a:extLst>
+          </p:cNvPr>
+          <p:cNvPicPr>
+            <a:picLocks noChangeAspect="1"/>
+          </p:cNvPicPr>
+          <p:nvPr/>
+        </p:nvPicPr>
+        <p:blipFill>
+          <a:blip r:embed="rId4"/>
+          <a:stretch>
+            <a:fillRect/>
+          </a:stretch>
+        </p:blipFill>
+        <p:spPr>
+          <a:xfrm>
+            <a:off x="1316947" y="2397849"/>
+            <a:ext cx="8705850" cy="3305175"/>
+          </a:xfrm>
+          <a:prstGeom prst="rect">
+            <a:avLst/>
+          </a:prstGeom>
+        </p:spPr>
+      </p:pic>
+      <p:sp>
+        <p:nvSpPr>
+          <p:cNvPr id="8" name="CaixaDeTexto 7">
+            <a:extLst>
+              <a:ext uri="{FF2B5EF4-FFF2-40B4-BE49-F238E27FC236}">
+                <a16:creationId xmlns:a16="http://schemas.microsoft.com/office/drawing/2014/main" id="{0255DA22-3760-4103-8D23-79040C4A196E}"/>
+              </a:ext>
+            </a:extLst>
+          </p:cNvPr>
+          <p:cNvSpPr txBox="1"/>
+          <p:nvPr/>
+        </p:nvSpPr>
+        <p:spPr>
+          <a:xfrm>
+            <a:off x="1316947" y="1793507"/>
+            <a:ext cx="4909351" cy="369332"/>
+          </a:xfrm>
+          <a:prstGeom prst="rect">
+            <a:avLst/>
+          </a:prstGeom>
+          <a:noFill/>
+        </p:spPr>
+        <p:txBody>
+          <a:bodyPr wrap="square" rtlCol="0">
+            <a:spAutoFit/>
+          </a:bodyPr>
+          <a:lstStyle/>
+          <a:p>
+            <a:r>
+              <a:rPr lang="pt-BR" dirty="0">
+                <a:latin typeface="Courier New" panose="02070309020205020404" pitchFamily="49" charset="0"/>
+                <a:cs typeface="Courier New" panose="02070309020205020404" pitchFamily="49" charset="0"/>
+              </a:rPr>
+              <a:t>EXEMPLO DENTRO DO VISUAL STUDIO</a:t>
+            </a:r>
+            <a:endParaRPr lang="en-US" dirty="0">
+              <a:latin typeface="Courier New" panose="02070309020205020404" pitchFamily="49" charset="0"/>
+              <a:cs typeface="Courier New" panose="02070309020205020404" pitchFamily="49" charset="0"/>
+            </a:endParaRPr>
+          </a:p>
+        </p:txBody>
+      </p:sp>
+    </p:spTree>
+    <p:extLst>
+      <p:ext uri="{BB962C8B-B14F-4D97-AF65-F5344CB8AC3E}">
+        <p14:creationId xmlns:p14="http://schemas.microsoft.com/office/powerpoint/2010/main" val="4049864906"/>
+      </p:ext>
+    </p:extLst>
+  </p:cSld>
+  <p:clrMapOvr>
+    <a:overrideClrMapping bg1="dk1" tx1="lt1" bg2="dk2" tx2="lt2" accent1="accent1" accent2="accent2" accent3="accent3" accent4="accent4" accent5="accent5" accent6="accent6" hlink="hlink" folHlink="folHlink"/>
+  </p:clrMapOvr>
+</p:sld>
+</file>
+
+<file path=ppt/slides/slide16.xml><?xml version="1.0" encoding="utf-8"?>
+<p:sld xmlns:a="http://schemas.openxmlformats.org/drawingml/2006/main" xmlns:r="http://schemas.openxmlformats.org/officeDocument/2006/relationships" xmlns:p="http://schemas.openxmlformats.org/presentationml/2006/main">
+  <p:cSld>
+    <p:bg>
+      <p:bgPr>
+        <a:solidFill>
+          <a:schemeClr val="bg1"/>
+        </a:solidFill>
+        <a:effectLst/>
+      </p:bgPr>
+    </p:bg>
+    <p:spTree>
+      <p:nvGrpSpPr>
+        <p:cNvPr id="1" name=""/>
+        <p:cNvGrpSpPr/>
+        <p:nvPr/>
+      </p:nvGrpSpPr>
+      <p:grpSpPr>
+        <a:xfrm>
+          <a:off x="0" y="0"/>
+          <a:ext cx="0" cy="0"/>
+          <a:chOff x="0" y="0"/>
+          <a:chExt cx="0" cy="0"/>
+        </a:xfrm>
+      </p:grpSpPr>
+      <p:sp>
+        <p:nvSpPr>
+          <p:cNvPr id="19" name="Rectangle 18">
+            <a:extLst>
+              <a:ext uri="{FF2B5EF4-FFF2-40B4-BE49-F238E27FC236}">
+                <a16:creationId xmlns:a16="http://schemas.microsoft.com/office/drawing/2014/main" id="{2B109C5B-3B98-48EB-A942-8D11CEA374B6}"/>
+              </a:ext>
+              <a:ext uri="{C183D7F6-B498-43B3-948B-1728B52AA6E4}">
+                <adec:decorative xmlns:adec="http://schemas.microsoft.com/office/drawing/2017/decorative" val="1"/>
+              </a:ext>
+            </a:extLst>
+          </p:cNvPr>
+          <p:cNvSpPr>
+            <a:spLocks noGrp="1" noRot="1" noChangeAspect="1" noMove="1" noResize="1" noEditPoints="1" noAdjustHandles="1" noChangeArrowheads="1" noChangeShapeType="1" noTextEdit="1"/>
+          </p:cNvSpPr>
+          <p:nvPr>
+            <p:extLst>
+              <p:ext uri="{386F3935-93C4-4BCD-93E2-E3B085C9AB24}">
+                <p16:designElem xmlns:p16="http://schemas.microsoft.com/office/powerpoint/2015/main" val="1"/>
+              </p:ext>
+            </p:extLst>
+          </p:nvPr>
+        </p:nvSpPr>
+        <p:spPr>
+          <a:xfrm>
+            <a:off x="0" y="793"/>
+            <a:ext cx="12192000" cy="6858000"/>
+          </a:xfrm>
+          <a:prstGeom prst="rect">
+            <a:avLst/>
+          </a:prstGeom>
+          <a:blipFill>
+            <a:blip r:embed="rId2">
+              <a:duotone>
+                <a:schemeClr val="dk2">
+                  <a:shade val="69000"/>
+                  <a:hueMod val="91000"/>
+                  <a:satMod val="164000"/>
+                  <a:lumMod val="74000"/>
+                </a:schemeClr>
+                <a:schemeClr val="dk2">
+                  <a:hueMod val="124000"/>
+                  <a:satMod val="140000"/>
+                  <a:lumMod val="142000"/>
+                </a:schemeClr>
+              </a:duotone>
+            </a:blip>
+            <a:stretch>
+              <a:fillRect/>
+            </a:stretch>
+          </a:blipFill>
+          <a:ln>
+            <a:noFill/>
+          </a:ln>
+        </p:spPr>
+        <p:style>
+          <a:lnRef idx="2">
+            <a:schemeClr val="accent1">
+              <a:shade val="50000"/>
+            </a:schemeClr>
+          </a:lnRef>
+          <a:fillRef idx="1">
+            <a:schemeClr val="accent1"/>
+          </a:fillRef>
+          <a:effectRef idx="0">
+            <a:schemeClr val="accent1"/>
+          </a:effectRef>
+          <a:fontRef idx="minor">
+            <a:schemeClr val="lt1"/>
+          </a:fontRef>
+        </p:style>
+      </p:sp>
+      <p:sp>
+        <p:nvSpPr>
+          <p:cNvPr id="21" name="Freeform 5">
+            <a:extLst>
+              <a:ext uri="{FF2B5EF4-FFF2-40B4-BE49-F238E27FC236}">
+                <a16:creationId xmlns:a16="http://schemas.microsoft.com/office/drawing/2014/main" id="{A9C389E4-003E-40C9-AC9E-ED821C16F525}"/>
+              </a:ext>
+              <a:ext uri="{C183D7F6-B498-43B3-948B-1728B52AA6E4}">
+                <adec:decorative xmlns:adec="http://schemas.microsoft.com/office/drawing/2017/decorative" val="1"/>
+              </a:ext>
+            </a:extLst>
+          </p:cNvPr>
+          <p:cNvSpPr>
+            <a:spLocks noGrp="1" noRot="1" noChangeAspect="1" noMove="1" noResize="1" noEditPoints="1" noAdjustHandles="1" noChangeArrowheads="1" noChangeShapeType="1" noTextEdit="1"/>
+          </p:cNvSpPr>
+          <p:nvPr>
+            <p:extLst>
+              <p:ext uri="{386F3935-93C4-4BCD-93E2-E3B085C9AB24}">
+                <p16:designElem xmlns:p16="http://schemas.microsoft.com/office/powerpoint/2015/main" val="1"/>
+              </p:ext>
+            </p:extLst>
+          </p:nvPr>
+        </p:nvSpPr>
+        <p:spPr bwMode="gray">
+          <a:xfrm>
+            <a:off x="0" y="1587"/>
+            <a:ext cx="12192000" cy="6856413"/>
+          </a:xfrm>
+          <a:custGeom>
+            <a:avLst/>
+            <a:gdLst/>
+            <a:ahLst/>
+            <a:cxnLst/>
+            <a:rect l="0" t="0" r="r" b="b"/>
+            <a:pathLst>
+              <a:path w="15356" h="8638">
+                <a:moveTo>
+                  <a:pt x="0" y="0"/>
+                </a:moveTo>
+                <a:lnTo>
+                  <a:pt x="0" y="8638"/>
+                </a:lnTo>
+                <a:lnTo>
+                  <a:pt x="15356" y="8638"/>
+                </a:lnTo>
+                <a:lnTo>
+                  <a:pt x="15356" y="0"/>
+                </a:lnTo>
+                <a:lnTo>
+                  <a:pt x="0" y="0"/>
+                </a:lnTo>
+                <a:close/>
+                <a:moveTo>
+                  <a:pt x="14748" y="8038"/>
+                </a:moveTo>
+                <a:lnTo>
+                  <a:pt x="600" y="8038"/>
+                </a:lnTo>
+                <a:lnTo>
+                  <a:pt x="600" y="592"/>
+                </a:lnTo>
+                <a:lnTo>
+                  <a:pt x="14748" y="592"/>
+                </a:lnTo>
+                <a:lnTo>
+                  <a:pt x="14748" y="8038"/>
+                </a:lnTo>
+                <a:close/>
+              </a:path>
+            </a:pathLst>
+          </a:custGeom>
+          <a:solidFill>
+            <a:schemeClr val="tx1"/>
+          </a:solidFill>
+          <a:ln>
+            <a:noFill/>
+          </a:ln>
+        </p:spPr>
+      </p:sp>
+      <p:sp>
+        <p:nvSpPr>
+          <p:cNvPr id="23" name="Rectangle 22">
+            <a:extLst>
+              <a:ext uri="{FF2B5EF4-FFF2-40B4-BE49-F238E27FC236}">
+                <a16:creationId xmlns:a16="http://schemas.microsoft.com/office/drawing/2014/main" id="{6C042684-2705-40BD-9104-A6B24CE1CA45}"/>
+              </a:ext>
+              <a:ext uri="{C183D7F6-B498-43B3-948B-1728B52AA6E4}">
+                <adec:decorative xmlns:adec="http://schemas.microsoft.com/office/drawing/2017/decorative" val="1"/>
+              </a:ext>
+            </a:extLst>
+          </p:cNvPr>
+          <p:cNvSpPr>
+            <a:spLocks noGrp="1" noRot="1" noChangeAspect="1" noMove="1" noResize="1" noEditPoints="1" noAdjustHandles="1" noChangeArrowheads="1" noChangeShapeType="1" noTextEdit="1"/>
+          </p:cNvSpPr>
+          <p:nvPr>
+            <p:extLst>
+              <p:ext uri="{386F3935-93C4-4BCD-93E2-E3B085C9AB24}">
+                <p16:designElem xmlns:p16="http://schemas.microsoft.com/office/powerpoint/2015/main" val="1"/>
+              </p:ext>
+            </p:extLst>
+          </p:nvPr>
+        </p:nvSpPr>
+        <p:spPr>
+          <a:xfrm>
+            <a:off x="10437812" y="0"/>
+            <a:ext cx="685800" cy="1143000"/>
+          </a:xfrm>
+          <a:prstGeom prst="rect">
+            <a:avLst/>
+          </a:prstGeom>
+          <a:solidFill>
+            <a:schemeClr val="accent1"/>
+          </a:solidFill>
+          <a:ln>
+            <a:noFill/>
+          </a:ln>
+        </p:spPr>
+        <p:style>
+          <a:lnRef idx="1">
+            <a:schemeClr val="accent1"/>
+          </a:lnRef>
+          <a:fillRef idx="3">
+            <a:schemeClr val="accent1"/>
+          </a:fillRef>
+          <a:effectRef idx="2">
+            <a:schemeClr val="accent1"/>
+          </a:effectRef>
+          <a:fontRef idx="minor">
+            <a:schemeClr val="lt1"/>
+          </a:fontRef>
+        </p:style>
+      </p:sp>
+      <p:pic>
+        <p:nvPicPr>
+          <p:cNvPr id="5" name="Imagem 4">
+            <a:extLst>
+              <a:ext uri="{FF2B5EF4-FFF2-40B4-BE49-F238E27FC236}">
+                <a16:creationId xmlns:a16="http://schemas.microsoft.com/office/drawing/2014/main" id="{9BF7BFA3-66E1-4DC5-AD54-D4D46AD07568}"/>
+              </a:ext>
+            </a:extLst>
+          </p:cNvPr>
+          <p:cNvPicPr>
+            <a:picLocks noChangeAspect="1"/>
+          </p:cNvPicPr>
+          <p:nvPr/>
+        </p:nvPicPr>
+        <p:blipFill>
+          <a:blip r:embed="rId3"/>
+          <a:stretch>
+            <a:fillRect/>
+          </a:stretch>
+        </p:blipFill>
+        <p:spPr>
+          <a:xfrm>
+            <a:off x="10534650" y="366451"/>
+            <a:ext cx="523995" cy="690983"/>
+          </a:xfrm>
+          <a:prstGeom prst="rect">
+            <a:avLst/>
+          </a:prstGeom>
+        </p:spPr>
+      </p:pic>
+      <p:sp>
+        <p:nvSpPr>
+          <p:cNvPr id="6" name="Retângulo 5">
+            <a:extLst>
+              <a:ext uri="{FF2B5EF4-FFF2-40B4-BE49-F238E27FC236}">
+                <a16:creationId xmlns:a16="http://schemas.microsoft.com/office/drawing/2014/main" id="{B0060CEA-4D36-4B80-AB59-A52DABD0ED59}"/>
+              </a:ext>
+            </a:extLst>
+          </p:cNvPr>
+          <p:cNvSpPr/>
+          <p:nvPr/>
+        </p:nvSpPr>
+        <p:spPr>
+          <a:xfrm>
+            <a:off x="748652" y="727501"/>
+            <a:ext cx="6083717" cy="830997"/>
+          </a:xfrm>
+          <a:prstGeom prst="rect">
+            <a:avLst/>
+          </a:prstGeom>
+        </p:spPr>
+        <p:txBody>
+          <a:bodyPr wrap="none">
+            <a:spAutoFit/>
+          </a:bodyPr>
+          <a:lstStyle/>
+          <a:p>
+            <a:r>
+              <a:rPr lang="pt-BR" sz="4800" b="1" dirty="0">
+                <a:solidFill>
+                  <a:srgbClr val="EBEBEB"/>
+                </a:solidFill>
+                <a:latin typeface="Courier New" panose="02070309020205020404" pitchFamily="49" charset="0"/>
+                <a:cs typeface="Courier New" panose="02070309020205020404" pitchFamily="49" charset="0"/>
+              </a:rPr>
+              <a:t>//BANCO DE DADOS</a:t>
+            </a:r>
+          </a:p>
+        </p:txBody>
+      </p:sp>
+      <p:sp>
+        <p:nvSpPr>
+          <p:cNvPr id="8" name="CaixaDeTexto 7">
+            <a:extLst>
+              <a:ext uri="{FF2B5EF4-FFF2-40B4-BE49-F238E27FC236}">
+                <a16:creationId xmlns:a16="http://schemas.microsoft.com/office/drawing/2014/main" id="{0255DA22-3760-4103-8D23-79040C4A196E}"/>
+              </a:ext>
+            </a:extLst>
+          </p:cNvPr>
+          <p:cNvSpPr txBox="1"/>
+          <p:nvPr/>
+        </p:nvSpPr>
+        <p:spPr>
+          <a:xfrm>
+            <a:off x="1316947" y="1793507"/>
+            <a:ext cx="4909351" cy="369332"/>
+          </a:xfrm>
+          <a:prstGeom prst="rect">
+            <a:avLst/>
+          </a:prstGeom>
+          <a:noFill/>
+        </p:spPr>
+        <p:txBody>
+          <a:bodyPr wrap="square" rtlCol="0">
+            <a:spAutoFit/>
+          </a:bodyPr>
+          <a:lstStyle/>
+          <a:p>
+            <a:r>
+              <a:rPr lang="pt-BR" dirty="0">
+                <a:latin typeface="Courier New" panose="02070309020205020404" pitchFamily="49" charset="0"/>
+                <a:cs typeface="Courier New" panose="02070309020205020404" pitchFamily="49" charset="0"/>
+              </a:rPr>
+              <a:t>EXEMPLO DE CRIAÇÃO DE TABELA</a:t>
+            </a:r>
+            <a:endParaRPr lang="en-US" dirty="0">
+              <a:latin typeface="Courier New" panose="02070309020205020404" pitchFamily="49" charset="0"/>
+              <a:cs typeface="Courier New" panose="02070309020205020404" pitchFamily="49" charset="0"/>
+            </a:endParaRPr>
+          </a:p>
+        </p:txBody>
+      </p:sp>
+      <p:pic>
+        <p:nvPicPr>
+          <p:cNvPr id="2" name="Imagem 1">
+            <a:extLst>
+              <a:ext uri="{FF2B5EF4-FFF2-40B4-BE49-F238E27FC236}">
+                <a16:creationId xmlns:a16="http://schemas.microsoft.com/office/drawing/2014/main" id="{3476DC80-8DB9-4454-ADB4-D7FCFCF7897B}"/>
+              </a:ext>
+            </a:extLst>
+          </p:cNvPr>
+          <p:cNvPicPr>
+            <a:picLocks noChangeAspect="1"/>
+          </p:cNvPicPr>
+          <p:nvPr/>
+        </p:nvPicPr>
+        <p:blipFill>
+          <a:blip r:embed="rId4"/>
+          <a:stretch>
+            <a:fillRect/>
+          </a:stretch>
+        </p:blipFill>
+        <p:spPr>
+          <a:xfrm>
+            <a:off x="1316947" y="2397848"/>
+            <a:ext cx="9458325" cy="3086100"/>
+          </a:xfrm>
+          <a:prstGeom prst="rect">
+            <a:avLst/>
+          </a:prstGeom>
+        </p:spPr>
+      </p:pic>
+    </p:spTree>
+    <p:extLst>
+      <p:ext uri="{BB962C8B-B14F-4D97-AF65-F5344CB8AC3E}">
+        <p14:creationId xmlns:p14="http://schemas.microsoft.com/office/powerpoint/2010/main" val="3750901187"/>
+      </p:ext>
+    </p:extLst>
+  </p:cSld>
+  <p:clrMapOvr>
+    <a:overrideClrMapping bg1="dk1" tx1="lt1" bg2="dk2" tx2="lt2" accent1="accent1" accent2="accent2" accent3="accent3" accent4="accent4" accent5="accent5" accent6="accent6" hlink="hlink" folHlink="folHlink"/>
+  </p:clrMapOvr>
+</p:sld>
+</file>
+
+<file path=ppt/slides/slide17.xml><?xml version="1.0" encoding="utf-8"?>
+<p:sld xmlns:a="http://schemas.openxmlformats.org/drawingml/2006/main" xmlns:r="http://schemas.openxmlformats.org/officeDocument/2006/relationships" xmlns:p="http://schemas.openxmlformats.org/presentationml/2006/main">
+  <p:cSld>
+    <p:bg>
+      <p:bgPr>
+        <a:solidFill>
+          <a:schemeClr val="bg1"/>
+        </a:solidFill>
+        <a:effectLst/>
+      </p:bgPr>
+    </p:bg>
+    <p:spTree>
+      <p:nvGrpSpPr>
+        <p:cNvPr id="1" name=""/>
+        <p:cNvGrpSpPr/>
+        <p:nvPr/>
+      </p:nvGrpSpPr>
+      <p:grpSpPr>
+        <a:xfrm>
+          <a:off x="0" y="0"/>
+          <a:ext cx="0" cy="0"/>
+          <a:chOff x="0" y="0"/>
+          <a:chExt cx="0" cy="0"/>
+        </a:xfrm>
+      </p:grpSpPr>
+      <p:sp>
+        <p:nvSpPr>
+          <p:cNvPr id="19" name="Rectangle 18">
+            <a:extLst>
+              <a:ext uri="{FF2B5EF4-FFF2-40B4-BE49-F238E27FC236}">
+                <a16:creationId xmlns:a16="http://schemas.microsoft.com/office/drawing/2014/main" id="{2B109C5B-3B98-48EB-A942-8D11CEA374B6}"/>
+              </a:ext>
+              <a:ext uri="{C183D7F6-B498-43B3-948B-1728B52AA6E4}">
+                <adec:decorative xmlns:adec="http://schemas.microsoft.com/office/drawing/2017/decorative" val="1"/>
+              </a:ext>
+            </a:extLst>
+          </p:cNvPr>
+          <p:cNvSpPr>
+            <a:spLocks noGrp="1" noRot="1" noChangeAspect="1" noMove="1" noResize="1" noEditPoints="1" noAdjustHandles="1" noChangeArrowheads="1" noChangeShapeType="1" noTextEdit="1"/>
+          </p:cNvSpPr>
+          <p:nvPr>
+            <p:extLst>
+              <p:ext uri="{386F3935-93C4-4BCD-93E2-E3B085C9AB24}">
+                <p16:designElem xmlns:p16="http://schemas.microsoft.com/office/powerpoint/2015/main" val="1"/>
+              </p:ext>
+            </p:extLst>
+          </p:nvPr>
+        </p:nvSpPr>
+        <p:spPr>
+          <a:xfrm>
+            <a:off x="0" y="793"/>
+            <a:ext cx="12192000" cy="6858000"/>
+          </a:xfrm>
+          <a:prstGeom prst="rect">
+            <a:avLst/>
+          </a:prstGeom>
+          <a:blipFill>
+            <a:blip r:embed="rId2">
+              <a:duotone>
+                <a:schemeClr val="dk2">
+                  <a:shade val="69000"/>
+                  <a:hueMod val="91000"/>
+                  <a:satMod val="164000"/>
+                  <a:lumMod val="74000"/>
+                </a:schemeClr>
+                <a:schemeClr val="dk2">
+                  <a:hueMod val="124000"/>
+                  <a:satMod val="140000"/>
+                  <a:lumMod val="142000"/>
+                </a:schemeClr>
+              </a:duotone>
+            </a:blip>
+            <a:stretch>
+              <a:fillRect/>
+            </a:stretch>
+          </a:blipFill>
+          <a:ln>
+            <a:noFill/>
+          </a:ln>
+        </p:spPr>
+        <p:style>
+          <a:lnRef idx="2">
+            <a:schemeClr val="accent1">
+              <a:shade val="50000"/>
+            </a:schemeClr>
+          </a:lnRef>
+          <a:fillRef idx="1">
+            <a:schemeClr val="accent1"/>
+          </a:fillRef>
+          <a:effectRef idx="0">
+            <a:schemeClr val="accent1"/>
+          </a:effectRef>
+          <a:fontRef idx="minor">
+            <a:schemeClr val="lt1"/>
+          </a:fontRef>
+        </p:style>
+      </p:sp>
+      <p:sp>
+        <p:nvSpPr>
+          <p:cNvPr id="21" name="Freeform 5">
+            <a:extLst>
+              <a:ext uri="{FF2B5EF4-FFF2-40B4-BE49-F238E27FC236}">
+                <a16:creationId xmlns:a16="http://schemas.microsoft.com/office/drawing/2014/main" id="{A9C389E4-003E-40C9-AC9E-ED821C16F525}"/>
+              </a:ext>
+              <a:ext uri="{C183D7F6-B498-43B3-948B-1728B52AA6E4}">
+                <adec:decorative xmlns:adec="http://schemas.microsoft.com/office/drawing/2017/decorative" val="1"/>
+              </a:ext>
+            </a:extLst>
+          </p:cNvPr>
+          <p:cNvSpPr>
+            <a:spLocks noGrp="1" noRot="1" noChangeAspect="1" noMove="1" noResize="1" noEditPoints="1" noAdjustHandles="1" noChangeArrowheads="1" noChangeShapeType="1" noTextEdit="1"/>
+          </p:cNvSpPr>
+          <p:nvPr>
+            <p:extLst>
+              <p:ext uri="{386F3935-93C4-4BCD-93E2-E3B085C9AB24}">
+                <p16:designElem xmlns:p16="http://schemas.microsoft.com/office/powerpoint/2015/main" val="1"/>
+              </p:ext>
+            </p:extLst>
+          </p:nvPr>
+        </p:nvSpPr>
+        <p:spPr bwMode="gray">
+          <a:xfrm>
+            <a:off x="0" y="1587"/>
+            <a:ext cx="12192000" cy="6856413"/>
+          </a:xfrm>
+          <a:custGeom>
+            <a:avLst/>
+            <a:gdLst/>
+            <a:ahLst/>
+            <a:cxnLst/>
+            <a:rect l="0" t="0" r="r" b="b"/>
+            <a:pathLst>
+              <a:path w="15356" h="8638">
+                <a:moveTo>
+                  <a:pt x="0" y="0"/>
+                </a:moveTo>
+                <a:lnTo>
+                  <a:pt x="0" y="8638"/>
+                </a:lnTo>
+                <a:lnTo>
+                  <a:pt x="15356" y="8638"/>
+                </a:lnTo>
+                <a:lnTo>
+                  <a:pt x="15356" y="0"/>
+                </a:lnTo>
+                <a:lnTo>
+                  <a:pt x="0" y="0"/>
+                </a:lnTo>
+                <a:close/>
+                <a:moveTo>
+                  <a:pt x="14748" y="8038"/>
+                </a:moveTo>
+                <a:lnTo>
+                  <a:pt x="600" y="8038"/>
+                </a:lnTo>
+                <a:lnTo>
+                  <a:pt x="600" y="592"/>
+                </a:lnTo>
+                <a:lnTo>
+                  <a:pt x="14748" y="592"/>
+                </a:lnTo>
+                <a:lnTo>
+                  <a:pt x="14748" y="8038"/>
+                </a:lnTo>
+                <a:close/>
+              </a:path>
+            </a:pathLst>
+          </a:custGeom>
+          <a:solidFill>
+            <a:schemeClr val="tx1"/>
+          </a:solidFill>
+          <a:ln>
+            <a:noFill/>
+          </a:ln>
+        </p:spPr>
+      </p:sp>
+      <p:sp>
+        <p:nvSpPr>
+          <p:cNvPr id="23" name="Rectangle 22">
+            <a:extLst>
+              <a:ext uri="{FF2B5EF4-FFF2-40B4-BE49-F238E27FC236}">
+                <a16:creationId xmlns:a16="http://schemas.microsoft.com/office/drawing/2014/main" id="{6C042684-2705-40BD-9104-A6B24CE1CA45}"/>
+              </a:ext>
+              <a:ext uri="{C183D7F6-B498-43B3-948B-1728B52AA6E4}">
+                <adec:decorative xmlns:adec="http://schemas.microsoft.com/office/drawing/2017/decorative" val="1"/>
+              </a:ext>
+            </a:extLst>
+          </p:cNvPr>
+          <p:cNvSpPr>
+            <a:spLocks noGrp="1" noRot="1" noChangeAspect="1" noMove="1" noResize="1" noEditPoints="1" noAdjustHandles="1" noChangeArrowheads="1" noChangeShapeType="1" noTextEdit="1"/>
+          </p:cNvSpPr>
+          <p:nvPr>
+            <p:extLst>
+              <p:ext uri="{386F3935-93C4-4BCD-93E2-E3B085C9AB24}">
+                <p16:designElem xmlns:p16="http://schemas.microsoft.com/office/powerpoint/2015/main" val="1"/>
+              </p:ext>
+            </p:extLst>
+          </p:nvPr>
+        </p:nvSpPr>
+        <p:spPr>
+          <a:xfrm>
+            <a:off x="10437812" y="0"/>
+            <a:ext cx="685800" cy="1143000"/>
+          </a:xfrm>
+          <a:prstGeom prst="rect">
+            <a:avLst/>
+          </a:prstGeom>
+          <a:solidFill>
+            <a:schemeClr val="accent1"/>
+          </a:solidFill>
+          <a:ln>
+            <a:noFill/>
+          </a:ln>
+        </p:spPr>
+        <p:style>
+          <a:lnRef idx="1">
+            <a:schemeClr val="accent1"/>
+          </a:lnRef>
+          <a:fillRef idx="3">
+            <a:schemeClr val="accent1"/>
+          </a:fillRef>
+          <a:effectRef idx="2">
+            <a:schemeClr val="accent1"/>
+          </a:effectRef>
+          <a:fontRef idx="minor">
+            <a:schemeClr val="lt1"/>
+          </a:fontRef>
+        </p:style>
+      </p:sp>
+      <p:pic>
+        <p:nvPicPr>
+          <p:cNvPr id="5" name="Imagem 4">
+            <a:extLst>
+              <a:ext uri="{FF2B5EF4-FFF2-40B4-BE49-F238E27FC236}">
+                <a16:creationId xmlns:a16="http://schemas.microsoft.com/office/drawing/2014/main" id="{9BF7BFA3-66E1-4DC5-AD54-D4D46AD07568}"/>
+              </a:ext>
+            </a:extLst>
+          </p:cNvPr>
+          <p:cNvPicPr>
+            <a:picLocks noChangeAspect="1"/>
+          </p:cNvPicPr>
+          <p:nvPr/>
+        </p:nvPicPr>
+        <p:blipFill>
+          <a:blip r:embed="rId3"/>
+          <a:stretch>
+            <a:fillRect/>
+          </a:stretch>
+        </p:blipFill>
+        <p:spPr>
+          <a:xfrm>
+            <a:off x="10534650" y="366451"/>
+            <a:ext cx="523995" cy="690983"/>
+          </a:xfrm>
+          <a:prstGeom prst="rect">
+            <a:avLst/>
+          </a:prstGeom>
+        </p:spPr>
+      </p:pic>
+      <p:sp>
+        <p:nvSpPr>
+          <p:cNvPr id="6" name="Retângulo 5">
+            <a:extLst>
+              <a:ext uri="{FF2B5EF4-FFF2-40B4-BE49-F238E27FC236}">
+                <a16:creationId xmlns:a16="http://schemas.microsoft.com/office/drawing/2014/main" id="{B0060CEA-4D36-4B80-AB59-A52DABD0ED59}"/>
+              </a:ext>
+            </a:extLst>
+          </p:cNvPr>
+          <p:cNvSpPr/>
+          <p:nvPr/>
+        </p:nvSpPr>
+        <p:spPr>
+          <a:xfrm>
+            <a:off x="6959758" y="1722311"/>
+            <a:ext cx="5504826" cy="1569660"/>
+          </a:xfrm>
+          <a:prstGeom prst="rect">
+            <a:avLst/>
+          </a:prstGeom>
+        </p:spPr>
+        <p:txBody>
+          <a:bodyPr wrap="square">
+            <a:spAutoFit/>
+          </a:bodyPr>
+          <a:lstStyle/>
+          <a:p>
+            <a:r>
+              <a:rPr lang="pt-BR" sz="4800" b="1" dirty="0">
+                <a:solidFill>
+                  <a:srgbClr val="EBEBEB"/>
+                </a:solidFill>
+                <a:latin typeface="Courier New" panose="02070309020205020404" pitchFamily="49" charset="0"/>
+                <a:cs typeface="Courier New" panose="02070309020205020404" pitchFamily="49" charset="0"/>
+              </a:rPr>
+              <a:t>//BANCO</a:t>
+            </a:r>
+          </a:p>
+          <a:p>
+            <a:r>
+              <a:rPr lang="pt-BR" sz="4800" b="1" dirty="0">
+                <a:solidFill>
+                  <a:srgbClr val="EBEBEB"/>
+                </a:solidFill>
+                <a:latin typeface="Courier New" panose="02070309020205020404" pitchFamily="49" charset="0"/>
+                <a:cs typeface="Courier New" panose="02070309020205020404" pitchFamily="49" charset="0"/>
+              </a:rPr>
+              <a:t>DE DADOS</a:t>
+            </a:r>
+          </a:p>
+        </p:txBody>
+      </p:sp>
+      <p:cxnSp>
+        <p:nvCxnSpPr>
+          <p:cNvPr id="7" name="Conector reto 6">
+            <a:extLst>
+              <a:ext uri="{FF2B5EF4-FFF2-40B4-BE49-F238E27FC236}">
+                <a16:creationId xmlns:a16="http://schemas.microsoft.com/office/drawing/2014/main" id="{CB212A6A-5DC0-4E91-8A57-F33A7523B6E7}"/>
+              </a:ext>
+            </a:extLst>
+          </p:cNvPr>
+          <p:cNvCxnSpPr/>
+          <p:nvPr/>
+        </p:nvCxnSpPr>
+        <p:spPr>
+          <a:xfrm>
+            <a:off x="5770485" y="5557421"/>
+            <a:ext cx="3941686" cy="0"/>
+          </a:xfrm>
+          <a:prstGeom prst="line">
+            <a:avLst/>
+          </a:prstGeom>
+          <a:ln>
+            <a:solidFill>
+              <a:schemeClr val="tx1"/>
+            </a:solidFill>
+          </a:ln>
+        </p:spPr>
+        <p:style>
+          <a:lnRef idx="3">
+            <a:schemeClr val="dk1"/>
+          </a:lnRef>
+          <a:fillRef idx="0">
+            <a:schemeClr val="dk1"/>
+          </a:fillRef>
+          <a:effectRef idx="2">
+            <a:schemeClr val="dk1"/>
+          </a:effectRef>
+          <a:fontRef idx="minor">
+            <a:schemeClr val="tx1"/>
+          </a:fontRef>
+        </p:style>
+      </p:cxnSp>
+      <p:pic>
+        <p:nvPicPr>
+          <p:cNvPr id="3" name="Imagem 2">
+            <a:extLst>
+              <a:ext uri="{FF2B5EF4-FFF2-40B4-BE49-F238E27FC236}">
+                <a16:creationId xmlns:a16="http://schemas.microsoft.com/office/drawing/2014/main" id="{D4CB7389-5FB9-4A0B-8A84-E580350EE45E}"/>
+              </a:ext>
+            </a:extLst>
+          </p:cNvPr>
+          <p:cNvPicPr>
+            <a:picLocks noChangeAspect="1"/>
+          </p:cNvPicPr>
+          <p:nvPr/>
+        </p:nvPicPr>
+        <p:blipFill>
+          <a:blip r:embed="rId4"/>
+          <a:stretch>
+            <a:fillRect/>
+          </a:stretch>
+        </p:blipFill>
+        <p:spPr>
+          <a:xfrm>
+            <a:off x="953124" y="623886"/>
+            <a:ext cx="5324475" cy="5610225"/>
+          </a:xfrm>
+          <a:prstGeom prst="rect">
+            <a:avLst/>
+          </a:prstGeom>
+        </p:spPr>
+      </p:pic>
+      <p:sp>
+        <p:nvSpPr>
+          <p:cNvPr id="9" name="CaixaDeTexto 8">
+            <a:extLst>
+              <a:ext uri="{FF2B5EF4-FFF2-40B4-BE49-F238E27FC236}">
+                <a16:creationId xmlns:a16="http://schemas.microsoft.com/office/drawing/2014/main" id="{18C8E446-0A53-4FCE-855C-36143D496661}"/>
+              </a:ext>
+            </a:extLst>
+          </p:cNvPr>
+          <p:cNvSpPr txBox="1"/>
+          <p:nvPr/>
+        </p:nvSpPr>
+        <p:spPr>
+          <a:xfrm>
+            <a:off x="7139126" y="5012694"/>
+            <a:ext cx="2290439" cy="523220"/>
+          </a:xfrm>
+          <a:prstGeom prst="rect">
+            <a:avLst/>
+          </a:prstGeom>
+          <a:noFill/>
+        </p:spPr>
+        <p:txBody>
+          <a:bodyPr wrap="square" rtlCol="0">
+            <a:spAutoFit/>
+          </a:bodyPr>
+          <a:lstStyle/>
+          <a:p>
+            <a:r>
+              <a:rPr lang="pt-BR" sz="2800" dirty="0">
+                <a:latin typeface="Courier New" panose="02070309020205020404" pitchFamily="49" charset="0"/>
+                <a:cs typeface="Courier New" panose="02070309020205020404" pitchFamily="49" charset="0"/>
+              </a:rPr>
+              <a:t>DER</a:t>
+            </a:r>
+            <a:endParaRPr lang="en-US" sz="2800" dirty="0">
+              <a:latin typeface="Courier New" panose="02070309020205020404" pitchFamily="49" charset="0"/>
+              <a:cs typeface="Courier New" panose="02070309020205020404" pitchFamily="49" charset="0"/>
+            </a:endParaRPr>
+          </a:p>
+        </p:txBody>
+      </p:sp>
+    </p:spTree>
+    <p:extLst>
+      <p:ext uri="{BB962C8B-B14F-4D97-AF65-F5344CB8AC3E}">
+        <p14:creationId xmlns:p14="http://schemas.microsoft.com/office/powerpoint/2010/main" val="2619112761"/>
+      </p:ext>
+    </p:extLst>
+  </p:cSld>
+  <p:clrMapOvr>
+    <a:overrideClrMapping bg1="dk1" tx1="lt1" bg2="dk2" tx2="lt2" accent1="accent1" accent2="accent2" accent3="accent3" accent4="accent4" accent5="accent5" accent6="accent6" hlink="hlink" folHlink="folHlink"/>
+  </p:clrMapOvr>
+</p:sld>
+</file>
+
+<file path=ppt/slides/slide18.xml><?xml version="1.0" encoding="utf-8"?>
+<p:sld xmlns:a="http://schemas.openxmlformats.org/drawingml/2006/main" xmlns:r="http://schemas.openxmlformats.org/officeDocument/2006/relationships" xmlns:p="http://schemas.openxmlformats.org/presentationml/2006/main">
+  <p:cSld>
+    <p:bg>
+      <p:bgPr>
+        <a:solidFill>
+          <a:schemeClr val="bg1"/>
+        </a:solidFill>
+        <a:effectLst/>
+      </p:bgPr>
+    </p:bg>
+    <p:spTree>
+      <p:nvGrpSpPr>
+        <p:cNvPr id="1" name=""/>
+        <p:cNvGrpSpPr/>
+        <p:nvPr/>
+      </p:nvGrpSpPr>
+      <p:grpSpPr>
+        <a:xfrm>
+          <a:off x="0" y="0"/>
+          <a:ext cx="0" cy="0"/>
+          <a:chOff x="0" y="0"/>
+          <a:chExt cx="0" cy="0"/>
+        </a:xfrm>
+      </p:grpSpPr>
+      <p:sp>
+        <p:nvSpPr>
+          <p:cNvPr id="19" name="Rectangle 18">
+            <a:extLst>
+              <a:ext uri="{FF2B5EF4-FFF2-40B4-BE49-F238E27FC236}">
+                <a16:creationId xmlns:a16="http://schemas.microsoft.com/office/drawing/2014/main" id="{2B109C5B-3B98-48EB-A942-8D11CEA374B6}"/>
+              </a:ext>
+              <a:ext uri="{C183D7F6-B498-43B3-948B-1728B52AA6E4}">
+                <adec:decorative xmlns:adec="http://schemas.microsoft.com/office/drawing/2017/decorative" val="1"/>
+              </a:ext>
+            </a:extLst>
+          </p:cNvPr>
+          <p:cNvSpPr>
+            <a:spLocks noGrp="1" noRot="1" noChangeAspect="1" noMove="1" noResize="1" noEditPoints="1" noAdjustHandles="1" noChangeArrowheads="1" noChangeShapeType="1" noTextEdit="1"/>
+          </p:cNvSpPr>
+          <p:nvPr>
+            <p:extLst>
+              <p:ext uri="{386F3935-93C4-4BCD-93E2-E3B085C9AB24}">
+                <p16:designElem xmlns:p16="http://schemas.microsoft.com/office/powerpoint/2015/main" val="1"/>
+              </p:ext>
+            </p:extLst>
+          </p:nvPr>
+        </p:nvSpPr>
+        <p:spPr>
+          <a:xfrm>
+            <a:off x="0" y="793"/>
+            <a:ext cx="12192000" cy="6858000"/>
+          </a:xfrm>
+          <a:prstGeom prst="rect">
+            <a:avLst/>
+          </a:prstGeom>
+          <a:blipFill>
+            <a:blip r:embed="rId2">
+              <a:duotone>
+                <a:schemeClr val="dk2">
+                  <a:shade val="69000"/>
+                  <a:hueMod val="91000"/>
+                  <a:satMod val="164000"/>
+                  <a:lumMod val="74000"/>
+                </a:schemeClr>
+                <a:schemeClr val="dk2">
+                  <a:hueMod val="124000"/>
+                  <a:satMod val="140000"/>
+                  <a:lumMod val="142000"/>
+                </a:schemeClr>
+              </a:duotone>
+            </a:blip>
+            <a:stretch>
+              <a:fillRect/>
+            </a:stretch>
+          </a:blipFill>
+          <a:ln>
+            <a:noFill/>
+          </a:ln>
+        </p:spPr>
+        <p:style>
+          <a:lnRef idx="2">
+            <a:schemeClr val="accent1">
+              <a:shade val="50000"/>
+            </a:schemeClr>
+          </a:lnRef>
+          <a:fillRef idx="1">
+            <a:schemeClr val="accent1"/>
+          </a:fillRef>
+          <a:effectRef idx="0">
+            <a:schemeClr val="accent1"/>
+          </a:effectRef>
+          <a:fontRef idx="minor">
+            <a:schemeClr val="lt1"/>
+          </a:fontRef>
+        </p:style>
+      </p:sp>
+      <p:sp>
+        <p:nvSpPr>
+          <p:cNvPr id="21" name="Freeform 5">
+            <a:extLst>
+              <a:ext uri="{FF2B5EF4-FFF2-40B4-BE49-F238E27FC236}">
+                <a16:creationId xmlns:a16="http://schemas.microsoft.com/office/drawing/2014/main" id="{A9C389E4-003E-40C9-AC9E-ED821C16F525}"/>
+              </a:ext>
+              <a:ext uri="{C183D7F6-B498-43B3-948B-1728B52AA6E4}">
+                <adec:decorative xmlns:adec="http://schemas.microsoft.com/office/drawing/2017/decorative" val="1"/>
+              </a:ext>
+            </a:extLst>
+          </p:cNvPr>
+          <p:cNvSpPr>
+            <a:spLocks noGrp="1" noRot="1" noChangeAspect="1" noMove="1" noResize="1" noEditPoints="1" noAdjustHandles="1" noChangeArrowheads="1" noChangeShapeType="1" noTextEdit="1"/>
+          </p:cNvSpPr>
+          <p:nvPr>
+            <p:extLst>
+              <p:ext uri="{386F3935-93C4-4BCD-93E2-E3B085C9AB24}">
+                <p16:designElem xmlns:p16="http://schemas.microsoft.com/office/powerpoint/2015/main" val="1"/>
+              </p:ext>
+            </p:extLst>
+          </p:nvPr>
+        </p:nvSpPr>
+        <p:spPr bwMode="gray">
+          <a:xfrm>
+            <a:off x="0" y="1587"/>
+            <a:ext cx="12192000" cy="6856413"/>
+          </a:xfrm>
+          <a:custGeom>
+            <a:avLst/>
+            <a:gdLst/>
+            <a:ahLst/>
+            <a:cxnLst/>
+            <a:rect l="0" t="0" r="r" b="b"/>
+            <a:pathLst>
+              <a:path w="15356" h="8638">
+                <a:moveTo>
+                  <a:pt x="0" y="0"/>
+                </a:moveTo>
+                <a:lnTo>
+                  <a:pt x="0" y="8638"/>
+                </a:lnTo>
+                <a:lnTo>
+                  <a:pt x="15356" y="8638"/>
+                </a:lnTo>
+                <a:lnTo>
+                  <a:pt x="15356" y="0"/>
+                </a:lnTo>
+                <a:lnTo>
+                  <a:pt x="0" y="0"/>
+                </a:lnTo>
+                <a:close/>
+                <a:moveTo>
+                  <a:pt x="14748" y="8038"/>
+                </a:moveTo>
+                <a:lnTo>
+                  <a:pt x="600" y="8038"/>
+                </a:lnTo>
+                <a:lnTo>
+                  <a:pt x="600" y="592"/>
+                </a:lnTo>
+                <a:lnTo>
+                  <a:pt x="14748" y="592"/>
+                </a:lnTo>
+                <a:lnTo>
+                  <a:pt x="14748" y="8038"/>
+                </a:lnTo>
+                <a:close/>
+              </a:path>
+            </a:pathLst>
+          </a:custGeom>
+          <a:solidFill>
+            <a:schemeClr val="tx1"/>
+          </a:solidFill>
+          <a:ln>
+            <a:noFill/>
+          </a:ln>
+        </p:spPr>
+      </p:sp>
+      <p:sp>
+        <p:nvSpPr>
+          <p:cNvPr id="23" name="Rectangle 22">
+            <a:extLst>
+              <a:ext uri="{FF2B5EF4-FFF2-40B4-BE49-F238E27FC236}">
+                <a16:creationId xmlns:a16="http://schemas.microsoft.com/office/drawing/2014/main" id="{6C042684-2705-40BD-9104-A6B24CE1CA45}"/>
+              </a:ext>
+              <a:ext uri="{C183D7F6-B498-43B3-948B-1728B52AA6E4}">
+                <adec:decorative xmlns:adec="http://schemas.microsoft.com/office/drawing/2017/decorative" val="1"/>
+              </a:ext>
+            </a:extLst>
+          </p:cNvPr>
+          <p:cNvSpPr>
+            <a:spLocks noGrp="1" noRot="1" noChangeAspect="1" noMove="1" noResize="1" noEditPoints="1" noAdjustHandles="1" noChangeArrowheads="1" noChangeShapeType="1" noTextEdit="1"/>
+          </p:cNvSpPr>
+          <p:nvPr>
+            <p:extLst>
+              <p:ext uri="{386F3935-93C4-4BCD-93E2-E3B085C9AB24}">
+                <p16:designElem xmlns:p16="http://schemas.microsoft.com/office/powerpoint/2015/main" val="1"/>
+              </p:ext>
+            </p:extLst>
+          </p:nvPr>
+        </p:nvSpPr>
+        <p:spPr>
+          <a:xfrm>
+            <a:off x="10437812" y="0"/>
+            <a:ext cx="685800" cy="1143000"/>
+          </a:xfrm>
+          <a:prstGeom prst="rect">
+            <a:avLst/>
+          </a:prstGeom>
+          <a:solidFill>
+            <a:schemeClr val="accent1"/>
+          </a:solidFill>
+          <a:ln>
+            <a:noFill/>
+          </a:ln>
+        </p:spPr>
+        <p:style>
+          <a:lnRef idx="1">
+            <a:schemeClr val="accent1"/>
+          </a:lnRef>
+          <a:fillRef idx="3">
+            <a:schemeClr val="accent1"/>
+          </a:fillRef>
+          <a:effectRef idx="2">
+            <a:schemeClr val="accent1"/>
+          </a:effectRef>
+          <a:fontRef idx="minor">
+            <a:schemeClr val="lt1"/>
+          </a:fontRef>
+        </p:style>
+      </p:sp>
+      <p:pic>
+        <p:nvPicPr>
+          <p:cNvPr id="5" name="Imagem 4">
+            <a:extLst>
+              <a:ext uri="{FF2B5EF4-FFF2-40B4-BE49-F238E27FC236}">
+                <a16:creationId xmlns:a16="http://schemas.microsoft.com/office/drawing/2014/main" id="{9BF7BFA3-66E1-4DC5-AD54-D4D46AD07568}"/>
+              </a:ext>
+            </a:extLst>
+          </p:cNvPr>
+          <p:cNvPicPr>
+            <a:picLocks noChangeAspect="1"/>
+          </p:cNvPicPr>
+          <p:nvPr/>
+        </p:nvPicPr>
+        <p:blipFill>
+          <a:blip r:embed="rId3"/>
+          <a:stretch>
+            <a:fillRect/>
+          </a:stretch>
+        </p:blipFill>
+        <p:spPr>
+          <a:xfrm>
+            <a:off x="10534650" y="366451"/>
+            <a:ext cx="523995" cy="690983"/>
+          </a:xfrm>
+          <a:prstGeom prst="rect">
+            <a:avLst/>
+          </a:prstGeom>
+        </p:spPr>
+      </p:pic>
+      <p:sp>
+        <p:nvSpPr>
+          <p:cNvPr id="6" name="Retângulo 5">
+            <a:extLst>
+              <a:ext uri="{FF2B5EF4-FFF2-40B4-BE49-F238E27FC236}">
+                <a16:creationId xmlns:a16="http://schemas.microsoft.com/office/drawing/2014/main" id="{B0060CEA-4D36-4B80-AB59-A52DABD0ED59}"/>
+              </a:ext>
+            </a:extLst>
+          </p:cNvPr>
+          <p:cNvSpPr/>
+          <p:nvPr/>
+        </p:nvSpPr>
+        <p:spPr>
+          <a:xfrm>
+            <a:off x="4475474" y="3013501"/>
+            <a:ext cx="5504826" cy="830997"/>
+          </a:xfrm>
+          <a:prstGeom prst="rect">
+            <a:avLst/>
+          </a:prstGeom>
+        </p:spPr>
+        <p:txBody>
+          <a:bodyPr wrap="square">
+            <a:spAutoFit/>
+          </a:bodyPr>
+          <a:lstStyle/>
+          <a:p>
+            <a:r>
+              <a:rPr lang="pt-BR" sz="4800" b="1" dirty="0">
+                <a:solidFill>
+                  <a:srgbClr val="EBEBEB"/>
+                </a:solidFill>
+                <a:latin typeface="Courier New" panose="02070309020205020404" pitchFamily="49" charset="0"/>
+                <a:cs typeface="Courier New" panose="02070309020205020404" pitchFamily="49" charset="0"/>
+              </a:rPr>
+              <a:t>//DEMO</a:t>
+            </a:r>
+          </a:p>
+        </p:txBody>
+      </p:sp>
+    </p:spTree>
+    <p:extLst>
+      <p:ext uri="{BB962C8B-B14F-4D97-AF65-F5344CB8AC3E}">
+        <p14:creationId xmlns:p14="http://schemas.microsoft.com/office/powerpoint/2010/main" val="2966226587"/>
+      </p:ext>
+    </p:extLst>
+  </p:cSld>
+  <p:clrMapOvr>
+    <a:overrideClrMapping bg1="dk1" tx1="lt1" bg2="dk2" tx2="lt2" accent1="accent1" accent2="accent2" accent3="accent3" accent4="accent4" accent5="accent5" accent6="accent6" hlink="hlink" folHlink="folHlink"/>
   </p:clrMapOvr>
 </p:sld>
 </file>
@@ -13733,7 +17381,7 @@
                 <a:latin typeface="Courier New" panose="02070309020205020404" pitchFamily="49" charset="0"/>
                 <a:cs typeface="Courier New" panose="02070309020205020404" pitchFamily="49" charset="0"/>
               </a:rPr>
-              <a:t>(“Viabilizar o ensino da programação através de um plataforma que visa facilitar a interação professor/aluno e auxiliar através da gamificação o processo de aprendizagem.”);</a:t>
+              <a:t>(“Viabilizar o ensino da programação através de uma plataforma que visa facilitar a interação professor/aluno e auxiliar através da gamificação o processo de aprendizagem.”);</a:t>
             </a:r>
             <a:br>
               <a:rPr lang="pt-BR" sz="3000" b="1" dirty="0">
@@ -13832,7 +17480,184 @@
         </p:nvSpPr>
         <p:spPr>
           <a:xfrm>
-            <a:off x="707255" y="315652"/>
+            <a:off x="816748" y="0"/>
+            <a:ext cx="10384652" cy="5921406"/>
+          </a:xfrm>
+        </p:spPr>
+        <p:txBody>
+          <a:bodyPr anchor="t"/>
+          <a:lstStyle/>
+          <a:p>
+            <a:br>
+              <a:rPr lang="pt-BR" dirty="0">
+                <a:latin typeface="Courier New" panose="02070309020205020404" pitchFamily="49" charset="0"/>
+                <a:cs typeface="Courier New" panose="02070309020205020404" pitchFamily="49" charset="0"/>
+              </a:rPr>
+            </a:br>
+            <a:r>
+              <a:rPr lang="pt-BR" b="1" dirty="0">
+                <a:latin typeface="Courier New" panose="02070309020205020404" pitchFamily="49" charset="0"/>
+                <a:cs typeface="Courier New" panose="02070309020205020404" pitchFamily="49" charset="0"/>
+              </a:rPr>
+              <a:t>//Justificativa</a:t>
+            </a:r>
+            <a:br>
+              <a:rPr lang="pt-BR" dirty="0">
+                <a:latin typeface="Courier New" panose="02070309020205020404" pitchFamily="49" charset="0"/>
+                <a:cs typeface="Courier New" panose="02070309020205020404" pitchFamily="49" charset="0"/>
+              </a:rPr>
+            </a:br>
+            <a:br>
+              <a:rPr lang="pt-BR" sz="2400" dirty="0">
+                <a:latin typeface="Courier New" panose="02070309020205020404" pitchFamily="49" charset="0"/>
+                <a:cs typeface="Courier New" panose="02070309020205020404" pitchFamily="49" charset="0"/>
+              </a:rPr>
+            </a:br>
+            <a:r>
+              <a:rPr lang="pt-BR" sz="2400" dirty="0">
+                <a:latin typeface="Courier New" panose="02070309020205020404" pitchFamily="49" charset="0"/>
+                <a:cs typeface="Courier New" panose="02070309020205020404" pitchFamily="49" charset="0"/>
+              </a:rPr>
+              <a:t>	</a:t>
+            </a:r>
+            <a:br>
+              <a:rPr lang="pt-BR" sz="2400" dirty="0">
+                <a:latin typeface="Courier New" panose="02070309020205020404" pitchFamily="49" charset="0"/>
+                <a:cs typeface="Courier New" panose="02070309020205020404" pitchFamily="49" charset="0"/>
+              </a:rPr>
+            </a:br>
+            <a:r>
+              <a:rPr lang="pt-BR" sz="2400" dirty="0">
+                <a:latin typeface="Courier New" panose="02070309020205020404" pitchFamily="49" charset="0"/>
+                <a:cs typeface="Courier New" panose="02070309020205020404" pitchFamily="49" charset="0"/>
+              </a:rPr>
+              <a:t>		</a:t>
+            </a:r>
+            <a:r>
+              <a:rPr lang="pt-BR" sz="2400" b="1" dirty="0">
+                <a:latin typeface="Courier New" panose="02070309020205020404" pitchFamily="49" charset="0"/>
+                <a:cs typeface="Courier New" panose="02070309020205020404" pitchFamily="49" charset="0"/>
+              </a:rPr>
+              <a:t>Tendo em vista o alto índice de evasão dos cursos de tecnologia por conta dos conteúdos teóricos, enxergamos a possibilidade de, através do </a:t>
+            </a:r>
+            <a:r>
+              <a:rPr lang="pt-BR" sz="2400" b="1" dirty="0" err="1">
+                <a:latin typeface="Courier New" panose="02070309020205020404" pitchFamily="49" charset="0"/>
+                <a:cs typeface="Courier New" panose="02070309020205020404" pitchFamily="49" charset="0"/>
+              </a:rPr>
+              <a:t>GameLearning</a:t>
+            </a:r>
+            <a:r>
+              <a:rPr lang="pt-BR" sz="2400" b="1" dirty="0">
+                <a:latin typeface="Courier New" panose="02070309020205020404" pitchFamily="49" charset="0"/>
+                <a:cs typeface="Courier New" panose="02070309020205020404" pitchFamily="49" charset="0"/>
+              </a:rPr>
+              <a:t>(plataforma) e conteúdos lúdicos(jogos), fomentar o interesse dos alunos pelo conteúdo aplicado e assim diminuir o índice de evasão mencionado.</a:t>
+            </a:r>
+            <a:br>
+              <a:rPr lang="pt-BR" sz="2400" b="1" dirty="0">
+                <a:latin typeface="Courier New" panose="02070309020205020404" pitchFamily="49" charset="0"/>
+                <a:cs typeface="Courier New" panose="02070309020205020404" pitchFamily="49" charset="0"/>
+              </a:rPr>
+            </a:br>
+            <a:br>
+              <a:rPr lang="pt-BR" sz="3000" b="1" dirty="0">
+                <a:latin typeface="Courier New" panose="02070309020205020404" pitchFamily="49" charset="0"/>
+                <a:cs typeface="Courier New" panose="02070309020205020404" pitchFamily="49" charset="0"/>
+              </a:rPr>
+            </a:br>
+            <a:br>
+              <a:rPr lang="pt-BR" dirty="0">
+                <a:latin typeface="Courier New" panose="02070309020205020404" pitchFamily="49" charset="0"/>
+                <a:cs typeface="Courier New" panose="02070309020205020404" pitchFamily="49" charset="0"/>
+              </a:rPr>
+            </a:br>
+            <a:endParaRPr lang="en-US" dirty="0">
+              <a:latin typeface="Courier New" panose="02070309020205020404" pitchFamily="49" charset="0"/>
+              <a:cs typeface="Courier New" panose="02070309020205020404" pitchFamily="49" charset="0"/>
+            </a:endParaRPr>
+          </a:p>
+        </p:txBody>
+      </p:sp>
+      <p:pic>
+        <p:nvPicPr>
+          <p:cNvPr id="5" name="Imagem 4">
+            <a:extLst>
+              <a:ext uri="{FF2B5EF4-FFF2-40B4-BE49-F238E27FC236}">
+                <a16:creationId xmlns:a16="http://schemas.microsoft.com/office/drawing/2014/main" id="{9BF7BFA3-66E1-4DC5-AD54-D4D46AD07568}"/>
+              </a:ext>
+            </a:extLst>
+          </p:cNvPr>
+          <p:cNvPicPr>
+            <a:picLocks noChangeAspect="1"/>
+          </p:cNvPicPr>
+          <p:nvPr/>
+        </p:nvPicPr>
+        <p:blipFill>
+          <a:blip r:embed="rId2"/>
+          <a:stretch>
+            <a:fillRect/>
+          </a:stretch>
+        </p:blipFill>
+        <p:spPr>
+          <a:xfrm>
+            <a:off x="10534650" y="366451"/>
+            <a:ext cx="523995" cy="690983"/>
+          </a:xfrm>
+          <a:prstGeom prst="rect">
+            <a:avLst/>
+          </a:prstGeom>
+        </p:spPr>
+      </p:pic>
+    </p:spTree>
+    <p:extLst>
+      <p:ext uri="{BB962C8B-B14F-4D97-AF65-F5344CB8AC3E}">
+        <p14:creationId xmlns:p14="http://schemas.microsoft.com/office/powerpoint/2010/main" val="3809876567"/>
+      </p:ext>
+    </p:extLst>
+  </p:cSld>
+  <p:clrMapOvr>
+    <a:masterClrMapping/>
+  </p:clrMapOvr>
+</p:sld>
+</file>
+
+<file path=ppt/slides/slide4.xml><?xml version="1.0" encoding="utf-8"?>
+<p:sld xmlns:a="http://schemas.openxmlformats.org/drawingml/2006/main" xmlns:r="http://schemas.openxmlformats.org/officeDocument/2006/relationships" xmlns:p="http://schemas.openxmlformats.org/presentationml/2006/main">
+  <p:cSld>
+    <p:spTree>
+      <p:nvGrpSpPr>
+        <p:cNvPr id="1" name=""/>
+        <p:cNvGrpSpPr/>
+        <p:nvPr/>
+      </p:nvGrpSpPr>
+      <p:grpSpPr>
+        <a:xfrm>
+          <a:off x="0" y="0"/>
+          <a:ext cx="0" cy="0"/>
+          <a:chOff x="0" y="0"/>
+          <a:chExt cx="0" cy="0"/>
+        </a:xfrm>
+      </p:grpSpPr>
+      <p:sp>
+        <p:nvSpPr>
+          <p:cNvPr id="2" name="Título 1">
+            <a:extLst>
+              <a:ext uri="{FF2B5EF4-FFF2-40B4-BE49-F238E27FC236}">
+                <a16:creationId xmlns:a16="http://schemas.microsoft.com/office/drawing/2014/main" id="{6A91E726-E2E5-410E-BD7B-798D9DB5DC85}"/>
+              </a:ext>
+            </a:extLst>
+          </p:cNvPr>
+          <p:cNvSpPr>
+            <a:spLocks noGrp="1"/>
+          </p:cNvSpPr>
+          <p:nvPr>
+            <p:ph type="ctrTitle"/>
+          </p:nvPr>
+        </p:nvSpPr>
+        <p:spPr>
+          <a:xfrm>
+            <a:off x="1053484" y="366451"/>
             <a:ext cx="10777490" cy="5921406"/>
           </a:xfrm>
         </p:spPr>
@@ -13955,7 +17780,7 @@
 </p:sld>
 </file>
 
-<file path=ppt/slides/slide4.xml><?xml version="1.0" encoding="utf-8"?>
+<file path=ppt/slides/slide5.xml><?xml version="1.0" encoding="utf-8"?>
 <p:sld xmlns:a="http://schemas.openxmlformats.org/drawingml/2006/main" xmlns:r="http://schemas.openxmlformats.org/officeDocument/2006/relationships" xmlns:p="http://schemas.openxmlformats.org/presentationml/2006/main">
   <p:cSld>
     <p:spTree>
@@ -14069,7 +17894,7 @@
         </p:nvSpPr>
         <p:spPr>
           <a:xfrm>
-            <a:off x="2095131" y="1919116"/>
+            <a:off x="1597981" y="1821462"/>
             <a:ext cx="9753415" cy="6555641"/>
           </a:xfrm>
           <a:prstGeom prst="rect">
@@ -14149,22 +17974,15 @@
               <a:buChar char="q"/>
             </a:pPr>
             <a:r>
-              <a:rPr lang="pt-BR" sz="2800" dirty="0" err="1">
+              <a:rPr lang="pt-BR" sz="2800" dirty="0">
                 <a:solidFill>
                   <a:schemeClr val="bg1"/>
                 </a:solidFill>
                 <a:latin typeface="Courier New" panose="02070309020205020404" pitchFamily="49" charset="0"/>
                 <a:cs typeface="Courier New" panose="02070309020205020404" pitchFamily="49" charset="0"/>
               </a:rPr>
-              <a:t>Braintorming</a:t>
+              <a:t>Brainstorming</a:t>
             </a:r>
-            <a:endParaRPr lang="pt-BR" sz="2800" dirty="0">
-              <a:solidFill>
-                <a:schemeClr val="bg1"/>
-              </a:solidFill>
-              <a:latin typeface="Courier New" panose="02070309020205020404" pitchFamily="49" charset="0"/>
-              <a:cs typeface="Courier New" panose="02070309020205020404" pitchFamily="49" charset="0"/>
-            </a:endParaRPr>
           </a:p>
           <a:p>
             <a:pPr marL="914400" lvl="1" indent="-457200">
@@ -14226,13 +18044,16 @@
               </a:rPr>
               <a:t>Trello</a:t>
             </a:r>
-            <a:endParaRPr lang="pt-BR" sz="2800" dirty="0">
-              <a:solidFill>
-                <a:schemeClr val="bg1"/>
-              </a:solidFill>
-              <a:latin typeface="Courier New" panose="02070309020205020404" pitchFamily="49" charset="0"/>
-              <a:cs typeface="Courier New" panose="02070309020205020404" pitchFamily="49" charset="0"/>
-            </a:endParaRPr>
+            <a:r>
+              <a:rPr lang="pt-BR" sz="2800" dirty="0">
+                <a:solidFill>
+                  <a:schemeClr val="bg1"/>
+                </a:solidFill>
+                <a:latin typeface="Courier New" panose="02070309020205020404" pitchFamily="49" charset="0"/>
+                <a:cs typeface="Courier New" panose="02070309020205020404" pitchFamily="49" charset="0"/>
+              </a:rPr>
+              <a:t>(ferramenta organização)</a:t>
+            </a:r>
           </a:p>
           <a:p>
             <a:pPr marL="914400" lvl="1" indent="-457200">
@@ -14327,7 +18148,1159 @@
 </p:sld>
 </file>
 
-<file path=ppt/slides/slide5.xml><?xml version="1.0" encoding="utf-8"?>
+<file path=ppt/slides/slide6.xml><?xml version="1.0" encoding="utf-8"?>
+<p:sld xmlns:a="http://schemas.openxmlformats.org/drawingml/2006/main" xmlns:r="http://schemas.openxmlformats.org/officeDocument/2006/relationships" xmlns:p="http://schemas.openxmlformats.org/presentationml/2006/main">
+  <p:cSld>
+    <p:bg>
+      <p:bgPr>
+        <a:solidFill>
+          <a:schemeClr val="bg1"/>
+        </a:solidFill>
+        <a:effectLst/>
+      </p:bgPr>
+    </p:bg>
+    <p:spTree>
+      <p:nvGrpSpPr>
+        <p:cNvPr id="1" name=""/>
+        <p:cNvGrpSpPr/>
+        <p:nvPr/>
+      </p:nvGrpSpPr>
+      <p:grpSpPr>
+        <a:xfrm>
+          <a:off x="0" y="0"/>
+          <a:ext cx="0" cy="0"/>
+          <a:chOff x="0" y="0"/>
+          <a:chExt cx="0" cy="0"/>
+        </a:xfrm>
+      </p:grpSpPr>
+      <p:sp>
+        <p:nvSpPr>
+          <p:cNvPr id="19" name="Rectangle 18">
+            <a:extLst>
+              <a:ext uri="{FF2B5EF4-FFF2-40B4-BE49-F238E27FC236}">
+                <a16:creationId xmlns:a16="http://schemas.microsoft.com/office/drawing/2014/main" id="{2B109C5B-3B98-48EB-A942-8D11CEA374B6}"/>
+              </a:ext>
+              <a:ext uri="{C183D7F6-B498-43B3-948B-1728B52AA6E4}">
+                <adec:decorative xmlns:adec="http://schemas.microsoft.com/office/drawing/2017/decorative" val="1"/>
+              </a:ext>
+            </a:extLst>
+          </p:cNvPr>
+          <p:cNvSpPr>
+            <a:spLocks noGrp="1" noRot="1" noChangeAspect="1" noMove="1" noResize="1" noEditPoints="1" noAdjustHandles="1" noChangeArrowheads="1" noChangeShapeType="1" noTextEdit="1"/>
+          </p:cNvSpPr>
+          <p:nvPr>
+            <p:extLst>
+              <p:ext uri="{386F3935-93C4-4BCD-93E2-E3B085C9AB24}">
+                <p16:designElem xmlns:p16="http://schemas.microsoft.com/office/powerpoint/2015/main" val="1"/>
+              </p:ext>
+            </p:extLst>
+          </p:nvPr>
+        </p:nvSpPr>
+        <p:spPr>
+          <a:xfrm>
+            <a:off x="0" y="793"/>
+            <a:ext cx="12192000" cy="6858000"/>
+          </a:xfrm>
+          <a:prstGeom prst="rect">
+            <a:avLst/>
+          </a:prstGeom>
+          <a:blipFill>
+            <a:blip r:embed="rId2">
+              <a:duotone>
+                <a:schemeClr val="dk2">
+                  <a:shade val="69000"/>
+                  <a:hueMod val="91000"/>
+                  <a:satMod val="164000"/>
+                  <a:lumMod val="74000"/>
+                </a:schemeClr>
+                <a:schemeClr val="dk2">
+                  <a:hueMod val="124000"/>
+                  <a:satMod val="140000"/>
+                  <a:lumMod val="142000"/>
+                </a:schemeClr>
+              </a:duotone>
+            </a:blip>
+            <a:stretch>
+              <a:fillRect/>
+            </a:stretch>
+          </a:blipFill>
+          <a:ln>
+            <a:noFill/>
+          </a:ln>
+        </p:spPr>
+        <p:style>
+          <a:lnRef idx="2">
+            <a:schemeClr val="accent1">
+              <a:shade val="50000"/>
+            </a:schemeClr>
+          </a:lnRef>
+          <a:fillRef idx="1">
+            <a:schemeClr val="accent1"/>
+          </a:fillRef>
+          <a:effectRef idx="0">
+            <a:schemeClr val="accent1"/>
+          </a:effectRef>
+          <a:fontRef idx="minor">
+            <a:schemeClr val="lt1"/>
+          </a:fontRef>
+        </p:style>
+      </p:sp>
+      <p:sp>
+        <p:nvSpPr>
+          <p:cNvPr id="21" name="Freeform 5">
+            <a:extLst>
+              <a:ext uri="{FF2B5EF4-FFF2-40B4-BE49-F238E27FC236}">
+                <a16:creationId xmlns:a16="http://schemas.microsoft.com/office/drawing/2014/main" id="{A9C389E4-003E-40C9-AC9E-ED821C16F525}"/>
+              </a:ext>
+              <a:ext uri="{C183D7F6-B498-43B3-948B-1728B52AA6E4}">
+                <adec:decorative xmlns:adec="http://schemas.microsoft.com/office/drawing/2017/decorative" val="1"/>
+              </a:ext>
+            </a:extLst>
+          </p:cNvPr>
+          <p:cNvSpPr>
+            <a:spLocks noGrp="1" noRot="1" noChangeAspect="1" noMove="1" noResize="1" noEditPoints="1" noAdjustHandles="1" noChangeArrowheads="1" noChangeShapeType="1" noTextEdit="1"/>
+          </p:cNvSpPr>
+          <p:nvPr>
+            <p:extLst>
+              <p:ext uri="{386F3935-93C4-4BCD-93E2-E3B085C9AB24}">
+                <p16:designElem xmlns:p16="http://schemas.microsoft.com/office/powerpoint/2015/main" val="1"/>
+              </p:ext>
+            </p:extLst>
+          </p:nvPr>
+        </p:nvSpPr>
+        <p:spPr bwMode="gray">
+          <a:xfrm>
+            <a:off x="0" y="1587"/>
+            <a:ext cx="12192000" cy="6856413"/>
+          </a:xfrm>
+          <a:custGeom>
+            <a:avLst/>
+            <a:gdLst/>
+            <a:ahLst/>
+            <a:cxnLst/>
+            <a:rect l="0" t="0" r="r" b="b"/>
+            <a:pathLst>
+              <a:path w="15356" h="8638">
+                <a:moveTo>
+                  <a:pt x="0" y="0"/>
+                </a:moveTo>
+                <a:lnTo>
+                  <a:pt x="0" y="8638"/>
+                </a:lnTo>
+                <a:lnTo>
+                  <a:pt x="15356" y="8638"/>
+                </a:lnTo>
+                <a:lnTo>
+                  <a:pt x="15356" y="0"/>
+                </a:lnTo>
+                <a:lnTo>
+                  <a:pt x="0" y="0"/>
+                </a:lnTo>
+                <a:close/>
+                <a:moveTo>
+                  <a:pt x="14748" y="8038"/>
+                </a:moveTo>
+                <a:lnTo>
+                  <a:pt x="600" y="8038"/>
+                </a:lnTo>
+                <a:lnTo>
+                  <a:pt x="600" y="592"/>
+                </a:lnTo>
+                <a:lnTo>
+                  <a:pt x="14748" y="592"/>
+                </a:lnTo>
+                <a:lnTo>
+                  <a:pt x="14748" y="8038"/>
+                </a:lnTo>
+                <a:close/>
+              </a:path>
+            </a:pathLst>
+          </a:custGeom>
+          <a:solidFill>
+            <a:schemeClr val="tx1"/>
+          </a:solidFill>
+          <a:ln>
+            <a:noFill/>
+          </a:ln>
+        </p:spPr>
+      </p:sp>
+      <p:sp>
+        <p:nvSpPr>
+          <p:cNvPr id="23" name="Rectangle 22">
+            <a:extLst>
+              <a:ext uri="{FF2B5EF4-FFF2-40B4-BE49-F238E27FC236}">
+                <a16:creationId xmlns:a16="http://schemas.microsoft.com/office/drawing/2014/main" id="{6C042684-2705-40BD-9104-A6B24CE1CA45}"/>
+              </a:ext>
+              <a:ext uri="{C183D7F6-B498-43B3-948B-1728B52AA6E4}">
+                <adec:decorative xmlns:adec="http://schemas.microsoft.com/office/drawing/2017/decorative" val="1"/>
+              </a:ext>
+            </a:extLst>
+          </p:cNvPr>
+          <p:cNvSpPr>
+            <a:spLocks noGrp="1" noRot="1" noChangeAspect="1" noMove="1" noResize="1" noEditPoints="1" noAdjustHandles="1" noChangeArrowheads="1" noChangeShapeType="1" noTextEdit="1"/>
+          </p:cNvSpPr>
+          <p:nvPr>
+            <p:extLst>
+              <p:ext uri="{386F3935-93C4-4BCD-93E2-E3B085C9AB24}">
+                <p16:designElem xmlns:p16="http://schemas.microsoft.com/office/powerpoint/2015/main" val="1"/>
+              </p:ext>
+            </p:extLst>
+          </p:nvPr>
+        </p:nvSpPr>
+        <p:spPr>
+          <a:xfrm>
+            <a:off x="10437812" y="0"/>
+            <a:ext cx="685800" cy="1143000"/>
+          </a:xfrm>
+          <a:prstGeom prst="rect">
+            <a:avLst/>
+          </a:prstGeom>
+          <a:solidFill>
+            <a:schemeClr val="accent1"/>
+          </a:solidFill>
+          <a:ln>
+            <a:noFill/>
+          </a:ln>
+        </p:spPr>
+        <p:style>
+          <a:lnRef idx="1">
+            <a:schemeClr val="accent1"/>
+          </a:lnRef>
+          <a:fillRef idx="3">
+            <a:schemeClr val="accent1"/>
+          </a:fillRef>
+          <a:effectRef idx="2">
+            <a:schemeClr val="accent1"/>
+          </a:effectRef>
+          <a:fontRef idx="minor">
+            <a:schemeClr val="lt1"/>
+          </a:fontRef>
+        </p:style>
+      </p:sp>
+      <p:pic>
+        <p:nvPicPr>
+          <p:cNvPr id="5" name="Imagem 4">
+            <a:extLst>
+              <a:ext uri="{FF2B5EF4-FFF2-40B4-BE49-F238E27FC236}">
+                <a16:creationId xmlns:a16="http://schemas.microsoft.com/office/drawing/2014/main" id="{9BF7BFA3-66E1-4DC5-AD54-D4D46AD07568}"/>
+              </a:ext>
+            </a:extLst>
+          </p:cNvPr>
+          <p:cNvPicPr>
+            <a:picLocks noChangeAspect="1"/>
+          </p:cNvPicPr>
+          <p:nvPr/>
+        </p:nvPicPr>
+        <p:blipFill>
+          <a:blip r:embed="rId3"/>
+          <a:stretch>
+            <a:fillRect/>
+          </a:stretch>
+        </p:blipFill>
+        <p:spPr>
+          <a:xfrm>
+            <a:off x="10534650" y="366451"/>
+            <a:ext cx="523995" cy="690983"/>
+          </a:xfrm>
+          <a:prstGeom prst="rect">
+            <a:avLst/>
+          </a:prstGeom>
+        </p:spPr>
+      </p:pic>
+      <p:sp>
+        <p:nvSpPr>
+          <p:cNvPr id="7" name="CaixaDeTexto 6">
+            <a:extLst>
+              <a:ext uri="{FF2B5EF4-FFF2-40B4-BE49-F238E27FC236}">
+                <a16:creationId xmlns:a16="http://schemas.microsoft.com/office/drawing/2014/main" id="{3507ACA8-8CC7-4721-8124-D9D76BF95D65}"/>
+              </a:ext>
+            </a:extLst>
+          </p:cNvPr>
+          <p:cNvSpPr txBox="1"/>
+          <p:nvPr/>
+        </p:nvSpPr>
+        <p:spPr>
+          <a:xfrm>
+            <a:off x="1014412" y="3090991"/>
+            <a:ext cx="1283641" cy="369332"/>
+          </a:xfrm>
+          <a:prstGeom prst="rect">
+            <a:avLst/>
+          </a:prstGeom>
+          <a:noFill/>
+        </p:spPr>
+        <p:txBody>
+          <a:bodyPr wrap="square" rtlCol="0">
+            <a:spAutoFit/>
+          </a:bodyPr>
+          <a:lstStyle/>
+          <a:p>
+            <a:r>
+              <a:rPr lang="pt-BR" dirty="0">
+                <a:latin typeface="Courier New" panose="02070309020205020404" pitchFamily="49" charset="0"/>
+                <a:cs typeface="Courier New" panose="02070309020205020404" pitchFamily="49" charset="0"/>
+              </a:rPr>
+              <a:t>Aluno</a:t>
+            </a:r>
+            <a:endParaRPr lang="en-US" dirty="0">
+              <a:latin typeface="Courier New" panose="02070309020205020404" pitchFamily="49" charset="0"/>
+              <a:cs typeface="Courier New" panose="02070309020205020404" pitchFamily="49" charset="0"/>
+            </a:endParaRPr>
+          </a:p>
+        </p:txBody>
+      </p:sp>
+      <p:cxnSp>
+        <p:nvCxnSpPr>
+          <p:cNvPr id="12" name="Conector de Seta Reta 11">
+            <a:extLst>
+              <a:ext uri="{FF2B5EF4-FFF2-40B4-BE49-F238E27FC236}">
+                <a16:creationId xmlns:a16="http://schemas.microsoft.com/office/drawing/2014/main" id="{FB5FE072-CD64-44A3-B5E3-2B51EE86B045}"/>
+              </a:ext>
+            </a:extLst>
+          </p:cNvPr>
+          <p:cNvCxnSpPr>
+            <a:cxnSpLocks/>
+          </p:cNvCxnSpPr>
+          <p:nvPr/>
+        </p:nvCxnSpPr>
+        <p:spPr>
+          <a:xfrm>
+            <a:off x="2079956" y="4109799"/>
+            <a:ext cx="812298" cy="0"/>
+          </a:xfrm>
+          <a:prstGeom prst="straightConnector1">
+            <a:avLst/>
+          </a:prstGeom>
+          <a:ln>
+            <a:solidFill>
+              <a:schemeClr val="tx1"/>
+            </a:solidFill>
+            <a:tailEnd type="triangle"/>
+          </a:ln>
+        </p:spPr>
+        <p:style>
+          <a:lnRef idx="3">
+            <a:schemeClr val="dk1"/>
+          </a:lnRef>
+          <a:fillRef idx="0">
+            <a:schemeClr val="dk1"/>
+          </a:fillRef>
+          <a:effectRef idx="2">
+            <a:schemeClr val="dk1"/>
+          </a:effectRef>
+          <a:fontRef idx="minor">
+            <a:schemeClr val="tx1"/>
+          </a:fontRef>
+        </p:style>
+      </p:cxnSp>
+      <p:sp>
+        <p:nvSpPr>
+          <p:cNvPr id="15" name="CaixaDeTexto 14">
+            <a:extLst>
+              <a:ext uri="{FF2B5EF4-FFF2-40B4-BE49-F238E27FC236}">
+                <a16:creationId xmlns:a16="http://schemas.microsoft.com/office/drawing/2014/main" id="{338ACA4B-01F1-4B56-8DCE-DF5B57A1F057}"/>
+              </a:ext>
+            </a:extLst>
+          </p:cNvPr>
+          <p:cNvSpPr txBox="1"/>
+          <p:nvPr/>
+        </p:nvSpPr>
+        <p:spPr>
+          <a:xfrm>
+            <a:off x="1833029" y="3690409"/>
+            <a:ext cx="1283640" cy="369332"/>
+          </a:xfrm>
+          <a:prstGeom prst="rect">
+            <a:avLst/>
+          </a:prstGeom>
+          <a:noFill/>
+        </p:spPr>
+        <p:txBody>
+          <a:bodyPr wrap="square" rtlCol="0">
+            <a:spAutoFit/>
+          </a:bodyPr>
+          <a:lstStyle/>
+          <a:p>
+            <a:r>
+              <a:rPr lang="pt-BR" dirty="0">
+                <a:latin typeface="Courier New" panose="02070309020205020404" pitchFamily="49" charset="0"/>
+                <a:cs typeface="Courier New" panose="02070309020205020404" pitchFamily="49" charset="0"/>
+              </a:rPr>
+              <a:t>Cadastro</a:t>
+            </a:r>
+            <a:endParaRPr lang="en-US" dirty="0">
+              <a:latin typeface="Courier New" panose="02070309020205020404" pitchFamily="49" charset="0"/>
+              <a:cs typeface="Courier New" panose="02070309020205020404" pitchFamily="49" charset="0"/>
+            </a:endParaRPr>
+          </a:p>
+        </p:txBody>
+      </p:sp>
+      <p:cxnSp>
+        <p:nvCxnSpPr>
+          <p:cNvPr id="26" name="Conector de Seta Reta 25">
+            <a:extLst>
+              <a:ext uri="{FF2B5EF4-FFF2-40B4-BE49-F238E27FC236}">
+                <a16:creationId xmlns:a16="http://schemas.microsoft.com/office/drawing/2014/main" id="{E6D36482-40B5-4BDA-A87A-EE099933DE29}"/>
+              </a:ext>
+            </a:extLst>
+          </p:cNvPr>
+          <p:cNvCxnSpPr>
+            <a:cxnSpLocks/>
+          </p:cNvCxnSpPr>
+          <p:nvPr/>
+        </p:nvCxnSpPr>
+        <p:spPr>
+          <a:xfrm>
+            <a:off x="4214771" y="4074163"/>
+            <a:ext cx="812298" cy="0"/>
+          </a:xfrm>
+          <a:prstGeom prst="straightConnector1">
+            <a:avLst/>
+          </a:prstGeom>
+          <a:ln>
+            <a:solidFill>
+              <a:schemeClr val="tx1"/>
+            </a:solidFill>
+            <a:tailEnd type="triangle"/>
+          </a:ln>
+        </p:spPr>
+        <p:style>
+          <a:lnRef idx="3">
+            <a:schemeClr val="dk1"/>
+          </a:lnRef>
+          <a:fillRef idx="0">
+            <a:schemeClr val="dk1"/>
+          </a:fillRef>
+          <a:effectRef idx="2">
+            <a:schemeClr val="dk1"/>
+          </a:effectRef>
+          <a:fontRef idx="minor">
+            <a:schemeClr val="tx1"/>
+          </a:fontRef>
+        </p:style>
+      </p:cxnSp>
+      <p:pic>
+        <p:nvPicPr>
+          <p:cNvPr id="28" name="Imagem 27">
+            <a:extLst>
+              <a:ext uri="{FF2B5EF4-FFF2-40B4-BE49-F238E27FC236}">
+                <a16:creationId xmlns:a16="http://schemas.microsoft.com/office/drawing/2014/main" id="{EEAEFC66-A859-4DAE-99D8-4CB130A3C3F1}"/>
+              </a:ext>
+            </a:extLst>
+          </p:cNvPr>
+          <p:cNvPicPr>
+            <a:picLocks noChangeAspect="1"/>
+          </p:cNvPicPr>
+          <p:nvPr/>
+        </p:nvPicPr>
+        <p:blipFill>
+          <a:blip r:embed="rId4">
+            <a:lum bright="70000" contrast="-70000"/>
+          </a:blip>
+          <a:stretch>
+            <a:fillRect/>
+          </a:stretch>
+        </p:blipFill>
+        <p:spPr>
+          <a:xfrm>
+            <a:off x="2996610" y="3423028"/>
+            <a:ext cx="1080813" cy="1080813"/>
+          </a:xfrm>
+          <a:prstGeom prst="rect">
+            <a:avLst/>
+          </a:prstGeom>
+        </p:spPr>
+      </p:pic>
+      <p:cxnSp>
+        <p:nvCxnSpPr>
+          <p:cNvPr id="33" name="Conector de Seta Reta 32">
+            <a:extLst>
+              <a:ext uri="{FF2B5EF4-FFF2-40B4-BE49-F238E27FC236}">
+                <a16:creationId xmlns:a16="http://schemas.microsoft.com/office/drawing/2014/main" id="{43A89A26-212F-48D2-92D6-FCD42070A9FD}"/>
+              </a:ext>
+            </a:extLst>
+          </p:cNvPr>
+          <p:cNvCxnSpPr>
+            <a:cxnSpLocks/>
+          </p:cNvCxnSpPr>
+          <p:nvPr/>
+        </p:nvCxnSpPr>
+        <p:spPr>
+          <a:xfrm flipV="1">
+            <a:off x="6388648" y="3021024"/>
+            <a:ext cx="1296273" cy="996561"/>
+          </a:xfrm>
+          <a:prstGeom prst="straightConnector1">
+            <a:avLst/>
+          </a:prstGeom>
+          <a:ln>
+            <a:solidFill>
+              <a:schemeClr val="tx1"/>
+            </a:solidFill>
+            <a:tailEnd type="triangle"/>
+          </a:ln>
+        </p:spPr>
+        <p:style>
+          <a:lnRef idx="3">
+            <a:schemeClr val="dk1"/>
+          </a:lnRef>
+          <a:fillRef idx="0">
+            <a:schemeClr val="dk1"/>
+          </a:fillRef>
+          <a:effectRef idx="2">
+            <a:schemeClr val="dk1"/>
+          </a:effectRef>
+          <a:fontRef idx="minor">
+            <a:schemeClr val="tx1"/>
+          </a:fontRef>
+        </p:style>
+      </p:cxnSp>
+      <p:sp>
+        <p:nvSpPr>
+          <p:cNvPr id="22" name="CaixaDeTexto 21">
+            <a:extLst>
+              <a:ext uri="{FF2B5EF4-FFF2-40B4-BE49-F238E27FC236}">
+                <a16:creationId xmlns:a16="http://schemas.microsoft.com/office/drawing/2014/main" id="{405868B1-FE7F-402E-91A9-77BB918A4E96}"/>
+              </a:ext>
+            </a:extLst>
+          </p:cNvPr>
+          <p:cNvSpPr txBox="1"/>
+          <p:nvPr/>
+        </p:nvSpPr>
+        <p:spPr>
+          <a:xfrm>
+            <a:off x="4176199" y="3690409"/>
+            <a:ext cx="1283640" cy="369332"/>
+          </a:xfrm>
+          <a:prstGeom prst="rect">
+            <a:avLst/>
+          </a:prstGeom>
+          <a:noFill/>
+        </p:spPr>
+        <p:txBody>
+          <a:bodyPr wrap="square" rtlCol="0">
+            <a:spAutoFit/>
+          </a:bodyPr>
+          <a:lstStyle/>
+          <a:p>
+            <a:r>
+              <a:rPr lang="pt-BR" dirty="0">
+                <a:latin typeface="Courier New" panose="02070309020205020404" pitchFamily="49" charset="0"/>
+                <a:cs typeface="Courier New" panose="02070309020205020404" pitchFamily="49" charset="0"/>
+              </a:rPr>
+              <a:t>Login</a:t>
+            </a:r>
+            <a:endParaRPr lang="en-US" dirty="0">
+              <a:latin typeface="Courier New" panose="02070309020205020404" pitchFamily="49" charset="0"/>
+              <a:cs typeface="Courier New" panose="02070309020205020404" pitchFamily="49" charset="0"/>
+            </a:endParaRPr>
+          </a:p>
+        </p:txBody>
+      </p:sp>
+      <p:cxnSp>
+        <p:nvCxnSpPr>
+          <p:cNvPr id="24" name="Conector de Seta Reta 23">
+            <a:extLst>
+              <a:ext uri="{FF2B5EF4-FFF2-40B4-BE49-F238E27FC236}">
+                <a16:creationId xmlns:a16="http://schemas.microsoft.com/office/drawing/2014/main" id="{3B642411-9E27-42C7-9158-A0011B163D8B}"/>
+              </a:ext>
+            </a:extLst>
+          </p:cNvPr>
+          <p:cNvCxnSpPr>
+            <a:cxnSpLocks/>
+          </p:cNvCxnSpPr>
+          <p:nvPr/>
+        </p:nvCxnSpPr>
+        <p:spPr>
+          <a:xfrm>
+            <a:off x="2189073" y="5033763"/>
+            <a:ext cx="3467825" cy="0"/>
+          </a:xfrm>
+          <a:prstGeom prst="straightConnector1">
+            <a:avLst/>
+          </a:prstGeom>
+          <a:ln>
+            <a:solidFill>
+              <a:schemeClr val="tx1"/>
+            </a:solidFill>
+            <a:tailEnd type="triangle"/>
+          </a:ln>
+        </p:spPr>
+        <p:style>
+          <a:lnRef idx="3">
+            <a:schemeClr val="dk1"/>
+          </a:lnRef>
+          <a:fillRef idx="0">
+            <a:schemeClr val="dk1"/>
+          </a:fillRef>
+          <a:effectRef idx="2">
+            <a:schemeClr val="dk1"/>
+          </a:effectRef>
+          <a:fontRef idx="minor">
+            <a:schemeClr val="tx1"/>
+          </a:fontRef>
+        </p:style>
+      </p:cxnSp>
+      <p:cxnSp>
+        <p:nvCxnSpPr>
+          <p:cNvPr id="8" name="Conector: Angulado 7">
+            <a:extLst>
+              <a:ext uri="{FF2B5EF4-FFF2-40B4-BE49-F238E27FC236}">
+                <a16:creationId xmlns:a16="http://schemas.microsoft.com/office/drawing/2014/main" id="{FA8974CC-8B4F-4679-8228-EA2B66804C0B}"/>
+              </a:ext>
+            </a:extLst>
+          </p:cNvPr>
+          <p:cNvCxnSpPr>
+            <a:cxnSpLocks/>
+          </p:cNvCxnSpPr>
+          <p:nvPr/>
+        </p:nvCxnSpPr>
+        <p:spPr>
+          <a:xfrm>
+            <a:off x="1518884" y="4108510"/>
+            <a:ext cx="1340378" cy="925253"/>
+          </a:xfrm>
+          <a:prstGeom prst="bentConnector3">
+            <a:avLst/>
+          </a:prstGeom>
+          <a:ln>
+            <a:solidFill>
+              <a:schemeClr val="tx1"/>
+            </a:solidFill>
+          </a:ln>
+        </p:spPr>
+        <p:style>
+          <a:lnRef idx="3">
+            <a:schemeClr val="dk1"/>
+          </a:lnRef>
+          <a:fillRef idx="0">
+            <a:schemeClr val="dk1"/>
+          </a:fillRef>
+          <a:effectRef idx="2">
+            <a:schemeClr val="dk1"/>
+          </a:effectRef>
+          <a:fontRef idx="minor">
+            <a:schemeClr val="tx1"/>
+          </a:fontRef>
+        </p:style>
+      </p:cxnSp>
+      <p:pic>
+        <p:nvPicPr>
+          <p:cNvPr id="4" name="Imagem 3">
+            <a:extLst>
+              <a:ext uri="{FF2B5EF4-FFF2-40B4-BE49-F238E27FC236}">
+                <a16:creationId xmlns:a16="http://schemas.microsoft.com/office/drawing/2014/main" id="{2CB638F6-E231-45EA-AAD3-4ABBA567D338}"/>
+              </a:ext>
+            </a:extLst>
+          </p:cNvPr>
+          <p:cNvPicPr>
+            <a:picLocks noChangeAspect="1"/>
+          </p:cNvPicPr>
+          <p:nvPr/>
+        </p:nvPicPr>
+        <p:blipFill>
+          <a:blip r:embed="rId5"/>
+          <a:stretch>
+            <a:fillRect/>
+          </a:stretch>
+        </p:blipFill>
+        <p:spPr>
+          <a:xfrm>
+            <a:off x="872275" y="3484003"/>
+            <a:ext cx="1120403" cy="1120403"/>
+          </a:xfrm>
+          <a:prstGeom prst="rect">
+            <a:avLst/>
+          </a:prstGeom>
+        </p:spPr>
+      </p:pic>
+      <p:pic>
+        <p:nvPicPr>
+          <p:cNvPr id="35" name="Imagem 34">
+            <a:extLst>
+              <a:ext uri="{FF2B5EF4-FFF2-40B4-BE49-F238E27FC236}">
+                <a16:creationId xmlns:a16="http://schemas.microsoft.com/office/drawing/2014/main" id="{D9240033-BFB4-48F9-B2C6-4B623D0F2C02}"/>
+              </a:ext>
+            </a:extLst>
+          </p:cNvPr>
+          <p:cNvPicPr>
+            <a:picLocks noChangeAspect="1"/>
+          </p:cNvPicPr>
+          <p:nvPr/>
+        </p:nvPicPr>
+        <p:blipFill>
+          <a:blip r:embed="rId4">
+            <a:lum bright="70000" contrast="-70000"/>
+          </a:blip>
+          <a:stretch>
+            <a:fillRect/>
+          </a:stretch>
+        </p:blipFill>
+        <p:spPr>
+          <a:xfrm>
+            <a:off x="5136953" y="3442273"/>
+            <a:ext cx="1080813" cy="1080813"/>
+          </a:xfrm>
+          <a:prstGeom prst="rect">
+            <a:avLst/>
+          </a:prstGeom>
+        </p:spPr>
+      </p:pic>
+      <p:sp>
+        <p:nvSpPr>
+          <p:cNvPr id="11" name="CaixaDeTexto 10">
+            <a:extLst>
+              <a:ext uri="{FF2B5EF4-FFF2-40B4-BE49-F238E27FC236}">
+                <a16:creationId xmlns:a16="http://schemas.microsoft.com/office/drawing/2014/main" id="{335454C7-0561-403E-B6A7-E5025CEA67FE}"/>
+              </a:ext>
+            </a:extLst>
+          </p:cNvPr>
+          <p:cNvSpPr txBox="1"/>
+          <p:nvPr/>
+        </p:nvSpPr>
+        <p:spPr>
+          <a:xfrm>
+            <a:off x="3192820" y="5195358"/>
+            <a:ext cx="1944133" cy="369332"/>
+          </a:xfrm>
+          <a:prstGeom prst="rect">
+            <a:avLst/>
+          </a:prstGeom>
+          <a:noFill/>
+        </p:spPr>
+        <p:txBody>
+          <a:bodyPr wrap="square" rtlCol="0">
+            <a:spAutoFit/>
+          </a:bodyPr>
+          <a:lstStyle/>
+          <a:p>
+            <a:r>
+              <a:rPr lang="pt-BR" dirty="0">
+                <a:latin typeface="Courier New" panose="02070309020205020404" pitchFamily="49" charset="0"/>
+                <a:cs typeface="Courier New" panose="02070309020205020404" pitchFamily="49" charset="0"/>
+              </a:rPr>
+              <a:t>Cadastrado</a:t>
+            </a:r>
+            <a:endParaRPr lang="en-US" dirty="0">
+              <a:latin typeface="Courier New" panose="02070309020205020404" pitchFamily="49" charset="0"/>
+              <a:cs typeface="Courier New" panose="02070309020205020404" pitchFamily="49" charset="0"/>
+            </a:endParaRPr>
+          </a:p>
+        </p:txBody>
+      </p:sp>
+      <p:cxnSp>
+        <p:nvCxnSpPr>
+          <p:cNvPr id="27" name="Conector de Seta Reta 26">
+            <a:extLst>
+              <a:ext uri="{FF2B5EF4-FFF2-40B4-BE49-F238E27FC236}">
+                <a16:creationId xmlns:a16="http://schemas.microsoft.com/office/drawing/2014/main" id="{5499E442-53C9-466C-BCE9-00C2438C38BD}"/>
+              </a:ext>
+            </a:extLst>
+          </p:cNvPr>
+          <p:cNvCxnSpPr>
+            <a:cxnSpLocks/>
+          </p:cNvCxnSpPr>
+          <p:nvPr/>
+        </p:nvCxnSpPr>
+        <p:spPr>
+          <a:xfrm flipV="1">
+            <a:off x="5656898" y="4604406"/>
+            <a:ext cx="0" cy="429358"/>
+          </a:xfrm>
+          <a:prstGeom prst="straightConnector1">
+            <a:avLst/>
+          </a:prstGeom>
+          <a:ln>
+            <a:solidFill>
+              <a:schemeClr val="tx1"/>
+            </a:solidFill>
+            <a:tailEnd type="triangle"/>
+          </a:ln>
+        </p:spPr>
+        <p:style>
+          <a:lnRef idx="3">
+            <a:schemeClr val="dk1"/>
+          </a:lnRef>
+          <a:fillRef idx="0">
+            <a:schemeClr val="dk1"/>
+          </a:fillRef>
+          <a:effectRef idx="2">
+            <a:schemeClr val="dk1"/>
+          </a:effectRef>
+          <a:fontRef idx="minor">
+            <a:schemeClr val="tx1"/>
+          </a:fontRef>
+        </p:style>
+      </p:cxnSp>
+      <p:cxnSp>
+        <p:nvCxnSpPr>
+          <p:cNvPr id="34" name="Conector de Seta Reta 33">
+            <a:extLst>
+              <a:ext uri="{FF2B5EF4-FFF2-40B4-BE49-F238E27FC236}">
+                <a16:creationId xmlns:a16="http://schemas.microsoft.com/office/drawing/2014/main" id="{EB0E9949-8D30-4C62-8B07-9BBD29A9AA07}"/>
+              </a:ext>
+            </a:extLst>
+          </p:cNvPr>
+          <p:cNvCxnSpPr>
+            <a:cxnSpLocks/>
+          </p:cNvCxnSpPr>
+          <p:nvPr/>
+        </p:nvCxnSpPr>
+        <p:spPr>
+          <a:xfrm flipV="1">
+            <a:off x="6388648" y="4159381"/>
+            <a:ext cx="1686377" cy="12406"/>
+          </a:xfrm>
+          <a:prstGeom prst="straightConnector1">
+            <a:avLst/>
+          </a:prstGeom>
+          <a:ln>
+            <a:solidFill>
+              <a:schemeClr val="tx1"/>
+            </a:solidFill>
+            <a:tailEnd type="triangle"/>
+          </a:ln>
+        </p:spPr>
+        <p:style>
+          <a:lnRef idx="3">
+            <a:schemeClr val="dk1"/>
+          </a:lnRef>
+          <a:fillRef idx="0">
+            <a:schemeClr val="dk1"/>
+          </a:fillRef>
+          <a:effectRef idx="2">
+            <a:schemeClr val="dk1"/>
+          </a:effectRef>
+          <a:fontRef idx="minor">
+            <a:schemeClr val="tx1"/>
+          </a:fontRef>
+        </p:style>
+      </p:cxnSp>
+      <p:cxnSp>
+        <p:nvCxnSpPr>
+          <p:cNvPr id="36" name="Conector de Seta Reta 35">
+            <a:extLst>
+              <a:ext uri="{FF2B5EF4-FFF2-40B4-BE49-F238E27FC236}">
+                <a16:creationId xmlns:a16="http://schemas.microsoft.com/office/drawing/2014/main" id="{A22F68C2-3F09-4509-AF24-4858D837F9CE}"/>
+              </a:ext>
+            </a:extLst>
+          </p:cNvPr>
+          <p:cNvCxnSpPr>
+            <a:cxnSpLocks/>
+          </p:cNvCxnSpPr>
+          <p:nvPr/>
+        </p:nvCxnSpPr>
+        <p:spPr>
+          <a:xfrm>
+            <a:off x="6388648" y="4348667"/>
+            <a:ext cx="1367295" cy="846691"/>
+          </a:xfrm>
+          <a:prstGeom prst="straightConnector1">
+            <a:avLst/>
+          </a:prstGeom>
+          <a:ln>
+            <a:solidFill>
+              <a:schemeClr val="tx1"/>
+            </a:solidFill>
+            <a:tailEnd type="triangle"/>
+          </a:ln>
+        </p:spPr>
+        <p:style>
+          <a:lnRef idx="3">
+            <a:schemeClr val="dk1"/>
+          </a:lnRef>
+          <a:fillRef idx="0">
+            <a:schemeClr val="dk1"/>
+          </a:fillRef>
+          <a:effectRef idx="2">
+            <a:schemeClr val="dk1"/>
+          </a:effectRef>
+          <a:fontRef idx="minor">
+            <a:schemeClr val="tx1"/>
+          </a:fontRef>
+        </p:style>
+      </p:cxnSp>
+      <p:sp>
+        <p:nvSpPr>
+          <p:cNvPr id="41" name="CaixaDeTexto 40">
+            <a:extLst>
+              <a:ext uri="{FF2B5EF4-FFF2-40B4-BE49-F238E27FC236}">
+                <a16:creationId xmlns:a16="http://schemas.microsoft.com/office/drawing/2014/main" id="{B5C986FA-32D9-4D62-A10B-990C393F1937}"/>
+              </a:ext>
+            </a:extLst>
+          </p:cNvPr>
+          <p:cNvSpPr txBox="1"/>
+          <p:nvPr/>
+        </p:nvSpPr>
+        <p:spPr>
+          <a:xfrm>
+            <a:off x="7828280" y="5181732"/>
+            <a:ext cx="2358715" cy="461665"/>
+          </a:xfrm>
+          <a:prstGeom prst="rect">
+            <a:avLst/>
+          </a:prstGeom>
+          <a:noFill/>
+        </p:spPr>
+        <p:txBody>
+          <a:bodyPr wrap="square" rtlCol="0">
+            <a:spAutoFit/>
+          </a:bodyPr>
+          <a:lstStyle/>
+          <a:p>
+            <a:r>
+              <a:rPr lang="pt-BR" sz="2400" dirty="0">
+                <a:latin typeface="Courier New" panose="02070309020205020404" pitchFamily="49" charset="0"/>
+                <a:cs typeface="Courier New" panose="02070309020205020404" pitchFamily="49" charset="0"/>
+              </a:rPr>
+              <a:t>Exercícios</a:t>
+            </a:r>
+            <a:endParaRPr lang="en-US" sz="2400" dirty="0">
+              <a:latin typeface="Courier New" panose="02070309020205020404" pitchFamily="49" charset="0"/>
+              <a:cs typeface="Courier New" panose="02070309020205020404" pitchFamily="49" charset="0"/>
+            </a:endParaRPr>
+          </a:p>
+        </p:txBody>
+      </p:sp>
+      <p:sp>
+        <p:nvSpPr>
+          <p:cNvPr id="42" name="CaixaDeTexto 41">
+            <a:extLst>
+              <a:ext uri="{FF2B5EF4-FFF2-40B4-BE49-F238E27FC236}">
+                <a16:creationId xmlns:a16="http://schemas.microsoft.com/office/drawing/2014/main" id="{4E61B3AD-5B9B-401E-A254-FB146C8A020A}"/>
+              </a:ext>
+            </a:extLst>
+          </p:cNvPr>
+          <p:cNvSpPr txBox="1"/>
+          <p:nvPr/>
+        </p:nvSpPr>
+        <p:spPr>
+          <a:xfrm>
+            <a:off x="8132598" y="3881330"/>
+            <a:ext cx="3391806" cy="461665"/>
+          </a:xfrm>
+          <a:prstGeom prst="rect">
+            <a:avLst/>
+          </a:prstGeom>
+          <a:noFill/>
+        </p:spPr>
+        <p:txBody>
+          <a:bodyPr wrap="square" rtlCol="0">
+            <a:spAutoFit/>
+          </a:bodyPr>
+          <a:lstStyle/>
+          <a:p>
+            <a:r>
+              <a:rPr lang="pt-BR" sz="2400" dirty="0">
+                <a:latin typeface="Courier New" panose="02070309020205020404" pitchFamily="49" charset="0"/>
+                <a:cs typeface="Courier New" panose="02070309020205020404" pitchFamily="49" charset="0"/>
+              </a:rPr>
+              <a:t>Consultar Ranking</a:t>
+            </a:r>
+            <a:endParaRPr lang="en-US" sz="2400" dirty="0">
+              <a:latin typeface="Courier New" panose="02070309020205020404" pitchFamily="49" charset="0"/>
+              <a:cs typeface="Courier New" panose="02070309020205020404" pitchFamily="49" charset="0"/>
+            </a:endParaRPr>
+          </a:p>
+        </p:txBody>
+      </p:sp>
+      <p:sp>
+        <p:nvSpPr>
+          <p:cNvPr id="43" name="CaixaDeTexto 42">
+            <a:extLst>
+              <a:ext uri="{FF2B5EF4-FFF2-40B4-BE49-F238E27FC236}">
+                <a16:creationId xmlns:a16="http://schemas.microsoft.com/office/drawing/2014/main" id="{23B9B82E-529A-42AE-978D-855A9AF5A86B}"/>
+              </a:ext>
+            </a:extLst>
+          </p:cNvPr>
+          <p:cNvSpPr txBox="1"/>
+          <p:nvPr/>
+        </p:nvSpPr>
+        <p:spPr>
+          <a:xfrm>
+            <a:off x="7828280" y="2634750"/>
+            <a:ext cx="1283640" cy="461665"/>
+          </a:xfrm>
+          <a:prstGeom prst="rect">
+            <a:avLst/>
+          </a:prstGeom>
+          <a:noFill/>
+        </p:spPr>
+        <p:txBody>
+          <a:bodyPr wrap="square" rtlCol="0">
+            <a:spAutoFit/>
+          </a:bodyPr>
+          <a:lstStyle/>
+          <a:p>
+            <a:r>
+              <a:rPr lang="pt-BR" sz="2400" dirty="0">
+                <a:latin typeface="Courier New" panose="02070309020205020404" pitchFamily="49" charset="0"/>
+                <a:cs typeface="Courier New" panose="02070309020205020404" pitchFamily="49" charset="0"/>
+              </a:rPr>
+              <a:t>Jogar</a:t>
+            </a:r>
+            <a:endParaRPr lang="en-US" sz="2400" dirty="0">
+              <a:latin typeface="Courier New" panose="02070309020205020404" pitchFamily="49" charset="0"/>
+              <a:cs typeface="Courier New" panose="02070309020205020404" pitchFamily="49" charset="0"/>
+            </a:endParaRPr>
+          </a:p>
+        </p:txBody>
+      </p:sp>
+      <p:sp>
+        <p:nvSpPr>
+          <p:cNvPr id="46" name="Título 1">
+            <a:extLst>
+              <a:ext uri="{FF2B5EF4-FFF2-40B4-BE49-F238E27FC236}">
+                <a16:creationId xmlns:a16="http://schemas.microsoft.com/office/drawing/2014/main" id="{216E02B7-CD22-4AF9-BAAD-4FE3CEC5483F}"/>
+              </a:ext>
+            </a:extLst>
+          </p:cNvPr>
+          <p:cNvSpPr txBox="1">
+            <a:spLocks/>
+          </p:cNvSpPr>
+          <p:nvPr/>
+        </p:nvSpPr>
+        <p:spPr bwMode="gray">
+          <a:xfrm>
+            <a:off x="741155" y="737366"/>
+            <a:ext cx="9294920" cy="690983"/>
+          </a:xfrm>
+          <a:prstGeom prst="rect">
+            <a:avLst/>
+          </a:prstGeom>
+        </p:spPr>
+        <p:txBody>
+          <a:bodyPr vert="horz" lIns="91440" tIns="45720" rIns="91440" bIns="45720" rtlCol="0" anchor="t">
+            <a:noAutofit/>
+          </a:bodyPr>
+          <a:lstStyle>
+            <a:lvl1pPr algn="l" defTabSz="457200" rtl="0" eaLnBrk="1" latinLnBrk="0" hangingPunct="1">
+              <a:spcBef>
+                <a:spcPct val="0"/>
+              </a:spcBef>
+              <a:buNone/>
+              <a:defRPr sz="5400" b="0" i="0" kern="1200">
+                <a:solidFill>
+                  <a:schemeClr val="bg2"/>
+                </a:solidFill>
+                <a:latin typeface="+mj-lt"/>
+                <a:ea typeface="+mj-ea"/>
+                <a:cs typeface="+mj-cs"/>
+              </a:defRPr>
+            </a:lvl1pPr>
+            <a:lvl2pPr eaLnBrk="1" hangingPunct="1">
+              <a:defRPr>
+                <a:solidFill>
+                  <a:schemeClr val="tx2"/>
+                </a:solidFill>
+              </a:defRPr>
+            </a:lvl2pPr>
+            <a:lvl3pPr eaLnBrk="1" hangingPunct="1">
+              <a:defRPr>
+                <a:solidFill>
+                  <a:schemeClr val="tx2"/>
+                </a:solidFill>
+              </a:defRPr>
+            </a:lvl3pPr>
+            <a:lvl4pPr eaLnBrk="1" hangingPunct="1">
+              <a:defRPr>
+                <a:solidFill>
+                  <a:schemeClr val="tx2"/>
+                </a:solidFill>
+              </a:defRPr>
+            </a:lvl4pPr>
+            <a:lvl5pPr eaLnBrk="1" hangingPunct="1">
+              <a:defRPr>
+                <a:solidFill>
+                  <a:schemeClr val="tx2"/>
+                </a:solidFill>
+              </a:defRPr>
+            </a:lvl5pPr>
+            <a:lvl6pPr eaLnBrk="1" hangingPunct="1">
+              <a:defRPr>
+                <a:solidFill>
+                  <a:schemeClr val="tx2"/>
+                </a:solidFill>
+              </a:defRPr>
+            </a:lvl6pPr>
+            <a:lvl7pPr eaLnBrk="1" hangingPunct="1">
+              <a:defRPr>
+                <a:solidFill>
+                  <a:schemeClr val="tx2"/>
+                </a:solidFill>
+              </a:defRPr>
+            </a:lvl7pPr>
+            <a:lvl8pPr eaLnBrk="1" hangingPunct="1">
+              <a:defRPr>
+                <a:solidFill>
+                  <a:schemeClr val="tx2"/>
+                </a:solidFill>
+              </a:defRPr>
+            </a:lvl8pPr>
+            <a:lvl9pPr eaLnBrk="1" hangingPunct="1">
+              <a:defRPr>
+                <a:solidFill>
+                  <a:schemeClr val="tx2"/>
+                </a:solidFill>
+              </a:defRPr>
+            </a:lvl9pPr>
+          </a:lstStyle>
+          <a:p>
+            <a:r>
+              <a:rPr lang="pt-BR" sz="4800" b="1" dirty="0">
+                <a:solidFill>
+                  <a:schemeClr val="tx1"/>
+                </a:solidFill>
+                <a:latin typeface="Courier New" panose="02070309020205020404" pitchFamily="49" charset="0"/>
+                <a:cs typeface="Courier New" panose="02070309020205020404" pitchFamily="49" charset="0"/>
+              </a:rPr>
+              <a:t>//Engenharia Software</a:t>
+            </a:r>
+          </a:p>
+          <a:p>
+            <a:endParaRPr lang="pt-BR" sz="1600" b="1" dirty="0">
+              <a:solidFill>
+                <a:schemeClr val="tx1"/>
+              </a:solidFill>
+              <a:latin typeface="Courier New" panose="02070309020205020404" pitchFamily="49" charset="0"/>
+              <a:cs typeface="Courier New" panose="02070309020205020404" pitchFamily="49" charset="0"/>
+            </a:endParaRPr>
+          </a:p>
+          <a:p>
+            <a:r>
+              <a:rPr lang="pt-BR" sz="3200" b="1" dirty="0">
+                <a:solidFill>
+                  <a:schemeClr val="tx1"/>
+                </a:solidFill>
+                <a:latin typeface="Courier New" panose="02070309020205020404" pitchFamily="49" charset="0"/>
+                <a:cs typeface="Courier New" panose="02070309020205020404" pitchFamily="49" charset="0"/>
+              </a:rPr>
+              <a:t>Diagrama de Caso de Uso</a:t>
+            </a:r>
+            <a:endParaRPr lang="en-US" sz="3200" b="1" dirty="0">
+              <a:solidFill>
+                <a:schemeClr val="tx1"/>
+              </a:solidFill>
+              <a:latin typeface="Courier New" panose="02070309020205020404" pitchFamily="49" charset="0"/>
+              <a:cs typeface="Courier New" panose="02070309020205020404" pitchFamily="49" charset="0"/>
+            </a:endParaRPr>
+          </a:p>
+        </p:txBody>
+      </p:sp>
+    </p:spTree>
+    <p:extLst>
+      <p:ext uri="{BB962C8B-B14F-4D97-AF65-F5344CB8AC3E}">
+        <p14:creationId xmlns:p14="http://schemas.microsoft.com/office/powerpoint/2010/main" val="1694550833"/>
+      </p:ext>
+    </p:extLst>
+  </p:cSld>
+  <p:clrMapOvr>
+    <a:overrideClrMapping bg1="dk1" tx1="lt1" bg2="dk2" tx2="lt2" accent1="accent1" accent2="accent2" accent3="accent3" accent4="accent4" accent5="accent5" accent6="accent6" hlink="hlink" folHlink="folHlink"/>
+  </p:clrMapOvr>
+</p:sld>
+</file>
+
+<file path=ppt/slides/slide7.xml><?xml version="1.0" encoding="utf-8"?>
 <p:sld xmlns:a="http://schemas.openxmlformats.org/drawingml/2006/main" xmlns:r="http://schemas.openxmlformats.org/officeDocument/2006/relationships" xmlns:p="http://schemas.openxmlformats.org/presentationml/2006/main">
   <p:cSld>
     <p:spTree>
@@ -14673,504 +19646,6 @@
 </p:sld>
 </file>
 
-<file path=ppt/slides/slide6.xml><?xml version="1.0" encoding="utf-8"?>
-<p:sld xmlns:a="http://schemas.openxmlformats.org/drawingml/2006/main" xmlns:r="http://schemas.openxmlformats.org/officeDocument/2006/relationships" xmlns:p="http://schemas.openxmlformats.org/presentationml/2006/main">
-  <p:cSld>
-    <p:spTree>
-      <p:nvGrpSpPr>
-        <p:cNvPr id="1" name=""/>
-        <p:cNvGrpSpPr/>
-        <p:nvPr/>
-      </p:nvGrpSpPr>
-      <p:grpSpPr>
-        <a:xfrm>
-          <a:off x="0" y="0"/>
-          <a:ext cx="0" cy="0"/>
-          <a:chOff x="0" y="0"/>
-          <a:chExt cx="0" cy="0"/>
-        </a:xfrm>
-      </p:grpSpPr>
-      <p:sp>
-        <p:nvSpPr>
-          <p:cNvPr id="2" name="Título 1">
-            <a:extLst>
-              <a:ext uri="{FF2B5EF4-FFF2-40B4-BE49-F238E27FC236}">
-                <a16:creationId xmlns:a16="http://schemas.microsoft.com/office/drawing/2014/main" id="{6A91E726-E2E5-410E-BD7B-798D9DB5DC85}"/>
-              </a:ext>
-            </a:extLst>
-          </p:cNvPr>
-          <p:cNvSpPr>
-            <a:spLocks noGrp="1"/>
-          </p:cNvSpPr>
-          <p:nvPr>
-            <p:ph type="ctrTitle"/>
-          </p:nvPr>
-        </p:nvSpPr>
-        <p:spPr>
-          <a:xfrm>
-            <a:off x="736847" y="711942"/>
-            <a:ext cx="9294920" cy="690983"/>
-          </a:xfrm>
-        </p:spPr>
-        <p:txBody>
-          <a:bodyPr anchor="t"/>
-          <a:lstStyle/>
-          <a:p>
-            <a:r>
-              <a:rPr lang="pt-BR" sz="4800" b="1" dirty="0">
-                <a:latin typeface="Courier New" panose="02070309020205020404" pitchFamily="49" charset="0"/>
-                <a:cs typeface="Courier New" panose="02070309020205020404" pitchFamily="49" charset="0"/>
-              </a:rPr>
-              <a:t>//Engenharia Software</a:t>
-            </a:r>
-            <a:br>
-              <a:rPr lang="pt-BR" sz="4800" b="1" dirty="0">
-                <a:latin typeface="Courier New" panose="02070309020205020404" pitchFamily="49" charset="0"/>
-                <a:cs typeface="Courier New" panose="02070309020205020404" pitchFamily="49" charset="0"/>
-              </a:rPr>
-            </a:br>
-            <a:r>
-              <a:rPr lang="pt-BR" sz="4800" b="1" dirty="0">
-                <a:latin typeface="Courier New" panose="02070309020205020404" pitchFamily="49" charset="0"/>
-                <a:cs typeface="Courier New" panose="02070309020205020404" pitchFamily="49" charset="0"/>
-              </a:rPr>
-              <a:t>	</a:t>
-            </a:r>
-            <a:endParaRPr lang="en-US" sz="4800" b="1" dirty="0">
-              <a:latin typeface="Courier New" panose="02070309020205020404" pitchFamily="49" charset="0"/>
-              <a:cs typeface="Courier New" panose="02070309020205020404" pitchFamily="49" charset="0"/>
-            </a:endParaRPr>
-          </a:p>
-        </p:txBody>
-      </p:sp>
-      <p:pic>
-        <p:nvPicPr>
-          <p:cNvPr id="5" name="Imagem 4">
-            <a:extLst>
-              <a:ext uri="{FF2B5EF4-FFF2-40B4-BE49-F238E27FC236}">
-                <a16:creationId xmlns:a16="http://schemas.microsoft.com/office/drawing/2014/main" id="{9BF7BFA3-66E1-4DC5-AD54-D4D46AD07568}"/>
-              </a:ext>
-            </a:extLst>
-          </p:cNvPr>
-          <p:cNvPicPr>
-            <a:picLocks noChangeAspect="1"/>
-          </p:cNvPicPr>
-          <p:nvPr/>
-        </p:nvPicPr>
-        <p:blipFill>
-          <a:blip r:embed="rId2"/>
-          <a:stretch>
-            <a:fillRect/>
-          </a:stretch>
-        </p:blipFill>
-        <p:spPr>
-          <a:xfrm>
-            <a:off x="10534650" y="366451"/>
-            <a:ext cx="523995" cy="690983"/>
-          </a:xfrm>
-          <a:prstGeom prst="rect">
-            <a:avLst/>
-          </a:prstGeom>
-        </p:spPr>
-      </p:pic>
-      <p:sp>
-        <p:nvSpPr>
-          <p:cNvPr id="3" name="CaixaDeTexto 2">
-            <a:extLst>
-              <a:ext uri="{FF2B5EF4-FFF2-40B4-BE49-F238E27FC236}">
-                <a16:creationId xmlns:a16="http://schemas.microsoft.com/office/drawing/2014/main" id="{B8F912C2-3453-4957-AB52-D21C1EA8DEF9}"/>
-              </a:ext>
-            </a:extLst>
-          </p:cNvPr>
-          <p:cNvSpPr txBox="1"/>
-          <p:nvPr/>
-        </p:nvSpPr>
-        <p:spPr>
-          <a:xfrm>
-            <a:off x="1654250" y="2201981"/>
-            <a:ext cx="6202441" cy="6124754"/>
-          </a:xfrm>
-          <a:prstGeom prst="rect">
-            <a:avLst/>
-          </a:prstGeom>
-          <a:noFill/>
-        </p:spPr>
-        <p:txBody>
-          <a:bodyPr wrap="square" rtlCol="0">
-            <a:spAutoFit/>
-          </a:bodyPr>
-          <a:lstStyle/>
-          <a:p>
-            <a:r>
-              <a:rPr lang="pt-BR" sz="2800" dirty="0">
-                <a:solidFill>
-                  <a:schemeClr val="bg1"/>
-                </a:solidFill>
-                <a:latin typeface="Courier New" panose="02070309020205020404" pitchFamily="49" charset="0"/>
-                <a:cs typeface="Courier New" panose="02070309020205020404" pitchFamily="49" charset="0"/>
-              </a:rPr>
-              <a:t>PROTOTIPAÇÃO – </a:t>
-            </a:r>
-            <a:r>
-              <a:rPr lang="pt-BR" sz="2800" dirty="0" err="1">
-                <a:solidFill>
-                  <a:schemeClr val="bg1"/>
-                </a:solidFill>
-                <a:latin typeface="Courier New" panose="02070309020205020404" pitchFamily="49" charset="0"/>
-                <a:cs typeface="Courier New" panose="02070309020205020404" pitchFamily="49" charset="0"/>
-              </a:rPr>
-              <a:t>Versão_Final</a:t>
-            </a:r>
-            <a:endParaRPr lang="pt-BR" sz="2800" dirty="0">
-              <a:solidFill>
-                <a:schemeClr val="bg1"/>
-              </a:solidFill>
-              <a:latin typeface="Courier New" panose="02070309020205020404" pitchFamily="49" charset="0"/>
-              <a:cs typeface="Courier New" panose="02070309020205020404" pitchFamily="49" charset="0"/>
-            </a:endParaRPr>
-          </a:p>
-          <a:p>
-            <a:pPr marL="457200" indent="-457200">
-              <a:buFont typeface="Arial" panose="020B0604020202020204" pitchFamily="34" charset="0"/>
-              <a:buChar char="•"/>
-            </a:pPr>
-            <a:endParaRPr lang="pt-BR" sz="2800" dirty="0">
-              <a:solidFill>
-                <a:schemeClr val="bg1"/>
-              </a:solidFill>
-              <a:latin typeface="Courier New" panose="02070309020205020404" pitchFamily="49" charset="0"/>
-              <a:cs typeface="Courier New" panose="02070309020205020404" pitchFamily="49" charset="0"/>
-            </a:endParaRPr>
-          </a:p>
-          <a:p>
-            <a:pPr marL="457200" indent="-457200">
-              <a:buFont typeface="Arial" panose="020B0604020202020204" pitchFamily="34" charset="0"/>
-              <a:buChar char="•"/>
-            </a:pPr>
-            <a:r>
-              <a:rPr lang="pt-BR" sz="2800" dirty="0">
-                <a:solidFill>
-                  <a:schemeClr val="bg1"/>
-                </a:solidFill>
-                <a:latin typeface="Courier New" panose="02070309020205020404" pitchFamily="49" charset="0"/>
-                <a:cs typeface="Courier New" panose="02070309020205020404" pitchFamily="49" charset="0"/>
-              </a:rPr>
-              <a:t>Design Clean</a:t>
-            </a:r>
-          </a:p>
-          <a:p>
-            <a:pPr marL="457200" indent="-457200">
-              <a:buFont typeface="Arial" panose="020B0604020202020204" pitchFamily="34" charset="0"/>
-              <a:buChar char="•"/>
-            </a:pPr>
-            <a:r>
-              <a:rPr lang="pt-BR" sz="2800" dirty="0">
-                <a:solidFill>
-                  <a:schemeClr val="bg1"/>
-                </a:solidFill>
-                <a:latin typeface="Courier New" panose="02070309020205020404" pitchFamily="49" charset="0"/>
-                <a:cs typeface="Courier New" panose="02070309020205020404" pitchFamily="49" charset="0"/>
-              </a:rPr>
-              <a:t>Visual Retrô</a:t>
-            </a:r>
-          </a:p>
-          <a:p>
-            <a:pPr marL="457200" indent="-457200">
-              <a:buFont typeface="Arial" panose="020B0604020202020204" pitchFamily="34" charset="0"/>
-              <a:buChar char="•"/>
-            </a:pPr>
-            <a:r>
-              <a:rPr lang="pt-BR" sz="2800" dirty="0">
-                <a:solidFill>
-                  <a:schemeClr val="bg1"/>
-                </a:solidFill>
-                <a:latin typeface="Courier New" panose="02070309020205020404" pitchFamily="49" charset="0"/>
-                <a:cs typeface="Courier New" panose="02070309020205020404" pitchFamily="49" charset="0"/>
-              </a:rPr>
-              <a:t>Baseado em jogos anos 90</a:t>
-            </a:r>
-          </a:p>
-          <a:p>
-            <a:pPr marL="457200" indent="-457200">
-              <a:buFont typeface="Arial" panose="020B0604020202020204" pitchFamily="34" charset="0"/>
-              <a:buChar char="•"/>
-            </a:pPr>
-            <a:r>
-              <a:rPr lang="pt-BR" sz="2800" dirty="0" err="1">
-                <a:solidFill>
-                  <a:schemeClr val="bg1"/>
-                </a:solidFill>
-                <a:latin typeface="Courier New" panose="02070309020205020404" pitchFamily="49" charset="0"/>
-                <a:cs typeface="Courier New" panose="02070309020205020404" pitchFamily="49" charset="0"/>
-              </a:rPr>
-              <a:t>Pixelização</a:t>
-            </a:r>
-            <a:endParaRPr lang="pt-BR" sz="2800" dirty="0">
-              <a:solidFill>
-                <a:schemeClr val="bg1"/>
-              </a:solidFill>
-              <a:latin typeface="Courier New" panose="02070309020205020404" pitchFamily="49" charset="0"/>
-              <a:cs typeface="Courier New" panose="02070309020205020404" pitchFamily="49" charset="0"/>
-            </a:endParaRPr>
-          </a:p>
-          <a:p>
-            <a:endParaRPr lang="pt-BR" sz="2800" dirty="0">
-              <a:solidFill>
-                <a:schemeClr val="bg1"/>
-              </a:solidFill>
-              <a:latin typeface="Courier New" panose="02070309020205020404" pitchFamily="49" charset="0"/>
-              <a:cs typeface="Courier New" panose="02070309020205020404" pitchFamily="49" charset="0"/>
-            </a:endParaRPr>
-          </a:p>
-          <a:p>
-            <a:pPr marL="457200" indent="-457200">
-              <a:buFont typeface="Wingdings" panose="05000000000000000000" pitchFamily="2" charset="2"/>
-              <a:buChar char="q"/>
-            </a:pPr>
-            <a:endParaRPr lang="pt-BR" sz="2800" dirty="0">
-              <a:solidFill>
-                <a:schemeClr val="bg1"/>
-              </a:solidFill>
-              <a:latin typeface="Courier New" panose="02070309020205020404" pitchFamily="49" charset="0"/>
-              <a:cs typeface="Courier New" panose="02070309020205020404" pitchFamily="49" charset="0"/>
-            </a:endParaRPr>
-          </a:p>
-          <a:p>
-            <a:pPr marL="914400" lvl="1" indent="-457200">
-              <a:buFont typeface="Wingdings" panose="05000000000000000000" pitchFamily="2" charset="2"/>
-              <a:buChar char="q"/>
-            </a:pPr>
-            <a:endParaRPr lang="pt-BR" sz="2800" dirty="0">
-              <a:solidFill>
-                <a:schemeClr val="bg1"/>
-              </a:solidFill>
-              <a:latin typeface="Courier New" panose="02070309020205020404" pitchFamily="49" charset="0"/>
-              <a:cs typeface="Courier New" panose="02070309020205020404" pitchFamily="49" charset="0"/>
-            </a:endParaRPr>
-          </a:p>
-          <a:p>
-            <a:pPr marL="914400" lvl="1" indent="-457200">
-              <a:buFont typeface="Wingdings" panose="05000000000000000000" pitchFamily="2" charset="2"/>
-              <a:buChar char="q"/>
-            </a:pPr>
-            <a:endParaRPr lang="pt-BR" sz="2800" dirty="0">
-              <a:solidFill>
-                <a:schemeClr val="bg1"/>
-              </a:solidFill>
-              <a:latin typeface="Courier New" panose="02070309020205020404" pitchFamily="49" charset="0"/>
-              <a:cs typeface="Courier New" panose="02070309020205020404" pitchFamily="49" charset="0"/>
-            </a:endParaRPr>
-          </a:p>
-          <a:p>
-            <a:pPr marL="457200" indent="-457200">
-              <a:buFont typeface="Wingdings" panose="05000000000000000000" pitchFamily="2" charset="2"/>
-              <a:buChar char="q"/>
-            </a:pPr>
-            <a:endParaRPr lang="pt-BR" sz="2800" dirty="0">
-              <a:solidFill>
-                <a:schemeClr val="bg1"/>
-              </a:solidFill>
-              <a:latin typeface="Courier New" panose="02070309020205020404" pitchFamily="49" charset="0"/>
-              <a:cs typeface="Courier New" panose="02070309020205020404" pitchFamily="49" charset="0"/>
-            </a:endParaRPr>
-          </a:p>
-          <a:p>
-            <a:pPr marL="914400" lvl="1" indent="-457200">
-              <a:buFont typeface="Wingdings" panose="05000000000000000000" pitchFamily="2" charset="2"/>
-              <a:buChar char="q"/>
-            </a:pPr>
-            <a:endParaRPr lang="pt-BR" sz="2800" dirty="0">
-              <a:solidFill>
-                <a:schemeClr val="bg1"/>
-              </a:solidFill>
-              <a:latin typeface="Courier New" panose="02070309020205020404" pitchFamily="49" charset="0"/>
-              <a:cs typeface="Courier New" panose="02070309020205020404" pitchFamily="49" charset="0"/>
-            </a:endParaRPr>
-          </a:p>
-          <a:p>
-            <a:pPr marL="457200" indent="-457200">
-              <a:buFont typeface="Wingdings" panose="05000000000000000000" pitchFamily="2" charset="2"/>
-              <a:buChar char="q"/>
-            </a:pPr>
-            <a:endParaRPr lang="pt-BR" sz="2800" dirty="0">
-              <a:solidFill>
-                <a:schemeClr val="bg1"/>
-              </a:solidFill>
-              <a:latin typeface="Courier New" panose="02070309020205020404" pitchFamily="49" charset="0"/>
-              <a:cs typeface="Courier New" panose="02070309020205020404" pitchFamily="49" charset="0"/>
-            </a:endParaRPr>
-          </a:p>
-          <a:p>
-            <a:pPr marL="914400" lvl="1" indent="-457200">
-              <a:buFont typeface="Wingdings" panose="05000000000000000000" pitchFamily="2" charset="2"/>
-              <a:buChar char="q"/>
-            </a:pPr>
-            <a:endParaRPr lang="en-US" sz="2800" dirty="0">
-              <a:solidFill>
-                <a:schemeClr val="bg1"/>
-              </a:solidFill>
-              <a:latin typeface="Courier New" panose="02070309020205020404" pitchFamily="49" charset="0"/>
-              <a:cs typeface="Courier New" panose="02070309020205020404" pitchFamily="49" charset="0"/>
-            </a:endParaRPr>
-          </a:p>
-        </p:txBody>
-      </p:sp>
-    </p:spTree>
-    <p:extLst>
-      <p:ext uri="{BB962C8B-B14F-4D97-AF65-F5344CB8AC3E}">
-        <p14:creationId xmlns:p14="http://schemas.microsoft.com/office/powerpoint/2010/main" val="2637490138"/>
-      </p:ext>
-    </p:extLst>
-  </p:cSld>
-  <p:clrMapOvr>
-    <a:masterClrMapping/>
-  </p:clrMapOvr>
-</p:sld>
-</file>
-
-<file path=ppt/slides/slide7.xml><?xml version="1.0" encoding="utf-8"?>
-<p:sld xmlns:a="http://schemas.openxmlformats.org/drawingml/2006/main" xmlns:r="http://schemas.openxmlformats.org/officeDocument/2006/relationships" xmlns:p="http://schemas.openxmlformats.org/presentationml/2006/main">
-  <p:cSld>
-    <p:spTree>
-      <p:nvGrpSpPr>
-        <p:cNvPr id="1" name=""/>
-        <p:cNvGrpSpPr/>
-        <p:nvPr/>
-      </p:nvGrpSpPr>
-      <p:grpSpPr>
-        <a:xfrm>
-          <a:off x="0" y="0"/>
-          <a:ext cx="0" cy="0"/>
-          <a:chOff x="0" y="0"/>
-          <a:chExt cx="0" cy="0"/>
-        </a:xfrm>
-      </p:grpSpPr>
-      <p:sp>
-        <p:nvSpPr>
-          <p:cNvPr id="2" name="Título 1">
-            <a:extLst>
-              <a:ext uri="{FF2B5EF4-FFF2-40B4-BE49-F238E27FC236}">
-                <a16:creationId xmlns:a16="http://schemas.microsoft.com/office/drawing/2014/main" id="{6A91E726-E2E5-410E-BD7B-798D9DB5DC85}"/>
-              </a:ext>
-            </a:extLst>
-          </p:cNvPr>
-          <p:cNvSpPr>
-            <a:spLocks noGrp="1"/>
-          </p:cNvSpPr>
-          <p:nvPr>
-            <p:ph type="ctrTitle"/>
-          </p:nvPr>
-        </p:nvSpPr>
-        <p:spPr>
-          <a:xfrm>
-            <a:off x="736847" y="711942"/>
-            <a:ext cx="9294920" cy="690983"/>
-          </a:xfrm>
-        </p:spPr>
-        <p:txBody>
-          <a:bodyPr anchor="t"/>
-          <a:lstStyle/>
-          <a:p>
-            <a:r>
-              <a:rPr lang="pt-BR" sz="4800" b="1" dirty="0">
-                <a:latin typeface="Courier New" panose="02070309020205020404" pitchFamily="49" charset="0"/>
-                <a:cs typeface="Courier New" panose="02070309020205020404" pitchFamily="49" charset="0"/>
-              </a:rPr>
-              <a:t>//Engenharia Software</a:t>
-            </a:r>
-            <a:br>
-              <a:rPr lang="pt-BR" sz="4800" b="1" dirty="0">
-                <a:latin typeface="Courier New" panose="02070309020205020404" pitchFamily="49" charset="0"/>
-                <a:cs typeface="Courier New" panose="02070309020205020404" pitchFamily="49" charset="0"/>
-              </a:rPr>
-            </a:br>
-            <a:r>
-              <a:rPr lang="pt-BR" sz="4800" b="1" dirty="0">
-                <a:latin typeface="Courier New" panose="02070309020205020404" pitchFamily="49" charset="0"/>
-                <a:cs typeface="Courier New" panose="02070309020205020404" pitchFamily="49" charset="0"/>
-              </a:rPr>
-              <a:t>	</a:t>
-            </a:r>
-            <a:endParaRPr lang="en-US" sz="4800" b="1" dirty="0">
-              <a:latin typeface="Courier New" panose="02070309020205020404" pitchFamily="49" charset="0"/>
-              <a:cs typeface="Courier New" panose="02070309020205020404" pitchFamily="49" charset="0"/>
-            </a:endParaRPr>
-          </a:p>
-        </p:txBody>
-      </p:sp>
-      <p:pic>
-        <p:nvPicPr>
-          <p:cNvPr id="5" name="Imagem 4">
-            <a:extLst>
-              <a:ext uri="{FF2B5EF4-FFF2-40B4-BE49-F238E27FC236}">
-                <a16:creationId xmlns:a16="http://schemas.microsoft.com/office/drawing/2014/main" id="{9BF7BFA3-66E1-4DC5-AD54-D4D46AD07568}"/>
-              </a:ext>
-            </a:extLst>
-          </p:cNvPr>
-          <p:cNvPicPr>
-            <a:picLocks noChangeAspect="1"/>
-          </p:cNvPicPr>
-          <p:nvPr/>
-        </p:nvPicPr>
-        <p:blipFill>
-          <a:blip r:embed="rId2"/>
-          <a:stretch>
-            <a:fillRect/>
-          </a:stretch>
-        </p:blipFill>
-        <p:spPr>
-          <a:xfrm>
-            <a:off x="10534650" y="366451"/>
-            <a:ext cx="523995" cy="690983"/>
-          </a:xfrm>
-          <a:prstGeom prst="rect">
-            <a:avLst/>
-          </a:prstGeom>
-        </p:spPr>
-      </p:pic>
-      <p:pic>
-        <p:nvPicPr>
-          <p:cNvPr id="6" name="Imagem 5" descr="Uma imagem contendo natureza&#10;&#10;Descrição gerada automaticamente">
-            <a:extLst>
-              <a:ext uri="{FF2B5EF4-FFF2-40B4-BE49-F238E27FC236}">
-                <a16:creationId xmlns:a16="http://schemas.microsoft.com/office/drawing/2014/main" id="{52B510D5-C8D2-4D16-849E-D3F58D3CBE70}"/>
-              </a:ext>
-            </a:extLst>
-          </p:cNvPr>
-          <p:cNvPicPr>
-            <a:picLocks noChangeAspect="1"/>
-          </p:cNvPicPr>
-          <p:nvPr/>
-        </p:nvPicPr>
-        <p:blipFill>
-          <a:blip r:embed="rId3"/>
-          <a:stretch>
-            <a:fillRect/>
-          </a:stretch>
-        </p:blipFill>
-        <p:spPr>
-          <a:xfrm>
-            <a:off x="1990725" y="1528577"/>
-            <a:ext cx="8210550" cy="4617481"/>
-          </a:xfrm>
-          <a:prstGeom prst="rect">
-            <a:avLst/>
-          </a:prstGeom>
-        </p:spPr>
-      </p:pic>
-    </p:spTree>
-    <p:extLst>
-      <p:ext uri="{BB962C8B-B14F-4D97-AF65-F5344CB8AC3E}">
-        <p14:creationId xmlns:p14="http://schemas.microsoft.com/office/powerpoint/2010/main" val="2984223410"/>
-      </p:ext>
-    </p:extLst>
-  </p:cSld>
-  <p:clrMapOvr>
-    <a:masterClrMapping/>
-  </p:clrMapOvr>
-</p:sld>
-</file>
-
 <file path=ppt/slides/slide8.xml><?xml version="1.0" encoding="utf-8"?>
 <p:sld xmlns:a="http://schemas.openxmlformats.org/drawingml/2006/main" xmlns:r="http://schemas.openxmlformats.org/officeDocument/2006/relationships" xmlns:p="http://schemas.openxmlformats.org/presentationml/2006/main">
   <p:cSld>
@@ -15271,40 +19746,252 @@
           </a:prstGeom>
         </p:spPr>
       </p:pic>
-      <p:pic>
-        <p:nvPicPr>
-          <p:cNvPr id="6" name="Imagem 5">
+      <p:sp>
+        <p:nvSpPr>
+          <p:cNvPr id="3" name="CaixaDeTexto 2">
             <a:extLst>
               <a:ext uri="{FF2B5EF4-FFF2-40B4-BE49-F238E27FC236}">
-                <a16:creationId xmlns:a16="http://schemas.microsoft.com/office/drawing/2014/main" id="{52B510D5-C8D2-4D16-849E-D3F58D3CBE70}"/>
+                <a16:creationId xmlns:a16="http://schemas.microsoft.com/office/drawing/2014/main" id="{B8F912C2-3453-4957-AB52-D21C1EA8DEF9}"/>
               </a:ext>
             </a:extLst>
           </p:cNvPr>
-          <p:cNvPicPr>
-            <a:picLocks noChangeAspect="1"/>
-          </p:cNvPicPr>
+          <p:cNvSpPr txBox="1"/>
           <p:nvPr/>
-        </p:nvPicPr>
-        <p:blipFill>
-          <a:blip r:embed="rId3"/>
-          <a:stretch>
-            <a:fillRect/>
-          </a:stretch>
-        </p:blipFill>
+        </p:nvSpPr>
         <p:spPr>
           <a:xfrm>
-            <a:off x="1990726" y="1528577"/>
-            <a:ext cx="8210548" cy="4617481"/>
+            <a:off x="1654250" y="2201981"/>
+            <a:ext cx="6202441" cy="6124754"/>
           </a:xfrm>
           <a:prstGeom prst="rect">
             <a:avLst/>
           </a:prstGeom>
+          <a:noFill/>
         </p:spPr>
-      </p:pic>
+        <p:txBody>
+          <a:bodyPr wrap="square" rtlCol="0">
+            <a:spAutoFit/>
+          </a:bodyPr>
+          <a:lstStyle/>
+          <a:p>
+            <a:r>
+              <a:rPr lang="pt-BR" sz="2800" dirty="0">
+                <a:solidFill>
+                  <a:schemeClr val="bg1"/>
+                </a:solidFill>
+                <a:latin typeface="Courier New" panose="02070309020205020404" pitchFamily="49" charset="0"/>
+                <a:cs typeface="Courier New" panose="02070309020205020404" pitchFamily="49" charset="0"/>
+              </a:rPr>
+              <a:t>PROTOTIPAÇÃO – </a:t>
+            </a:r>
+            <a:r>
+              <a:rPr lang="pt-BR" sz="2800" dirty="0" err="1">
+                <a:solidFill>
+                  <a:schemeClr val="bg1"/>
+                </a:solidFill>
+                <a:latin typeface="Courier New" panose="02070309020205020404" pitchFamily="49" charset="0"/>
+                <a:cs typeface="Courier New" panose="02070309020205020404" pitchFamily="49" charset="0"/>
+              </a:rPr>
+              <a:t>Versão_Final</a:t>
+            </a:r>
+            <a:endParaRPr lang="pt-BR" sz="2800" dirty="0">
+              <a:solidFill>
+                <a:schemeClr val="bg1"/>
+              </a:solidFill>
+              <a:latin typeface="Courier New" panose="02070309020205020404" pitchFamily="49" charset="0"/>
+              <a:cs typeface="Courier New" panose="02070309020205020404" pitchFamily="49" charset="0"/>
+            </a:endParaRPr>
+          </a:p>
+          <a:p>
+            <a:pPr marL="457200" indent="-457200">
+              <a:buFont typeface="Arial" panose="020B0604020202020204" pitchFamily="34" charset="0"/>
+              <a:buChar char="•"/>
+            </a:pPr>
+            <a:endParaRPr lang="pt-BR" sz="2800" dirty="0">
+              <a:solidFill>
+                <a:schemeClr val="bg1"/>
+              </a:solidFill>
+              <a:latin typeface="Courier New" panose="02070309020205020404" pitchFamily="49" charset="0"/>
+              <a:cs typeface="Courier New" panose="02070309020205020404" pitchFamily="49" charset="0"/>
+            </a:endParaRPr>
+          </a:p>
+          <a:p>
+            <a:pPr marL="457200" indent="-457200">
+              <a:buFont typeface="Arial" panose="020B0604020202020204" pitchFamily="34" charset="0"/>
+              <a:buChar char="•"/>
+            </a:pPr>
+            <a:r>
+              <a:rPr lang="pt-BR" sz="2800" dirty="0">
+                <a:solidFill>
+                  <a:schemeClr val="bg1"/>
+                </a:solidFill>
+                <a:latin typeface="Courier New" panose="02070309020205020404" pitchFamily="49" charset="0"/>
+                <a:cs typeface="Courier New" panose="02070309020205020404" pitchFamily="49" charset="0"/>
+              </a:rPr>
+              <a:t>Design Clean</a:t>
+            </a:r>
+          </a:p>
+          <a:p>
+            <a:pPr marL="457200" indent="-457200">
+              <a:buFont typeface="Arial" panose="020B0604020202020204" pitchFamily="34" charset="0"/>
+              <a:buChar char="•"/>
+            </a:pPr>
+            <a:r>
+              <a:rPr lang="pt-BR" sz="2800" dirty="0">
+                <a:solidFill>
+                  <a:schemeClr val="bg1"/>
+                </a:solidFill>
+                <a:latin typeface="Courier New" panose="02070309020205020404" pitchFamily="49" charset="0"/>
+                <a:cs typeface="Courier New" panose="02070309020205020404" pitchFamily="49" charset="0"/>
+              </a:rPr>
+              <a:t>Visual Retrô</a:t>
+            </a:r>
+          </a:p>
+          <a:p>
+            <a:pPr marL="457200" indent="-457200">
+              <a:buFont typeface="Arial" panose="020B0604020202020204" pitchFamily="34" charset="0"/>
+              <a:buChar char="•"/>
+            </a:pPr>
+            <a:r>
+              <a:rPr lang="pt-BR" sz="2800" dirty="0">
+                <a:solidFill>
+                  <a:schemeClr val="bg1"/>
+                </a:solidFill>
+                <a:latin typeface="Courier New" panose="02070309020205020404" pitchFamily="49" charset="0"/>
+                <a:cs typeface="Courier New" panose="02070309020205020404" pitchFamily="49" charset="0"/>
+              </a:rPr>
+              <a:t>Baseado em jogos anos 90</a:t>
+            </a:r>
+          </a:p>
+          <a:p>
+            <a:pPr marL="457200" indent="-457200">
+              <a:buFont typeface="Arial" panose="020B0604020202020204" pitchFamily="34" charset="0"/>
+              <a:buChar char="•"/>
+            </a:pPr>
+            <a:r>
+              <a:rPr lang="pt-BR" sz="2800" dirty="0" err="1">
+                <a:solidFill>
+                  <a:schemeClr val="bg1"/>
+                </a:solidFill>
+                <a:latin typeface="Courier New" panose="02070309020205020404" pitchFamily="49" charset="0"/>
+                <a:cs typeface="Courier New" panose="02070309020205020404" pitchFamily="49" charset="0"/>
+              </a:rPr>
+              <a:t>Pixelização</a:t>
+            </a:r>
+            <a:endParaRPr lang="pt-BR" sz="2800" dirty="0">
+              <a:solidFill>
+                <a:schemeClr val="bg1"/>
+              </a:solidFill>
+              <a:latin typeface="Courier New" panose="02070309020205020404" pitchFamily="49" charset="0"/>
+              <a:cs typeface="Courier New" panose="02070309020205020404" pitchFamily="49" charset="0"/>
+            </a:endParaRPr>
+          </a:p>
+          <a:p>
+            <a:endParaRPr lang="pt-BR" sz="2800" dirty="0">
+              <a:solidFill>
+                <a:schemeClr val="bg1"/>
+              </a:solidFill>
+              <a:latin typeface="Courier New" panose="02070309020205020404" pitchFamily="49" charset="0"/>
+              <a:cs typeface="Courier New" panose="02070309020205020404" pitchFamily="49" charset="0"/>
+            </a:endParaRPr>
+          </a:p>
+          <a:p>
+            <a:pPr marL="457200" indent="-457200">
+              <a:buFont typeface="Wingdings" panose="05000000000000000000" pitchFamily="2" charset="2"/>
+              <a:buChar char="q"/>
+            </a:pPr>
+            <a:endParaRPr lang="pt-BR" sz="2800" dirty="0">
+              <a:solidFill>
+                <a:schemeClr val="bg1"/>
+              </a:solidFill>
+              <a:latin typeface="Courier New" panose="02070309020205020404" pitchFamily="49" charset="0"/>
+              <a:cs typeface="Courier New" panose="02070309020205020404" pitchFamily="49" charset="0"/>
+            </a:endParaRPr>
+          </a:p>
+          <a:p>
+            <a:pPr marL="914400" lvl="1" indent="-457200">
+              <a:buFont typeface="Wingdings" panose="05000000000000000000" pitchFamily="2" charset="2"/>
+              <a:buChar char="q"/>
+            </a:pPr>
+            <a:endParaRPr lang="pt-BR" sz="2800" dirty="0">
+              <a:solidFill>
+                <a:schemeClr val="bg1"/>
+              </a:solidFill>
+              <a:latin typeface="Courier New" panose="02070309020205020404" pitchFamily="49" charset="0"/>
+              <a:cs typeface="Courier New" panose="02070309020205020404" pitchFamily="49" charset="0"/>
+            </a:endParaRPr>
+          </a:p>
+          <a:p>
+            <a:pPr marL="914400" lvl="1" indent="-457200">
+              <a:buFont typeface="Wingdings" panose="05000000000000000000" pitchFamily="2" charset="2"/>
+              <a:buChar char="q"/>
+            </a:pPr>
+            <a:endParaRPr lang="pt-BR" sz="2800" dirty="0">
+              <a:solidFill>
+                <a:schemeClr val="bg1"/>
+              </a:solidFill>
+              <a:latin typeface="Courier New" panose="02070309020205020404" pitchFamily="49" charset="0"/>
+              <a:cs typeface="Courier New" panose="02070309020205020404" pitchFamily="49" charset="0"/>
+            </a:endParaRPr>
+          </a:p>
+          <a:p>
+            <a:pPr marL="457200" indent="-457200">
+              <a:buFont typeface="Wingdings" panose="05000000000000000000" pitchFamily="2" charset="2"/>
+              <a:buChar char="q"/>
+            </a:pPr>
+            <a:endParaRPr lang="pt-BR" sz="2800" dirty="0">
+              <a:solidFill>
+                <a:schemeClr val="bg1"/>
+              </a:solidFill>
+              <a:latin typeface="Courier New" panose="02070309020205020404" pitchFamily="49" charset="0"/>
+              <a:cs typeface="Courier New" panose="02070309020205020404" pitchFamily="49" charset="0"/>
+            </a:endParaRPr>
+          </a:p>
+          <a:p>
+            <a:pPr marL="914400" lvl="1" indent="-457200">
+              <a:buFont typeface="Wingdings" panose="05000000000000000000" pitchFamily="2" charset="2"/>
+              <a:buChar char="q"/>
+            </a:pPr>
+            <a:endParaRPr lang="pt-BR" sz="2800" dirty="0">
+              <a:solidFill>
+                <a:schemeClr val="bg1"/>
+              </a:solidFill>
+              <a:latin typeface="Courier New" panose="02070309020205020404" pitchFamily="49" charset="0"/>
+              <a:cs typeface="Courier New" panose="02070309020205020404" pitchFamily="49" charset="0"/>
+            </a:endParaRPr>
+          </a:p>
+          <a:p>
+            <a:pPr marL="457200" indent="-457200">
+              <a:buFont typeface="Wingdings" panose="05000000000000000000" pitchFamily="2" charset="2"/>
+              <a:buChar char="q"/>
+            </a:pPr>
+            <a:endParaRPr lang="pt-BR" sz="2800" dirty="0">
+              <a:solidFill>
+                <a:schemeClr val="bg1"/>
+              </a:solidFill>
+              <a:latin typeface="Courier New" panose="02070309020205020404" pitchFamily="49" charset="0"/>
+              <a:cs typeface="Courier New" panose="02070309020205020404" pitchFamily="49" charset="0"/>
+            </a:endParaRPr>
+          </a:p>
+          <a:p>
+            <a:pPr marL="914400" lvl="1" indent="-457200">
+              <a:buFont typeface="Wingdings" panose="05000000000000000000" pitchFamily="2" charset="2"/>
+              <a:buChar char="q"/>
+            </a:pPr>
+            <a:endParaRPr lang="en-US" sz="2800" dirty="0">
+              <a:solidFill>
+                <a:schemeClr val="bg1"/>
+              </a:solidFill>
+              <a:latin typeface="Courier New" panose="02070309020205020404" pitchFamily="49" charset="0"/>
+              <a:cs typeface="Courier New" panose="02070309020205020404" pitchFamily="49" charset="0"/>
+            </a:endParaRPr>
+          </a:p>
+        </p:txBody>
+      </p:sp>
     </p:spTree>
     <p:extLst>
       <p:ext uri="{BB962C8B-B14F-4D97-AF65-F5344CB8AC3E}">
-        <p14:creationId xmlns:p14="http://schemas.microsoft.com/office/powerpoint/2010/main" val="2067987471"/>
+        <p14:creationId xmlns:p14="http://schemas.microsoft.com/office/powerpoint/2010/main" val="2637490138"/>
       </p:ext>
     </p:extLst>
   </p:cSld>
@@ -15437,7 +20124,7 @@
         <p:spPr>
           <a:xfrm>
             <a:off x="1990726" y="1528577"/>
-            <a:ext cx="8210548" cy="4617480"/>
+            <a:ext cx="8210548" cy="4617481"/>
           </a:xfrm>
           <a:prstGeom prst="rect">
             <a:avLst/>
@@ -15447,7 +20134,7 @@
     </p:spTree>
     <p:extLst>
       <p:ext uri="{BB962C8B-B14F-4D97-AF65-F5344CB8AC3E}">
-        <p14:creationId xmlns:p14="http://schemas.microsoft.com/office/powerpoint/2010/main" val="1067051704"/>
+        <p14:creationId xmlns:p14="http://schemas.microsoft.com/office/powerpoint/2010/main" val="2067987471"/>
       </p:ext>
     </p:extLst>
   </p:cSld>
